--- a/.figures/diagram.pptx
+++ b/.figures/diagram.pptx
@@ -4,8 +4,12 @@
   <p:sldMasterIdLst>
     <p:sldMasterId id="2147483648" r:id="rId1"/>
   </p:sldMasterIdLst>
+  <p:notesMasterIdLst>
+    <p:notesMasterId r:id="rId4"/>
+  </p:notesMasterIdLst>
   <p:sldIdLst>
-    <p:sldId id="257" r:id="rId2"/>
+    <p:sldId id="258" r:id="rId2"/>
+    <p:sldId id="259" r:id="rId3"/>
   </p:sldIdLst>
   <p:sldSz cx="9144000" cy="6858000" type="screen4x3"/>
   <p:notesSz cx="6858000" cy="9144000"/>
@@ -105,6 +109,732 @@
     </a:lvl9pPr>
   </p:defaultTextStyle>
 </p:presentation>
+</file>
+
+<file path=ppt/notesMasters/notesMaster1.xml><?xml version="1.0" encoding="utf-8"?>
+<p:notesMaster xmlns:a="http://schemas.openxmlformats.org/drawingml/2006/main" xmlns:r="http://schemas.openxmlformats.org/officeDocument/2006/relationships" xmlns:p="http://schemas.openxmlformats.org/presentationml/2006/main">
+  <p:cSld>
+    <p:bg>
+      <p:bgRef idx="1001">
+        <a:schemeClr val="bg1"/>
+      </p:bgRef>
+    </p:bg>
+    <p:spTree>
+      <p:nvGrpSpPr>
+        <p:cNvPr id="1" name=""/>
+        <p:cNvGrpSpPr/>
+        <p:nvPr/>
+      </p:nvGrpSpPr>
+      <p:grpSpPr>
+        <a:xfrm>
+          <a:off x="0" y="0"/>
+          <a:ext cx="0" cy="0"/>
+          <a:chOff x="0" y="0"/>
+          <a:chExt cx="0" cy="0"/>
+        </a:xfrm>
+      </p:grpSpPr>
+      <p:sp>
+        <p:nvSpPr>
+          <p:cNvPr id="2" name="Header Placeholder 1"/>
+          <p:cNvSpPr>
+            <a:spLocks noGrp="1"/>
+          </p:cNvSpPr>
+          <p:nvPr>
+            <p:ph type="hdr" sz="quarter"/>
+          </p:nvPr>
+        </p:nvSpPr>
+        <p:spPr>
+          <a:xfrm>
+            <a:off x="0" y="0"/>
+            <a:ext cx="2971800" cy="457200"/>
+          </a:xfrm>
+          <a:prstGeom prst="rect">
+            <a:avLst/>
+          </a:prstGeom>
+        </p:spPr>
+        <p:txBody>
+          <a:bodyPr vert="horz" lIns="91440" tIns="45720" rIns="91440" bIns="45720" rtlCol="0"/>
+          <a:lstStyle>
+            <a:lvl1pPr algn="l">
+              <a:defRPr sz="1200"/>
+            </a:lvl1pPr>
+          </a:lstStyle>
+          <a:p>
+            <a:endParaRPr lang="en-US"/>
+          </a:p>
+        </p:txBody>
+      </p:sp>
+      <p:sp>
+        <p:nvSpPr>
+          <p:cNvPr id="3" name="Date Placeholder 2"/>
+          <p:cNvSpPr>
+            <a:spLocks noGrp="1"/>
+          </p:cNvSpPr>
+          <p:nvPr>
+            <p:ph type="dt" idx="1"/>
+          </p:nvPr>
+        </p:nvSpPr>
+        <p:spPr>
+          <a:xfrm>
+            <a:off x="3884613" y="0"/>
+            <a:ext cx="2971800" cy="457200"/>
+          </a:xfrm>
+          <a:prstGeom prst="rect">
+            <a:avLst/>
+          </a:prstGeom>
+        </p:spPr>
+        <p:txBody>
+          <a:bodyPr vert="horz" lIns="91440" tIns="45720" rIns="91440" bIns="45720" rtlCol="0"/>
+          <a:lstStyle>
+            <a:lvl1pPr algn="r">
+              <a:defRPr sz="1200"/>
+            </a:lvl1pPr>
+          </a:lstStyle>
+          <a:p>
+            <a:fld id="{79AB8312-31A4-D844-BA77-7D01642225E0}" type="datetimeFigureOut">
+              <a:rPr lang="en-US" smtClean="0"/>
+              <a:t>4/18/16</a:t>
+            </a:fld>
+            <a:endParaRPr lang="en-US"/>
+          </a:p>
+        </p:txBody>
+      </p:sp>
+      <p:sp>
+        <p:nvSpPr>
+          <p:cNvPr id="4" name="Slide Image Placeholder 3"/>
+          <p:cNvSpPr>
+            <a:spLocks noGrp="1" noRot="1" noChangeAspect="1"/>
+          </p:cNvSpPr>
+          <p:nvPr>
+            <p:ph type="sldImg" idx="2"/>
+          </p:nvPr>
+        </p:nvSpPr>
+        <p:spPr>
+          <a:xfrm>
+            <a:off x="1143000" y="685800"/>
+            <a:ext cx="4572000" cy="3429000"/>
+          </a:xfrm>
+          <a:prstGeom prst="rect">
+            <a:avLst/>
+          </a:prstGeom>
+          <a:noFill/>
+          <a:ln w="12700">
+            <a:solidFill>
+              <a:prstClr val="black"/>
+            </a:solidFill>
+          </a:ln>
+        </p:spPr>
+        <p:txBody>
+          <a:bodyPr vert="horz" lIns="91440" tIns="45720" rIns="91440" bIns="45720" rtlCol="0" anchor="ctr"/>
+          <a:lstStyle/>
+          <a:p>
+            <a:endParaRPr lang="en-US"/>
+          </a:p>
+        </p:txBody>
+      </p:sp>
+      <p:sp>
+        <p:nvSpPr>
+          <p:cNvPr id="5" name="Notes Placeholder 4"/>
+          <p:cNvSpPr>
+            <a:spLocks noGrp="1"/>
+          </p:cNvSpPr>
+          <p:nvPr>
+            <p:ph type="body" sz="quarter" idx="3"/>
+          </p:nvPr>
+        </p:nvSpPr>
+        <p:spPr>
+          <a:xfrm>
+            <a:off x="685800" y="4343400"/>
+            <a:ext cx="5486400" cy="4114800"/>
+          </a:xfrm>
+          <a:prstGeom prst="rect">
+            <a:avLst/>
+          </a:prstGeom>
+        </p:spPr>
+        <p:txBody>
+          <a:bodyPr vert="horz" lIns="91440" tIns="45720" rIns="91440" bIns="45720" rtlCol="0"/>
+          <a:lstStyle/>
+          <a:p>
+            <a:pPr lvl="0"/>
+            <a:r>
+              <a:rPr lang="en-US" smtClean="0"/>
+              <a:t>Click to edit Master text styles</a:t>
+            </a:r>
+          </a:p>
+          <a:p>
+            <a:pPr lvl="1"/>
+            <a:r>
+              <a:rPr lang="en-US" smtClean="0"/>
+              <a:t>Second level</a:t>
+            </a:r>
+          </a:p>
+          <a:p>
+            <a:pPr lvl="2"/>
+            <a:r>
+              <a:rPr lang="en-US" smtClean="0"/>
+              <a:t>Third level</a:t>
+            </a:r>
+          </a:p>
+          <a:p>
+            <a:pPr lvl="3"/>
+            <a:r>
+              <a:rPr lang="en-US" smtClean="0"/>
+              <a:t>Fourth level</a:t>
+            </a:r>
+          </a:p>
+          <a:p>
+            <a:pPr lvl="4"/>
+            <a:r>
+              <a:rPr lang="en-US" smtClean="0"/>
+              <a:t>Fifth level</a:t>
+            </a:r>
+            <a:endParaRPr lang="en-US"/>
+          </a:p>
+        </p:txBody>
+      </p:sp>
+      <p:sp>
+        <p:nvSpPr>
+          <p:cNvPr id="6" name="Footer Placeholder 5"/>
+          <p:cNvSpPr>
+            <a:spLocks noGrp="1"/>
+          </p:cNvSpPr>
+          <p:nvPr>
+            <p:ph type="ftr" sz="quarter" idx="4"/>
+          </p:nvPr>
+        </p:nvSpPr>
+        <p:spPr>
+          <a:xfrm>
+            <a:off x="0" y="8685213"/>
+            <a:ext cx="2971800" cy="457200"/>
+          </a:xfrm>
+          <a:prstGeom prst="rect">
+            <a:avLst/>
+          </a:prstGeom>
+        </p:spPr>
+        <p:txBody>
+          <a:bodyPr vert="horz" lIns="91440" tIns="45720" rIns="91440" bIns="45720" rtlCol="0" anchor="b"/>
+          <a:lstStyle>
+            <a:lvl1pPr algn="l">
+              <a:defRPr sz="1200"/>
+            </a:lvl1pPr>
+          </a:lstStyle>
+          <a:p>
+            <a:endParaRPr lang="en-US"/>
+          </a:p>
+        </p:txBody>
+      </p:sp>
+      <p:sp>
+        <p:nvSpPr>
+          <p:cNvPr id="7" name="Slide Number Placeholder 6"/>
+          <p:cNvSpPr>
+            <a:spLocks noGrp="1"/>
+          </p:cNvSpPr>
+          <p:nvPr>
+            <p:ph type="sldNum" sz="quarter" idx="5"/>
+          </p:nvPr>
+        </p:nvSpPr>
+        <p:spPr>
+          <a:xfrm>
+            <a:off x="3884613" y="8685213"/>
+            <a:ext cx="2971800" cy="457200"/>
+          </a:xfrm>
+          <a:prstGeom prst="rect">
+            <a:avLst/>
+          </a:prstGeom>
+        </p:spPr>
+        <p:txBody>
+          <a:bodyPr vert="horz" lIns="91440" tIns="45720" rIns="91440" bIns="45720" rtlCol="0" anchor="b"/>
+          <a:lstStyle>
+            <a:lvl1pPr algn="r">
+              <a:defRPr sz="1200"/>
+            </a:lvl1pPr>
+          </a:lstStyle>
+          <a:p>
+            <a:fld id="{02DCBF96-8D76-214B-9926-EF5E44B8F77F}" type="slidenum">
+              <a:rPr lang="en-US" smtClean="0"/>
+              <a:t>‹#›</a:t>
+            </a:fld>
+            <a:endParaRPr lang="en-US"/>
+          </a:p>
+        </p:txBody>
+      </p:sp>
+    </p:spTree>
+    <p:extLst>
+      <p:ext uri="{BB962C8B-B14F-4D97-AF65-F5344CB8AC3E}">
+        <p14:creationId xmlns:p14="http://schemas.microsoft.com/office/powerpoint/2010/main" val="938810318"/>
+      </p:ext>
+    </p:extLst>
+  </p:cSld>
+  <p:clrMap bg1="lt1" tx1="dk1" bg2="lt2" tx2="dk2" accent1="accent1" accent2="accent2" accent3="accent3" accent4="accent4" accent5="accent5" accent6="accent6" hlink="hlink" folHlink="folHlink"/>
+  <p:notesStyle>
+    <a:lvl1pPr marL="0" algn="l" defTabSz="457200" rtl="0" eaLnBrk="1" latinLnBrk="0" hangingPunct="1">
+      <a:defRPr sz="1200" kern="1200">
+        <a:solidFill>
+          <a:schemeClr val="tx1"/>
+        </a:solidFill>
+        <a:latin typeface="+mn-lt"/>
+        <a:ea typeface="+mn-ea"/>
+        <a:cs typeface="+mn-cs"/>
+      </a:defRPr>
+    </a:lvl1pPr>
+    <a:lvl2pPr marL="457200" algn="l" defTabSz="457200" rtl="0" eaLnBrk="1" latinLnBrk="0" hangingPunct="1">
+      <a:defRPr sz="1200" kern="1200">
+        <a:solidFill>
+          <a:schemeClr val="tx1"/>
+        </a:solidFill>
+        <a:latin typeface="+mn-lt"/>
+        <a:ea typeface="+mn-ea"/>
+        <a:cs typeface="+mn-cs"/>
+      </a:defRPr>
+    </a:lvl2pPr>
+    <a:lvl3pPr marL="914400" algn="l" defTabSz="457200" rtl="0" eaLnBrk="1" latinLnBrk="0" hangingPunct="1">
+      <a:defRPr sz="1200" kern="1200">
+        <a:solidFill>
+          <a:schemeClr val="tx1"/>
+        </a:solidFill>
+        <a:latin typeface="+mn-lt"/>
+        <a:ea typeface="+mn-ea"/>
+        <a:cs typeface="+mn-cs"/>
+      </a:defRPr>
+    </a:lvl3pPr>
+    <a:lvl4pPr marL="1371600" algn="l" defTabSz="457200" rtl="0" eaLnBrk="1" latinLnBrk="0" hangingPunct="1">
+      <a:defRPr sz="1200" kern="1200">
+        <a:solidFill>
+          <a:schemeClr val="tx1"/>
+        </a:solidFill>
+        <a:latin typeface="+mn-lt"/>
+        <a:ea typeface="+mn-ea"/>
+        <a:cs typeface="+mn-cs"/>
+      </a:defRPr>
+    </a:lvl4pPr>
+    <a:lvl5pPr marL="1828800" algn="l" defTabSz="457200" rtl="0" eaLnBrk="1" latinLnBrk="0" hangingPunct="1">
+      <a:defRPr sz="1200" kern="1200">
+        <a:solidFill>
+          <a:schemeClr val="tx1"/>
+        </a:solidFill>
+        <a:latin typeface="+mn-lt"/>
+        <a:ea typeface="+mn-ea"/>
+        <a:cs typeface="+mn-cs"/>
+      </a:defRPr>
+    </a:lvl5pPr>
+    <a:lvl6pPr marL="2286000" algn="l" defTabSz="457200" rtl="0" eaLnBrk="1" latinLnBrk="0" hangingPunct="1">
+      <a:defRPr sz="1200" kern="1200">
+        <a:solidFill>
+          <a:schemeClr val="tx1"/>
+        </a:solidFill>
+        <a:latin typeface="+mn-lt"/>
+        <a:ea typeface="+mn-ea"/>
+        <a:cs typeface="+mn-cs"/>
+      </a:defRPr>
+    </a:lvl6pPr>
+    <a:lvl7pPr marL="2743200" algn="l" defTabSz="457200" rtl="0" eaLnBrk="1" latinLnBrk="0" hangingPunct="1">
+      <a:defRPr sz="1200" kern="1200">
+        <a:solidFill>
+          <a:schemeClr val="tx1"/>
+        </a:solidFill>
+        <a:latin typeface="+mn-lt"/>
+        <a:ea typeface="+mn-ea"/>
+        <a:cs typeface="+mn-cs"/>
+      </a:defRPr>
+    </a:lvl7pPr>
+    <a:lvl8pPr marL="3200400" algn="l" defTabSz="457200" rtl="0" eaLnBrk="1" latinLnBrk="0" hangingPunct="1">
+      <a:defRPr sz="1200" kern="1200">
+        <a:solidFill>
+          <a:schemeClr val="tx1"/>
+        </a:solidFill>
+        <a:latin typeface="+mn-lt"/>
+        <a:ea typeface="+mn-ea"/>
+        <a:cs typeface="+mn-cs"/>
+      </a:defRPr>
+    </a:lvl8pPr>
+    <a:lvl9pPr marL="3657600" algn="l" defTabSz="457200" rtl="0" eaLnBrk="1" latinLnBrk="0" hangingPunct="1">
+      <a:defRPr sz="1200" kern="1200">
+        <a:solidFill>
+          <a:schemeClr val="tx1"/>
+        </a:solidFill>
+        <a:latin typeface="+mn-lt"/>
+        <a:ea typeface="+mn-ea"/>
+        <a:cs typeface="+mn-cs"/>
+      </a:defRPr>
+    </a:lvl9pPr>
+  </p:notesStyle>
+</p:notesMaster>
+</file>
+
+<file path=ppt/notesSlides/notesSlide1.xml><?xml version="1.0" encoding="utf-8"?>
+<p:notes xmlns:a="http://schemas.openxmlformats.org/drawingml/2006/main" xmlns:r="http://schemas.openxmlformats.org/officeDocument/2006/relationships" xmlns:p="http://schemas.openxmlformats.org/presentationml/2006/main">
+  <p:cSld>
+    <p:spTree>
+      <p:nvGrpSpPr>
+        <p:cNvPr id="1" name=""/>
+        <p:cNvGrpSpPr/>
+        <p:nvPr/>
+      </p:nvGrpSpPr>
+      <p:grpSpPr>
+        <a:xfrm>
+          <a:off x="0" y="0"/>
+          <a:ext cx="0" cy="0"/>
+          <a:chOff x="0" y="0"/>
+          <a:chExt cx="0" cy="0"/>
+        </a:xfrm>
+      </p:grpSpPr>
+      <p:sp>
+        <p:nvSpPr>
+          <p:cNvPr id="2" name="Slide Image Placeholder 1"/>
+          <p:cNvSpPr>
+            <a:spLocks noGrp="1" noRot="1" noChangeAspect="1"/>
+          </p:cNvSpPr>
+          <p:nvPr>
+            <p:ph type="sldImg"/>
+          </p:nvPr>
+        </p:nvSpPr>
+        <p:spPr/>
+      </p:sp>
+      <p:sp>
+        <p:nvSpPr>
+          <p:cNvPr id="3" name="Notes Placeholder 2"/>
+          <p:cNvSpPr>
+            <a:spLocks noGrp="1"/>
+          </p:cNvSpPr>
+          <p:nvPr>
+            <p:ph type="body" idx="1"/>
+          </p:nvPr>
+        </p:nvSpPr>
+        <p:spPr/>
+        <p:txBody>
+          <a:bodyPr/>
+          <a:lstStyle/>
+          <a:p>
+            <a:pPr marL="171450" indent="-171450">
+              <a:buFontTx/>
+              <a:buChar char="•"/>
+            </a:pPr>
+            <a:r>
+              <a:rPr lang="en-US" dirty="0" smtClean="0"/>
+              <a:t>Local vs. git-builder.</a:t>
+            </a:r>
+            <a:r>
+              <a:rPr lang="en-US" baseline="0" dirty="0" smtClean="0"/>
+              <a:t> When we test using </a:t>
+            </a:r>
+            <a:r>
+              <a:rPr lang="en-US" baseline="0" dirty="0" err="1" smtClean="0"/>
+              <a:t>vstart.sh</a:t>
+            </a:r>
+            <a:r>
+              <a:rPr lang="en-US" baseline="0" dirty="0" smtClean="0"/>
+              <a:t>, we have a specific environment that might differ from the curate/sanitized one from upstream (git-builder)</a:t>
+            </a:r>
+            <a:endParaRPr lang="en-US" dirty="0" smtClean="0"/>
+          </a:p>
+          <a:p>
+            <a:pPr marL="171450" indent="-171450">
+              <a:buFontTx/>
+              <a:buChar char="•"/>
+            </a:pPr>
+            <a:r>
+              <a:rPr lang="en-US" dirty="0" smtClean="0"/>
+              <a:t>Testing the entire end-to-end build</a:t>
+            </a:r>
+            <a:r>
+              <a:rPr lang="en-US" baseline="0" dirty="0" smtClean="0"/>
+              <a:t> pipeline: when we build using a builder, we are testing the entire end-to-end development pipeline. A</a:t>
+            </a:r>
+            <a:r>
+              <a:rPr lang="en-US" dirty="0" smtClean="0"/>
+              <a:t> build in</a:t>
+            </a:r>
+            <a:r>
+              <a:rPr lang="en-US" baseline="0" dirty="0" smtClean="0"/>
+              <a:t> git-builder might break because of a problem with packaging, i.e. </a:t>
+            </a:r>
+            <a:r>
+              <a:rPr lang="en-US" baseline="0" dirty="0" err="1" smtClean="0"/>
+              <a:t>distro</a:t>
+            </a:r>
+            <a:r>
+              <a:rPr lang="en-US" baseline="0" dirty="0" smtClean="0"/>
+              <a:t>-specific. But when we develop we don’t care about those issues, we care about the stuff we’re hacking on. We can defer those issues to later, when we’re done with out stuff</a:t>
+            </a:r>
+          </a:p>
+          <a:p>
+            <a:pPr marL="171450" indent="-171450">
+              <a:buFontTx/>
+              <a:buChar char="•"/>
+            </a:pPr>
+            <a:r>
+              <a:rPr lang="en-US" baseline="0" dirty="0" smtClean="0"/>
+              <a:t>It might take more than an hour from the time we finish running make, to the time we can test (on bare-metal) in remote nodes. Testing locally using </a:t>
+            </a:r>
+            <a:r>
+              <a:rPr lang="en-US" baseline="0" dirty="0" err="1" smtClean="0"/>
+              <a:t>vstart.sh</a:t>
+            </a:r>
+            <a:r>
+              <a:rPr lang="en-US" baseline="0" dirty="0" smtClean="0"/>
+              <a:t> is fast, but unrealistic.</a:t>
+            </a:r>
+          </a:p>
+          <a:p>
+            <a:pPr marL="0" indent="0">
+              <a:buFontTx/>
+              <a:buNone/>
+            </a:pPr>
+            <a:endParaRPr lang="en-US" baseline="0" dirty="0" smtClean="0"/>
+          </a:p>
+          <a:p>
+            <a:pPr marL="171450" indent="-171450">
+              <a:buFontTx/>
+              <a:buChar char="•"/>
+            </a:pPr>
+            <a:endParaRPr lang="en-US" dirty="0"/>
+          </a:p>
+        </p:txBody>
+      </p:sp>
+      <p:sp>
+        <p:nvSpPr>
+          <p:cNvPr id="4" name="Slide Number Placeholder 3"/>
+          <p:cNvSpPr>
+            <a:spLocks noGrp="1"/>
+          </p:cNvSpPr>
+          <p:nvPr>
+            <p:ph type="sldNum" sz="quarter" idx="10"/>
+          </p:nvPr>
+        </p:nvSpPr>
+        <p:spPr/>
+        <p:txBody>
+          <a:bodyPr/>
+          <a:lstStyle/>
+          <a:p>
+            <a:fld id="{02DCBF96-8D76-214B-9926-EF5E44B8F77F}" type="slidenum">
+              <a:rPr lang="en-US" smtClean="0"/>
+              <a:t>1</a:t>
+            </a:fld>
+            <a:endParaRPr lang="en-US"/>
+          </a:p>
+        </p:txBody>
+      </p:sp>
+    </p:spTree>
+    <p:extLst>
+      <p:ext uri="{BB962C8B-B14F-4D97-AF65-F5344CB8AC3E}">
+        <p14:creationId xmlns:p14="http://schemas.microsoft.com/office/powerpoint/2010/main" val="185831761"/>
+      </p:ext>
+    </p:extLst>
+  </p:cSld>
+  <p:clrMapOvr>
+    <a:masterClrMapping/>
+  </p:clrMapOvr>
+</p:notes>
+</file>
+
+<file path=ppt/notesSlides/notesSlide2.xml><?xml version="1.0" encoding="utf-8"?>
+<p:notes xmlns:a="http://schemas.openxmlformats.org/drawingml/2006/main" xmlns:r="http://schemas.openxmlformats.org/officeDocument/2006/relationships" xmlns:p="http://schemas.openxmlformats.org/presentationml/2006/main">
+  <p:cSld>
+    <p:spTree>
+      <p:nvGrpSpPr>
+        <p:cNvPr id="1" name=""/>
+        <p:cNvGrpSpPr/>
+        <p:nvPr/>
+      </p:nvGrpSpPr>
+      <p:grpSpPr>
+        <a:xfrm>
+          <a:off x="0" y="0"/>
+          <a:ext cx="0" cy="0"/>
+          <a:chOff x="0" y="0"/>
+          <a:chExt cx="0" cy="0"/>
+        </a:xfrm>
+      </p:grpSpPr>
+      <p:sp>
+        <p:nvSpPr>
+          <p:cNvPr id="2" name="Slide Image Placeholder 1"/>
+          <p:cNvSpPr>
+            <a:spLocks noGrp="1" noRot="1" noChangeAspect="1"/>
+          </p:cNvSpPr>
+          <p:nvPr>
+            <p:ph type="sldImg"/>
+          </p:nvPr>
+        </p:nvSpPr>
+        <p:spPr/>
+      </p:sp>
+      <p:sp>
+        <p:nvSpPr>
+          <p:cNvPr id="3" name="Notes Placeholder 2"/>
+          <p:cNvSpPr>
+            <a:spLocks noGrp="1"/>
+          </p:cNvSpPr>
+          <p:nvPr>
+            <p:ph type="body" idx="1"/>
+          </p:nvPr>
+        </p:nvSpPr>
+        <p:spPr/>
+        <p:txBody>
+          <a:bodyPr/>
+          <a:lstStyle/>
+          <a:p>
+            <a:pPr marL="171450" indent="-171450">
+              <a:buFontTx/>
+              <a:buChar char="•"/>
+            </a:pPr>
+            <a:r>
+              <a:rPr lang="en-US" dirty="0" smtClean="0"/>
+              <a:t>Using containers we can solve all the</a:t>
+            </a:r>
+            <a:r>
+              <a:rPr lang="en-US" baseline="0" dirty="0" smtClean="0"/>
+              <a:t> issues mentioned before:</a:t>
+            </a:r>
+          </a:p>
+          <a:p>
+            <a:pPr marL="628650" lvl="1" indent="-171450">
+              <a:buFontTx/>
+              <a:buChar char="•"/>
+            </a:pPr>
+            <a:r>
+              <a:rPr lang="en-US" baseline="0" dirty="0" smtClean="0"/>
+              <a:t>We all share the same </a:t>
+            </a:r>
+            <a:r>
+              <a:rPr lang="en-US" baseline="0" dirty="0" err="1" smtClean="0"/>
+              <a:t>dev</a:t>
+            </a:r>
+            <a:r>
+              <a:rPr lang="en-US" baseline="0" dirty="0" smtClean="0"/>
+              <a:t> environment since we use a docker image to build (we all are using the same 3</a:t>
+            </a:r>
+            <a:r>
+              <a:rPr lang="en-US" baseline="30000" dirty="0" smtClean="0"/>
+              <a:t>rd</a:t>
+            </a:r>
+            <a:r>
+              <a:rPr lang="en-US" baseline="0" dirty="0" smtClean="0"/>
+              <a:t> party lib dependencies)</a:t>
+            </a:r>
+          </a:p>
+          <a:p>
+            <a:pPr marL="628650" lvl="1" indent="-171450">
+              <a:buFontTx/>
+              <a:buChar char="•"/>
+            </a:pPr>
+            <a:r>
+              <a:rPr lang="en-US" baseline="0" dirty="0" smtClean="0"/>
+              <a:t>We don’t need to wait for </a:t>
+            </a:r>
+            <a:r>
+              <a:rPr lang="en-US" baseline="0" dirty="0" err="1" smtClean="0"/>
+              <a:t>distro</a:t>
+            </a:r>
+            <a:r>
+              <a:rPr lang="en-US" baseline="0" dirty="0" smtClean="0"/>
+              <a:t>-specific packaging to finish since we’re directly copying binaries.</a:t>
+            </a:r>
+          </a:p>
+          <a:p>
+            <a:pPr marL="628650" lvl="1" indent="-171450">
+              <a:buFontTx/>
+              <a:buChar char="•"/>
+            </a:pPr>
+            <a:r>
+              <a:rPr lang="en-US" baseline="0" dirty="0" smtClean="0"/>
+              <a:t>We get rid off </a:t>
+            </a:r>
+            <a:r>
+              <a:rPr lang="en-US" baseline="0" dirty="0" err="1" smtClean="0"/>
+              <a:t>vstart.sh</a:t>
+            </a:r>
+            <a:r>
+              <a:rPr lang="en-US" baseline="0" dirty="0" smtClean="0"/>
+              <a:t> by running all daemons in a single container. To reproduce an issue, we share </a:t>
+            </a:r>
+            <a:r>
+              <a:rPr lang="en-US" baseline="0" dirty="0" err="1" smtClean="0"/>
+              <a:t>git’s</a:t>
+            </a:r>
+            <a:r>
+              <a:rPr lang="en-US" baseline="0" dirty="0" smtClean="0"/>
+              <a:t> sha1 and the docker run </a:t>
+            </a:r>
+            <a:r>
+              <a:rPr lang="en-US" baseline="0" dirty="0" err="1" smtClean="0"/>
+              <a:t>args</a:t>
+            </a:r>
+            <a:r>
+              <a:rPr lang="en-US" baseline="0" dirty="0" smtClean="0"/>
+              <a:t> for the </a:t>
+            </a:r>
+            <a:r>
+              <a:rPr lang="en-US" baseline="0" dirty="0" err="1" smtClean="0"/>
+              <a:t>ceph</a:t>
+            </a:r>
+            <a:r>
+              <a:rPr lang="en-US" baseline="0" dirty="0" smtClean="0"/>
+              <a:t>/demo image.</a:t>
+            </a:r>
+          </a:p>
+          <a:p>
+            <a:pPr marL="628650" lvl="1" indent="-171450">
+              <a:buFontTx/>
+              <a:buChar char="•"/>
+            </a:pPr>
+            <a:r>
+              <a:rPr lang="en-US" baseline="0" dirty="0" smtClean="0"/>
+              <a:t>We deploy using upstream </a:t>
+            </a:r>
+            <a:r>
+              <a:rPr lang="en-US" baseline="0" dirty="0" err="1" smtClean="0"/>
+              <a:t>ceph-ansible</a:t>
+            </a:r>
+            <a:r>
+              <a:rPr lang="en-US" baseline="0" dirty="0" smtClean="0"/>
+              <a:t>, so we don’t need to worry about</a:t>
+            </a:r>
+          </a:p>
+          <a:p>
+            <a:pPr marL="628650" lvl="1" indent="-171450">
+              <a:buFontTx/>
+              <a:buChar char="•"/>
+            </a:pPr>
+            <a:r>
+              <a:rPr lang="en-US" dirty="0" smtClean="0"/>
+              <a:t>Iterations are fast since we copy only the binaries that got recompiled.</a:t>
+            </a:r>
+            <a:endParaRPr lang="en-US" dirty="0"/>
+          </a:p>
+        </p:txBody>
+      </p:sp>
+      <p:sp>
+        <p:nvSpPr>
+          <p:cNvPr id="4" name="Slide Number Placeholder 3"/>
+          <p:cNvSpPr>
+            <a:spLocks noGrp="1"/>
+          </p:cNvSpPr>
+          <p:nvPr>
+            <p:ph type="sldNum" sz="quarter" idx="10"/>
+          </p:nvPr>
+        </p:nvSpPr>
+        <p:spPr/>
+        <p:txBody>
+          <a:bodyPr/>
+          <a:lstStyle/>
+          <a:p>
+            <a:fld id="{02DCBF96-8D76-214B-9926-EF5E44B8F77F}" type="slidenum">
+              <a:rPr lang="en-US" smtClean="0"/>
+              <a:t>2</a:t>
+            </a:fld>
+            <a:endParaRPr lang="en-US"/>
+          </a:p>
+        </p:txBody>
+      </p:sp>
+    </p:spTree>
+    <p:extLst>
+      <p:ext uri="{BB962C8B-B14F-4D97-AF65-F5344CB8AC3E}">
+        <p14:creationId xmlns:p14="http://schemas.microsoft.com/office/powerpoint/2010/main" val="5979249"/>
+      </p:ext>
+    </p:extLst>
+  </p:cSld>
+  <p:clrMapOvr>
+    <a:masterClrMapping/>
+  </p:clrMapOvr>
+</p:notes>
 </file>
 
 <file path=ppt/slideLayouts/slideLayout1.xml><?xml version="1.0" encoding="utf-8"?>
@@ -3095,6 +3825,3076 @@
           <a:chExt cx="0" cy="0"/>
         </a:xfrm>
       </p:grpSpPr>
+      <p:pic>
+        <p:nvPicPr>
+          <p:cNvPr id="53" name="Picture 52" descr="Screen Shot 2016-04-18 at 3.01.41 PM.png"/>
+          <p:cNvPicPr>
+            <a:picLocks noChangeAspect="1"/>
+          </p:cNvPicPr>
+          <p:nvPr/>
+        </p:nvPicPr>
+        <p:blipFill rotWithShape="1">
+          <a:blip r:embed="rId3">
+            <a:extLst>
+              <a:ext uri="{28A0092B-C50C-407E-A947-70E740481C1C}">
+                <a14:useLocalDpi xmlns:a14="http://schemas.microsoft.com/office/drawing/2010/main" val="0"/>
+              </a:ext>
+            </a:extLst>
+          </a:blip>
+          <a:srcRect b="33056"/>
+          <a:stretch/>
+        </p:blipFill>
+        <p:spPr>
+          <a:xfrm>
+            <a:off x="7690837" y="4040921"/>
+            <a:ext cx="2906326" cy="1216004"/>
+          </a:xfrm>
+          <a:prstGeom prst="rect">
+            <a:avLst/>
+          </a:prstGeom>
+          <a:ln w="3175" cap="sq" cmpd="sng">
+            <a:solidFill>
+              <a:srgbClr val="000000"/>
+            </a:solidFill>
+            <a:prstDash val="solid"/>
+            <a:miter lim="800000"/>
+          </a:ln>
+          <a:effectLst/>
+        </p:spPr>
+      </p:pic>
+      <p:sp>
+        <p:nvSpPr>
+          <p:cNvPr id="2" name="Title 1"/>
+          <p:cNvSpPr>
+            <a:spLocks noGrp="1"/>
+          </p:cNvSpPr>
+          <p:nvPr>
+            <p:ph type="title"/>
+          </p:nvPr>
+        </p:nvSpPr>
+        <p:spPr>
+          <a:xfrm>
+            <a:off x="115454" y="115455"/>
+            <a:ext cx="8855364" cy="1143000"/>
+          </a:xfrm>
+        </p:spPr>
+        <p:txBody>
+          <a:bodyPr/>
+          <a:lstStyle/>
+          <a:p>
+            <a:pPr algn="l"/>
+            <a:r>
+              <a:rPr lang="en-US" dirty="0" err="1" smtClean="0">
+                <a:latin typeface="PT Sans"/>
+                <a:cs typeface="PT Sans"/>
+              </a:rPr>
+              <a:t>Ceph</a:t>
+            </a:r>
+            <a:r>
+              <a:rPr lang="en-US" dirty="0" smtClean="0">
+                <a:latin typeface="PT Sans"/>
+                <a:cs typeface="PT Sans"/>
+              </a:rPr>
+              <a:t> development-build-test cycle</a:t>
+            </a:r>
+            <a:endParaRPr lang="en-US" dirty="0">
+              <a:latin typeface="PT Sans"/>
+              <a:cs typeface="PT Sans"/>
+            </a:endParaRPr>
+          </a:p>
+        </p:txBody>
+      </p:sp>
+      <p:sp>
+        <p:nvSpPr>
+          <p:cNvPr id="5" name="TextBox 4"/>
+          <p:cNvSpPr txBox="1"/>
+          <p:nvPr/>
+        </p:nvSpPr>
+        <p:spPr>
+          <a:xfrm>
+            <a:off x="287133" y="1417638"/>
+            <a:ext cx="1948841" cy="1384995"/>
+          </a:xfrm>
+          <a:prstGeom prst="rect">
+            <a:avLst/>
+          </a:prstGeom>
+          <a:noFill/>
+          <a:ln>
+            <a:solidFill>
+              <a:schemeClr val="tx1"/>
+            </a:solidFill>
+            <a:prstDash val="solid"/>
+          </a:ln>
+        </p:spPr>
+        <p:txBody>
+          <a:bodyPr wrap="square" rtlCol="0">
+            <a:spAutoFit/>
+          </a:bodyPr>
+          <a:lstStyle/>
+          <a:p>
+            <a:r>
+              <a:rPr lang="en-US" sz="1400" dirty="0" smtClean="0">
+                <a:latin typeface="DejaVu Sans Mono"/>
+                <a:cs typeface="DejaVu Sans Mono"/>
+              </a:rPr>
+              <a:t>/</a:t>
+            </a:r>
+            <a:r>
+              <a:rPr lang="en-US" sz="1400" dirty="0" err="1" smtClean="0">
+                <a:latin typeface="DejaVu Sans Mono"/>
+                <a:cs typeface="DejaVu Sans Mono"/>
+              </a:rPr>
+              <a:t>myhome</a:t>
+            </a:r>
+            <a:r>
+              <a:rPr lang="en-US" sz="1400" dirty="0" smtClean="0">
+                <a:latin typeface="DejaVu Sans Mono"/>
+                <a:cs typeface="DejaVu Sans Mono"/>
+              </a:rPr>
+              <a:t>/</a:t>
+            </a:r>
+            <a:r>
+              <a:rPr lang="en-US" sz="1400" dirty="0" err="1" smtClean="0">
+                <a:latin typeface="DejaVu Sans Mono"/>
+                <a:cs typeface="DejaVu Sans Mono"/>
+              </a:rPr>
+              <a:t>ceph</a:t>
+            </a:r>
+            <a:endParaRPr lang="en-US" sz="1400" dirty="0" smtClean="0">
+              <a:latin typeface="DejaVu Sans Mono"/>
+              <a:cs typeface="DejaVu Sans Mono"/>
+            </a:endParaRPr>
+          </a:p>
+          <a:p>
+            <a:r>
+              <a:rPr lang="en-US" sz="1400" dirty="0" smtClean="0">
+                <a:latin typeface="DejaVu Sans Mono"/>
+                <a:cs typeface="DejaVu Sans Mono"/>
+              </a:rPr>
+              <a:t>├── admin</a:t>
+            </a:r>
+          </a:p>
+          <a:p>
+            <a:r>
+              <a:rPr lang="en-US" sz="1400" dirty="0" smtClean="0">
+                <a:latin typeface="DejaVu Sans Mono"/>
+                <a:cs typeface="DejaVu Sans Mono"/>
+              </a:rPr>
+              <a:t>├── AUTHORS</a:t>
+            </a:r>
+          </a:p>
+          <a:p>
+            <a:r>
+              <a:rPr lang="en-US" sz="1400" dirty="0" smtClean="0">
+                <a:latin typeface="DejaVu Sans Mono"/>
+                <a:cs typeface="DejaVu Sans Mono"/>
+              </a:rPr>
+              <a:t>├── </a:t>
+            </a:r>
+            <a:r>
+              <a:rPr lang="en-US" sz="1400" dirty="0" err="1" smtClean="0">
+                <a:latin typeface="DejaVu Sans Mono"/>
+                <a:cs typeface="DejaVu Sans Mono"/>
+              </a:rPr>
+              <a:t>autogen.sh</a:t>
+            </a:r>
+            <a:endParaRPr lang="en-US" sz="1400" dirty="0" smtClean="0">
+              <a:latin typeface="DejaVu Sans Mono"/>
+              <a:cs typeface="DejaVu Sans Mono"/>
+            </a:endParaRPr>
+          </a:p>
+          <a:p>
+            <a:r>
+              <a:rPr lang="en-US" sz="1400" dirty="0" smtClean="0">
+                <a:latin typeface="DejaVu Sans Mono"/>
+                <a:cs typeface="DejaVu Sans Mono"/>
+              </a:rPr>
+              <a:t>└── ... </a:t>
+            </a:r>
+          </a:p>
+          <a:p>
+            <a:endParaRPr lang="en-US" sz="1400" dirty="0">
+              <a:latin typeface="DejaVu Sans Mono"/>
+              <a:cs typeface="DejaVu Sans Mono"/>
+            </a:endParaRPr>
+          </a:p>
+        </p:txBody>
+      </p:sp>
+      <p:cxnSp>
+        <p:nvCxnSpPr>
+          <p:cNvPr id="8" name="Straight Arrow Connector 7"/>
+          <p:cNvCxnSpPr>
+            <a:stCxn id="5" idx="3"/>
+          </p:cNvCxnSpPr>
+          <p:nvPr/>
+        </p:nvCxnSpPr>
+        <p:spPr>
+          <a:xfrm>
+            <a:off x="2235974" y="2110136"/>
+            <a:ext cx="854365" cy="0"/>
+          </a:xfrm>
+          <a:prstGeom prst="straightConnector1">
+            <a:avLst/>
+          </a:prstGeom>
+          <a:ln>
+            <a:headEnd type="none"/>
+            <a:tailEnd type="triangle"/>
+          </a:ln>
+        </p:spPr>
+        <p:style>
+          <a:lnRef idx="1">
+            <a:schemeClr val="dk1"/>
+          </a:lnRef>
+          <a:fillRef idx="0">
+            <a:schemeClr val="dk1"/>
+          </a:fillRef>
+          <a:effectRef idx="0">
+            <a:schemeClr val="dk1"/>
+          </a:effectRef>
+          <a:fontRef idx="minor">
+            <a:schemeClr val="tx1"/>
+          </a:fontRef>
+        </p:style>
+      </p:cxnSp>
+      <p:sp>
+        <p:nvSpPr>
+          <p:cNvPr id="9" name="TextBox 8"/>
+          <p:cNvSpPr txBox="1"/>
+          <p:nvPr/>
+        </p:nvSpPr>
+        <p:spPr>
+          <a:xfrm>
+            <a:off x="3090339" y="1417638"/>
+            <a:ext cx="2521612" cy="2246769"/>
+          </a:xfrm>
+          <a:prstGeom prst="rect">
+            <a:avLst/>
+          </a:prstGeom>
+          <a:noFill/>
+          <a:ln>
+            <a:solidFill>
+              <a:schemeClr val="tx1"/>
+            </a:solidFill>
+            <a:prstDash val="solid"/>
+          </a:ln>
+        </p:spPr>
+        <p:txBody>
+          <a:bodyPr wrap="square" rtlCol="0">
+            <a:spAutoFit/>
+          </a:bodyPr>
+          <a:lstStyle/>
+          <a:p>
+            <a:r>
+              <a:rPr lang="en-US" sz="1400" dirty="0" smtClean="0">
+                <a:latin typeface="DejaVu Sans Mono"/>
+                <a:cs typeface="DejaVu Sans Mono"/>
+              </a:rPr>
+              <a:t>/</a:t>
+            </a:r>
+            <a:r>
+              <a:rPr lang="en-US" sz="1400" dirty="0" err="1" smtClean="0">
+                <a:latin typeface="DejaVu Sans Mono"/>
+                <a:cs typeface="DejaVu Sans Mono"/>
+              </a:rPr>
+              <a:t>myhome</a:t>
+            </a:r>
+            <a:r>
+              <a:rPr lang="en-US" sz="1400" dirty="0" smtClean="0">
+                <a:latin typeface="DejaVu Sans Mono"/>
+                <a:cs typeface="DejaVu Sans Mono"/>
+              </a:rPr>
+              <a:t>/</a:t>
+            </a:r>
+            <a:r>
+              <a:rPr lang="en-US" sz="1400" dirty="0" err="1" smtClean="0">
+                <a:latin typeface="DejaVu Sans Mono"/>
+                <a:cs typeface="DejaVu Sans Mono"/>
+              </a:rPr>
+              <a:t>ceph</a:t>
+            </a:r>
+            <a:endParaRPr lang="en-US" sz="1400" dirty="0" smtClean="0">
+              <a:latin typeface="DejaVu Sans Mono"/>
+              <a:cs typeface="DejaVu Sans Mono"/>
+            </a:endParaRPr>
+          </a:p>
+          <a:p>
+            <a:r>
+              <a:rPr lang="en-US" sz="1400" dirty="0" smtClean="0">
+                <a:latin typeface="DejaVu Sans Mono"/>
+                <a:cs typeface="DejaVu Sans Mono"/>
+              </a:rPr>
+              <a:t>├── admin</a:t>
+            </a:r>
+          </a:p>
+          <a:p>
+            <a:r>
+              <a:rPr lang="en-US" sz="1400" dirty="0" smtClean="0">
+                <a:latin typeface="DejaVu Sans Mono"/>
+                <a:cs typeface="DejaVu Sans Mono"/>
+              </a:rPr>
+              <a:t>├── AUTHORS</a:t>
+            </a:r>
+          </a:p>
+          <a:p>
+            <a:r>
+              <a:rPr lang="en-US" sz="1400" dirty="0" smtClean="0">
+                <a:latin typeface="DejaVu Sans Mono"/>
+                <a:cs typeface="DejaVu Sans Mono"/>
+              </a:rPr>
+              <a:t>├── </a:t>
+            </a:r>
+            <a:r>
+              <a:rPr lang="en-US" sz="1400" dirty="0" err="1" smtClean="0">
+                <a:latin typeface="DejaVu Sans Mono"/>
+                <a:cs typeface="DejaVu Sans Mono"/>
+              </a:rPr>
+              <a:t>autogen.sh</a:t>
+            </a:r>
+            <a:endParaRPr lang="en-US" sz="1400" dirty="0" smtClean="0">
+              <a:latin typeface="DejaVu Sans Mono"/>
+              <a:cs typeface="DejaVu Sans Mono"/>
+            </a:endParaRPr>
+          </a:p>
+          <a:p>
+            <a:r>
+              <a:rPr lang="en-US" sz="1400" dirty="0" smtClean="0">
+                <a:latin typeface="DejaVu Sans Mono"/>
+                <a:cs typeface="DejaVu Sans Mono"/>
+              </a:rPr>
+              <a:t>├── ...</a:t>
+            </a:r>
+          </a:p>
+          <a:p>
+            <a:r>
+              <a:rPr lang="en-US" sz="1400" dirty="0" smtClean="0">
+                <a:latin typeface="DejaVu Sans Mono"/>
+                <a:cs typeface="DejaVu Sans Mono"/>
+              </a:rPr>
+              <a:t>└── </a:t>
+            </a:r>
+            <a:r>
+              <a:rPr lang="en-US" sz="1400" b="1" dirty="0" smtClean="0">
+                <a:solidFill>
+                  <a:srgbClr val="FF0000"/>
+                </a:solidFill>
+                <a:latin typeface="DejaVu Sans Mono"/>
+                <a:cs typeface="DejaVu Sans Mono"/>
+              </a:rPr>
+              <a:t>build/</a:t>
+            </a:r>
+            <a:r>
+              <a:rPr lang="en-US" sz="1200" dirty="0" smtClean="0">
+                <a:latin typeface="DejaVu Sans Mono"/>
+                <a:cs typeface="DejaVu Sans Mono"/>
+              </a:rPr>
+              <a:t> </a:t>
+            </a:r>
+            <a:endParaRPr lang="en-US" sz="1400" dirty="0" smtClean="0">
+              <a:latin typeface="DejaVu Sans Mono"/>
+              <a:cs typeface="DejaVu Sans Mono"/>
+            </a:endParaRPr>
+          </a:p>
+          <a:p>
+            <a:r>
+              <a:rPr lang="en-US" sz="1400" dirty="0" smtClean="0">
+                <a:latin typeface="DejaVu Sans Mono"/>
+                <a:cs typeface="DejaVu Sans Mono"/>
+              </a:rPr>
+              <a:t>    ├── </a:t>
+            </a:r>
+            <a:r>
+              <a:rPr lang="en-US" sz="1400" dirty="0" smtClean="0">
+                <a:solidFill>
+                  <a:srgbClr val="FF0000"/>
+                </a:solidFill>
+                <a:latin typeface="DejaVu Sans Mono"/>
+                <a:cs typeface="DejaVu Sans Mono"/>
+              </a:rPr>
+              <a:t>bin</a:t>
+            </a:r>
+          </a:p>
+          <a:p>
+            <a:r>
+              <a:rPr lang="en-US" sz="1400" dirty="0" smtClean="0">
+                <a:latin typeface="DejaVu Sans Mono"/>
+                <a:cs typeface="DejaVu Sans Mono"/>
+              </a:rPr>
+              <a:t>    ├── </a:t>
+            </a:r>
+            <a:r>
+              <a:rPr lang="en-US" sz="1400" dirty="0" err="1" smtClean="0">
+                <a:solidFill>
+                  <a:srgbClr val="FF0000"/>
+                </a:solidFill>
+                <a:latin typeface="DejaVu Sans Mono"/>
+                <a:cs typeface="DejaVu Sans Mono"/>
+              </a:rPr>
+              <a:t>etc</a:t>
+            </a:r>
+            <a:endParaRPr lang="en-US" sz="1400" dirty="0" smtClean="0">
+              <a:solidFill>
+                <a:srgbClr val="FF0000"/>
+              </a:solidFill>
+              <a:latin typeface="DejaVu Sans Mono"/>
+              <a:cs typeface="DejaVu Sans Mono"/>
+            </a:endParaRPr>
+          </a:p>
+          <a:p>
+            <a:r>
+              <a:rPr lang="en-US" sz="1400" dirty="0" smtClean="0">
+                <a:latin typeface="DejaVu Sans Mono"/>
+                <a:cs typeface="DejaVu Sans Mono"/>
+              </a:rPr>
+              <a:t>    ├── </a:t>
+            </a:r>
+            <a:r>
+              <a:rPr lang="en-US" sz="1400" dirty="0" smtClean="0">
+                <a:solidFill>
+                  <a:srgbClr val="FF0000"/>
+                </a:solidFill>
+                <a:latin typeface="DejaVu Sans Mono"/>
+                <a:cs typeface="DejaVu Sans Mono"/>
+              </a:rPr>
+              <a:t>lib</a:t>
+            </a:r>
+          </a:p>
+          <a:p>
+            <a:r>
+              <a:rPr lang="en-US" sz="1400" dirty="0" smtClean="0">
+                <a:latin typeface="DejaVu Sans Mono"/>
+                <a:cs typeface="DejaVu Sans Mono"/>
+              </a:rPr>
+              <a:t>    └── ...</a:t>
+            </a:r>
+            <a:endParaRPr lang="en-US" sz="1400" dirty="0">
+              <a:latin typeface="DejaVu Sans Mono"/>
+              <a:cs typeface="DejaVu Sans Mono"/>
+            </a:endParaRPr>
+          </a:p>
+        </p:txBody>
+      </p:sp>
+      <p:sp>
+        <p:nvSpPr>
+          <p:cNvPr id="24" name="Rectangle 23"/>
+          <p:cNvSpPr/>
+          <p:nvPr/>
+        </p:nvSpPr>
+        <p:spPr>
+          <a:xfrm>
+            <a:off x="2350605" y="1760113"/>
+            <a:ext cx="617026" cy="307777"/>
+          </a:xfrm>
+          <a:prstGeom prst="rect">
+            <a:avLst/>
+          </a:prstGeom>
+        </p:spPr>
+        <p:txBody>
+          <a:bodyPr wrap="none">
+            <a:spAutoFit/>
+          </a:bodyPr>
+          <a:lstStyle/>
+          <a:p>
+            <a:r>
+              <a:rPr lang="en-US" sz="1400" dirty="0" smtClean="0">
+                <a:solidFill>
+                  <a:prstClr val="black"/>
+                </a:solidFill>
+                <a:latin typeface="DejaVu Sans Mono"/>
+                <a:cs typeface="DejaVu Sans Mono"/>
+              </a:rPr>
+              <a:t>make</a:t>
+            </a:r>
+            <a:endParaRPr lang="en-US" dirty="0"/>
+          </a:p>
+        </p:txBody>
+      </p:sp>
+      <p:cxnSp>
+        <p:nvCxnSpPr>
+          <p:cNvPr id="25" name="Straight Arrow Connector 24"/>
+          <p:cNvCxnSpPr/>
+          <p:nvPr/>
+        </p:nvCxnSpPr>
+        <p:spPr>
+          <a:xfrm flipV="1">
+            <a:off x="4660520" y="2802633"/>
+            <a:ext cx="1577153" cy="171053"/>
+          </a:xfrm>
+          <a:prstGeom prst="straightConnector1">
+            <a:avLst/>
+          </a:prstGeom>
+          <a:ln>
+            <a:headEnd type="none"/>
+            <a:tailEnd type="triangle"/>
+          </a:ln>
+        </p:spPr>
+        <p:style>
+          <a:lnRef idx="1">
+            <a:schemeClr val="dk1"/>
+          </a:lnRef>
+          <a:fillRef idx="0">
+            <a:schemeClr val="dk1"/>
+          </a:fillRef>
+          <a:effectRef idx="0">
+            <a:schemeClr val="dk1"/>
+          </a:effectRef>
+          <a:fontRef idx="minor">
+            <a:schemeClr val="tx1"/>
+          </a:fontRef>
+        </p:style>
+      </p:cxnSp>
+      <p:sp>
+        <p:nvSpPr>
+          <p:cNvPr id="26" name="Rectangle 25"/>
+          <p:cNvSpPr/>
+          <p:nvPr/>
+        </p:nvSpPr>
+        <p:spPr>
+          <a:xfrm rot="21253404">
+            <a:off x="4795869" y="2570160"/>
+            <a:ext cx="1157476" cy="307777"/>
+          </a:xfrm>
+          <a:prstGeom prst="rect">
+            <a:avLst/>
+          </a:prstGeom>
+        </p:spPr>
+        <p:txBody>
+          <a:bodyPr wrap="none">
+            <a:spAutoFit/>
+          </a:bodyPr>
+          <a:lstStyle/>
+          <a:p>
+            <a:r>
+              <a:rPr lang="en-US" sz="1400" dirty="0" err="1" smtClean="0">
+                <a:solidFill>
+                  <a:prstClr val="black"/>
+                </a:solidFill>
+                <a:latin typeface="DejaVu Sans Mono"/>
+                <a:cs typeface="DejaVu Sans Mono"/>
+              </a:rPr>
+              <a:t>vstart.sh</a:t>
+            </a:r>
+            <a:endParaRPr lang="en-US" dirty="0"/>
+          </a:p>
+        </p:txBody>
+      </p:sp>
+      <p:sp>
+        <p:nvSpPr>
+          <p:cNvPr id="29" name="Rounded Rectangle 28"/>
+          <p:cNvSpPr/>
+          <p:nvPr/>
+        </p:nvSpPr>
+        <p:spPr>
+          <a:xfrm>
+            <a:off x="6488427" y="1890548"/>
+            <a:ext cx="471948" cy="439175"/>
+          </a:xfrm>
+          <a:prstGeom prst="roundRect">
+            <a:avLst>
+              <a:gd name="adj" fmla="val 9204"/>
+            </a:avLst>
+          </a:prstGeom>
+          <a:solidFill>
+            <a:schemeClr val="tx1">
+              <a:lumMod val="65000"/>
+              <a:lumOff val="35000"/>
+            </a:schemeClr>
+          </a:solidFill>
+          <a:ln>
+            <a:solidFill>
+              <a:schemeClr val="tx1">
+                <a:lumMod val="65000"/>
+                <a:lumOff val="35000"/>
+              </a:schemeClr>
+            </a:solidFill>
+          </a:ln>
+          <a:effectLst/>
+        </p:spPr>
+        <p:style>
+          <a:lnRef idx="2">
+            <a:schemeClr val="dk1">
+              <a:shade val="50000"/>
+            </a:schemeClr>
+          </a:lnRef>
+          <a:fillRef idx="1">
+            <a:schemeClr val="dk1"/>
+          </a:fillRef>
+          <a:effectRef idx="0">
+            <a:schemeClr val="dk1"/>
+          </a:effectRef>
+          <a:fontRef idx="minor">
+            <a:schemeClr val="lt1"/>
+          </a:fontRef>
+        </p:style>
+        <p:txBody>
+          <a:bodyPr rtlCol="0" anchor="ctr"/>
+          <a:lstStyle/>
+          <a:p>
+            <a:pPr algn="ctr"/>
+            <a:r>
+              <a:rPr lang="en-US" sz="1600" b="1" dirty="0" smtClean="0">
+                <a:latin typeface="PT Sans"/>
+                <a:cs typeface="PT Sans"/>
+              </a:rPr>
+              <a:t>M</a:t>
+            </a:r>
+            <a:endParaRPr lang="en-US" sz="1600" b="1" dirty="0">
+              <a:latin typeface="PT Sans"/>
+              <a:cs typeface="PT Sans"/>
+            </a:endParaRPr>
+          </a:p>
+        </p:txBody>
+      </p:sp>
+      <p:grpSp>
+        <p:nvGrpSpPr>
+          <p:cNvPr id="32" name="Group 31"/>
+          <p:cNvGrpSpPr/>
+          <p:nvPr/>
+        </p:nvGrpSpPr>
+        <p:grpSpPr>
+          <a:xfrm>
+            <a:off x="6488427" y="2512691"/>
+            <a:ext cx="471948" cy="439175"/>
+            <a:chOff x="7493819" y="3177589"/>
+            <a:chExt cx="471948" cy="439175"/>
+          </a:xfrm>
+        </p:grpSpPr>
+        <p:sp>
+          <p:nvSpPr>
+            <p:cNvPr id="30" name="Rounded Rectangle 29"/>
+            <p:cNvSpPr/>
+            <p:nvPr/>
+          </p:nvSpPr>
+          <p:spPr>
+            <a:xfrm>
+              <a:off x="7493819" y="3177589"/>
+              <a:ext cx="471948" cy="439175"/>
+            </a:xfrm>
+            <a:prstGeom prst="roundRect">
+              <a:avLst>
+                <a:gd name="adj" fmla="val 9204"/>
+              </a:avLst>
+            </a:prstGeom>
+            <a:solidFill>
+              <a:schemeClr val="accent5">
+                <a:lumMod val="60000"/>
+                <a:lumOff val="40000"/>
+              </a:schemeClr>
+            </a:solidFill>
+            <a:ln>
+              <a:solidFill>
+                <a:schemeClr val="accent5">
+                  <a:lumMod val="60000"/>
+                  <a:lumOff val="40000"/>
+                </a:schemeClr>
+              </a:solidFill>
+            </a:ln>
+            <a:effectLst/>
+          </p:spPr>
+          <p:style>
+            <a:lnRef idx="2">
+              <a:schemeClr val="dk1">
+                <a:shade val="50000"/>
+              </a:schemeClr>
+            </a:lnRef>
+            <a:fillRef idx="1">
+              <a:schemeClr val="dk1"/>
+            </a:fillRef>
+            <a:effectRef idx="0">
+              <a:schemeClr val="dk1"/>
+            </a:effectRef>
+            <a:fontRef idx="minor">
+              <a:schemeClr val="lt1"/>
+            </a:fontRef>
+          </p:style>
+          <p:txBody>
+            <a:bodyPr rtlCol="0" anchor="t"/>
+            <a:lstStyle/>
+            <a:p>
+              <a:pPr algn="ctr"/>
+              <a:r>
+                <a:rPr lang="en-US" sz="1100" b="1" dirty="0" smtClean="0">
+                  <a:solidFill>
+                    <a:schemeClr val="tx1"/>
+                  </a:solidFill>
+                  <a:latin typeface="PT Sans"/>
+                  <a:cs typeface="PT Sans"/>
+                </a:rPr>
+                <a:t>OSD</a:t>
+              </a:r>
+              <a:endParaRPr lang="en-US" sz="1100" b="1" dirty="0">
+                <a:solidFill>
+                  <a:schemeClr val="tx1"/>
+                </a:solidFill>
+                <a:latin typeface="PT Sans"/>
+                <a:cs typeface="PT Sans"/>
+              </a:endParaRPr>
+            </a:p>
+          </p:txBody>
+        </p:sp>
+        <p:sp>
+          <p:nvSpPr>
+            <p:cNvPr id="31" name="Rectangle 30"/>
+            <p:cNvSpPr/>
+            <p:nvPr/>
+          </p:nvSpPr>
+          <p:spPr>
+            <a:xfrm>
+              <a:off x="7543845" y="3520064"/>
+              <a:ext cx="371897" cy="45719"/>
+            </a:xfrm>
+            <a:prstGeom prst="rect">
+              <a:avLst/>
+            </a:prstGeom>
+            <a:solidFill>
+              <a:schemeClr val="accent2"/>
+            </a:solidFill>
+            <a:ln>
+              <a:solidFill>
+                <a:schemeClr val="accent2"/>
+              </a:solidFill>
+            </a:ln>
+          </p:spPr>
+          <p:style>
+            <a:lnRef idx="2">
+              <a:schemeClr val="accent2">
+                <a:shade val="50000"/>
+              </a:schemeClr>
+            </a:lnRef>
+            <a:fillRef idx="1">
+              <a:schemeClr val="accent2"/>
+            </a:fillRef>
+            <a:effectRef idx="0">
+              <a:schemeClr val="accent2"/>
+            </a:effectRef>
+            <a:fontRef idx="minor">
+              <a:schemeClr val="lt1"/>
+            </a:fontRef>
+          </p:style>
+          <p:txBody>
+            <a:bodyPr rtlCol="0" anchor="ctr"/>
+            <a:lstStyle/>
+            <a:p>
+              <a:pPr algn="ctr"/>
+              <a:endParaRPr lang="en-US"/>
+            </a:p>
+          </p:txBody>
+        </p:sp>
+      </p:grpSp>
+      <p:grpSp>
+        <p:nvGrpSpPr>
+          <p:cNvPr id="33" name="Group 32"/>
+          <p:cNvGrpSpPr/>
+          <p:nvPr/>
+        </p:nvGrpSpPr>
+        <p:grpSpPr>
+          <a:xfrm>
+            <a:off x="7070390" y="2512691"/>
+            <a:ext cx="471948" cy="439175"/>
+            <a:chOff x="7493819" y="3177589"/>
+            <a:chExt cx="471948" cy="439175"/>
+          </a:xfrm>
+        </p:grpSpPr>
+        <p:sp>
+          <p:nvSpPr>
+            <p:cNvPr id="34" name="Rounded Rectangle 33"/>
+            <p:cNvSpPr/>
+            <p:nvPr/>
+          </p:nvSpPr>
+          <p:spPr>
+            <a:xfrm>
+              <a:off x="7493819" y="3177589"/>
+              <a:ext cx="471948" cy="439175"/>
+            </a:xfrm>
+            <a:prstGeom prst="roundRect">
+              <a:avLst>
+                <a:gd name="adj" fmla="val 9204"/>
+              </a:avLst>
+            </a:prstGeom>
+            <a:solidFill>
+              <a:schemeClr val="accent5">
+                <a:lumMod val="60000"/>
+                <a:lumOff val="40000"/>
+              </a:schemeClr>
+            </a:solidFill>
+            <a:ln>
+              <a:solidFill>
+                <a:schemeClr val="accent5">
+                  <a:lumMod val="60000"/>
+                  <a:lumOff val="40000"/>
+                </a:schemeClr>
+              </a:solidFill>
+            </a:ln>
+            <a:effectLst/>
+          </p:spPr>
+          <p:style>
+            <a:lnRef idx="2">
+              <a:schemeClr val="dk1">
+                <a:shade val="50000"/>
+              </a:schemeClr>
+            </a:lnRef>
+            <a:fillRef idx="1">
+              <a:schemeClr val="dk1"/>
+            </a:fillRef>
+            <a:effectRef idx="0">
+              <a:schemeClr val="dk1"/>
+            </a:effectRef>
+            <a:fontRef idx="minor">
+              <a:schemeClr val="lt1"/>
+            </a:fontRef>
+          </p:style>
+          <p:txBody>
+            <a:bodyPr rtlCol="0" anchor="t"/>
+            <a:lstStyle/>
+            <a:p>
+              <a:pPr algn="ctr"/>
+              <a:r>
+                <a:rPr lang="en-US" sz="1100" b="1" dirty="0" smtClean="0">
+                  <a:solidFill>
+                    <a:schemeClr val="tx1"/>
+                  </a:solidFill>
+                  <a:latin typeface="PT Sans"/>
+                  <a:cs typeface="PT Sans"/>
+                </a:rPr>
+                <a:t>OSD</a:t>
+              </a:r>
+              <a:endParaRPr lang="en-US" sz="1100" b="1" dirty="0">
+                <a:solidFill>
+                  <a:schemeClr val="tx1"/>
+                </a:solidFill>
+                <a:latin typeface="PT Sans"/>
+                <a:cs typeface="PT Sans"/>
+              </a:endParaRPr>
+            </a:p>
+          </p:txBody>
+        </p:sp>
+        <p:sp>
+          <p:nvSpPr>
+            <p:cNvPr id="35" name="Rectangle 34"/>
+            <p:cNvSpPr/>
+            <p:nvPr/>
+          </p:nvSpPr>
+          <p:spPr>
+            <a:xfrm>
+              <a:off x="7543845" y="3520064"/>
+              <a:ext cx="371897" cy="45719"/>
+            </a:xfrm>
+            <a:prstGeom prst="rect">
+              <a:avLst/>
+            </a:prstGeom>
+            <a:solidFill>
+              <a:schemeClr val="accent2"/>
+            </a:solidFill>
+            <a:ln>
+              <a:solidFill>
+                <a:schemeClr val="accent2"/>
+              </a:solidFill>
+            </a:ln>
+          </p:spPr>
+          <p:style>
+            <a:lnRef idx="2">
+              <a:schemeClr val="accent2">
+                <a:shade val="50000"/>
+              </a:schemeClr>
+            </a:lnRef>
+            <a:fillRef idx="1">
+              <a:schemeClr val="accent2"/>
+            </a:fillRef>
+            <a:effectRef idx="0">
+              <a:schemeClr val="accent2"/>
+            </a:effectRef>
+            <a:fontRef idx="minor">
+              <a:schemeClr val="lt1"/>
+            </a:fontRef>
+          </p:style>
+          <p:txBody>
+            <a:bodyPr rtlCol="0" anchor="ctr"/>
+            <a:lstStyle/>
+            <a:p>
+              <a:pPr algn="ctr"/>
+              <a:endParaRPr lang="en-US"/>
+            </a:p>
+          </p:txBody>
+        </p:sp>
+      </p:grpSp>
+      <p:grpSp>
+        <p:nvGrpSpPr>
+          <p:cNvPr id="36" name="Group 35"/>
+          <p:cNvGrpSpPr/>
+          <p:nvPr/>
+        </p:nvGrpSpPr>
+        <p:grpSpPr>
+          <a:xfrm>
+            <a:off x="7694738" y="2512691"/>
+            <a:ext cx="471948" cy="439175"/>
+            <a:chOff x="7493819" y="3177589"/>
+            <a:chExt cx="471948" cy="439175"/>
+          </a:xfrm>
+        </p:grpSpPr>
+        <p:sp>
+          <p:nvSpPr>
+            <p:cNvPr id="37" name="Rounded Rectangle 36"/>
+            <p:cNvSpPr/>
+            <p:nvPr/>
+          </p:nvSpPr>
+          <p:spPr>
+            <a:xfrm>
+              <a:off x="7493819" y="3177589"/>
+              <a:ext cx="471948" cy="439175"/>
+            </a:xfrm>
+            <a:prstGeom prst="roundRect">
+              <a:avLst>
+                <a:gd name="adj" fmla="val 9204"/>
+              </a:avLst>
+            </a:prstGeom>
+            <a:solidFill>
+              <a:schemeClr val="accent5">
+                <a:lumMod val="60000"/>
+                <a:lumOff val="40000"/>
+              </a:schemeClr>
+            </a:solidFill>
+            <a:ln>
+              <a:solidFill>
+                <a:schemeClr val="accent5">
+                  <a:lumMod val="60000"/>
+                  <a:lumOff val="40000"/>
+                </a:schemeClr>
+              </a:solidFill>
+            </a:ln>
+            <a:effectLst/>
+          </p:spPr>
+          <p:style>
+            <a:lnRef idx="2">
+              <a:schemeClr val="dk1">
+                <a:shade val="50000"/>
+              </a:schemeClr>
+            </a:lnRef>
+            <a:fillRef idx="1">
+              <a:schemeClr val="dk1"/>
+            </a:fillRef>
+            <a:effectRef idx="0">
+              <a:schemeClr val="dk1"/>
+            </a:effectRef>
+            <a:fontRef idx="minor">
+              <a:schemeClr val="lt1"/>
+            </a:fontRef>
+          </p:style>
+          <p:txBody>
+            <a:bodyPr rtlCol="0" anchor="t"/>
+            <a:lstStyle/>
+            <a:p>
+              <a:pPr algn="ctr"/>
+              <a:r>
+                <a:rPr lang="en-US" sz="1100" b="1" dirty="0" smtClean="0">
+                  <a:solidFill>
+                    <a:schemeClr val="tx1"/>
+                  </a:solidFill>
+                  <a:latin typeface="PT Sans"/>
+                  <a:cs typeface="PT Sans"/>
+                </a:rPr>
+                <a:t>OSD</a:t>
+              </a:r>
+              <a:endParaRPr lang="en-US" sz="1100" b="1" dirty="0">
+                <a:solidFill>
+                  <a:schemeClr val="tx1"/>
+                </a:solidFill>
+                <a:latin typeface="PT Sans"/>
+                <a:cs typeface="PT Sans"/>
+              </a:endParaRPr>
+            </a:p>
+          </p:txBody>
+        </p:sp>
+        <p:sp>
+          <p:nvSpPr>
+            <p:cNvPr id="38" name="Rectangle 37"/>
+            <p:cNvSpPr/>
+            <p:nvPr/>
+          </p:nvSpPr>
+          <p:spPr>
+            <a:xfrm>
+              <a:off x="7543845" y="3520064"/>
+              <a:ext cx="371897" cy="45719"/>
+            </a:xfrm>
+            <a:prstGeom prst="rect">
+              <a:avLst/>
+            </a:prstGeom>
+            <a:solidFill>
+              <a:schemeClr val="accent2"/>
+            </a:solidFill>
+            <a:ln>
+              <a:solidFill>
+                <a:schemeClr val="accent2"/>
+              </a:solidFill>
+            </a:ln>
+          </p:spPr>
+          <p:style>
+            <a:lnRef idx="2">
+              <a:schemeClr val="accent2">
+                <a:shade val="50000"/>
+              </a:schemeClr>
+            </a:lnRef>
+            <a:fillRef idx="1">
+              <a:schemeClr val="accent2"/>
+            </a:fillRef>
+            <a:effectRef idx="0">
+              <a:schemeClr val="accent2"/>
+            </a:effectRef>
+            <a:fontRef idx="minor">
+              <a:schemeClr val="lt1"/>
+            </a:fontRef>
+          </p:style>
+          <p:txBody>
+            <a:bodyPr rtlCol="0" anchor="ctr"/>
+            <a:lstStyle/>
+            <a:p>
+              <a:pPr algn="ctr"/>
+              <a:endParaRPr lang="en-US"/>
+            </a:p>
+          </p:txBody>
+        </p:sp>
+      </p:grpSp>
+      <p:cxnSp>
+        <p:nvCxnSpPr>
+          <p:cNvPr id="41" name="Straight Arrow Connector 40"/>
+          <p:cNvCxnSpPr/>
+          <p:nvPr/>
+        </p:nvCxnSpPr>
+        <p:spPr>
+          <a:xfrm>
+            <a:off x="4511307" y="3450558"/>
+            <a:ext cx="591784" cy="1054835"/>
+          </a:xfrm>
+          <a:prstGeom prst="straightConnector1">
+            <a:avLst/>
+          </a:prstGeom>
+          <a:ln>
+            <a:headEnd type="none"/>
+            <a:tailEnd type="triangle"/>
+          </a:ln>
+        </p:spPr>
+        <p:style>
+          <a:lnRef idx="1">
+            <a:schemeClr val="dk1"/>
+          </a:lnRef>
+          <a:fillRef idx="0">
+            <a:schemeClr val="dk1"/>
+          </a:fillRef>
+          <a:effectRef idx="0">
+            <a:schemeClr val="dk1"/>
+          </a:effectRef>
+          <a:fontRef idx="minor">
+            <a:schemeClr val="tx1"/>
+          </a:fontRef>
+        </p:style>
+      </p:cxnSp>
+      <p:sp>
+        <p:nvSpPr>
+          <p:cNvPr id="42" name="Rectangle 41"/>
+          <p:cNvSpPr/>
+          <p:nvPr/>
+        </p:nvSpPr>
+        <p:spPr>
+          <a:xfrm rot="3726526">
+            <a:off x="4425803" y="3734955"/>
+            <a:ext cx="1049386" cy="307777"/>
+          </a:xfrm>
+          <a:prstGeom prst="rect">
+            <a:avLst/>
+          </a:prstGeom>
+        </p:spPr>
+        <p:txBody>
+          <a:bodyPr wrap="none">
+            <a:spAutoFit/>
+          </a:bodyPr>
+          <a:lstStyle/>
+          <a:p>
+            <a:r>
+              <a:rPr lang="en-US" sz="1400" dirty="0" smtClean="0">
+                <a:solidFill>
+                  <a:prstClr val="black"/>
+                </a:solidFill>
+                <a:latin typeface="DejaVu Sans Mono"/>
+                <a:cs typeface="DejaVu Sans Mono"/>
+              </a:rPr>
+              <a:t>git push</a:t>
+            </a:r>
+            <a:endParaRPr lang="en-US" dirty="0"/>
+          </a:p>
+        </p:txBody>
+      </p:sp>
+      <p:pic>
+        <p:nvPicPr>
+          <p:cNvPr id="45" name="Shape 70"/>
+          <p:cNvPicPr preferRelativeResize="0"/>
+          <p:nvPr/>
+        </p:nvPicPr>
+        <p:blipFill>
+          <a:blip r:embed="rId4">
+            <a:alphaModFix/>
+          </a:blip>
+          <a:stretch>
+            <a:fillRect/>
+          </a:stretch>
+        </p:blipFill>
+        <p:spPr>
+          <a:xfrm>
+            <a:off x="4929908" y="4505393"/>
+            <a:ext cx="601224" cy="498442"/>
+          </a:xfrm>
+          <a:prstGeom prst="rect">
+            <a:avLst/>
+          </a:prstGeom>
+          <a:noFill/>
+          <a:ln>
+            <a:noFill/>
+          </a:ln>
+        </p:spPr>
+      </p:pic>
+      <p:sp>
+        <p:nvSpPr>
+          <p:cNvPr id="46" name="Rectangle 45"/>
+          <p:cNvSpPr/>
+          <p:nvPr/>
+        </p:nvSpPr>
+        <p:spPr>
+          <a:xfrm>
+            <a:off x="115454" y="1258455"/>
+            <a:ext cx="8358910" cy="2551545"/>
+          </a:xfrm>
+          <a:prstGeom prst="rect">
+            <a:avLst/>
+          </a:prstGeom>
+          <a:noFill/>
+          <a:ln>
+            <a:solidFill>
+              <a:schemeClr val="tx1"/>
+            </a:solidFill>
+            <a:prstDash val="dash"/>
+          </a:ln>
+          <a:effectLst/>
+        </p:spPr>
+        <p:style>
+          <a:lnRef idx="1">
+            <a:schemeClr val="accent1"/>
+          </a:lnRef>
+          <a:fillRef idx="3">
+            <a:schemeClr val="accent1"/>
+          </a:fillRef>
+          <a:effectRef idx="2">
+            <a:schemeClr val="accent1"/>
+          </a:effectRef>
+          <a:fontRef idx="minor">
+            <a:schemeClr val="lt1"/>
+          </a:fontRef>
+        </p:style>
+        <p:txBody>
+          <a:bodyPr rtlCol="0" anchor="ctr"/>
+          <a:lstStyle/>
+          <a:p>
+            <a:pPr algn="ctr"/>
+            <a:endParaRPr lang="en-US"/>
+          </a:p>
+        </p:txBody>
+      </p:sp>
+      <p:grpSp>
+        <p:nvGrpSpPr>
+          <p:cNvPr id="49" name="Group 48"/>
+          <p:cNvGrpSpPr/>
+          <p:nvPr/>
+        </p:nvGrpSpPr>
+        <p:grpSpPr>
+          <a:xfrm>
+            <a:off x="6160704" y="4040921"/>
+            <a:ext cx="1534034" cy="1117596"/>
+            <a:chOff x="6143333" y="4064004"/>
+            <a:chExt cx="1534034" cy="1117596"/>
+          </a:xfrm>
+        </p:grpSpPr>
+        <p:pic>
+          <p:nvPicPr>
+            <p:cNvPr id="47" name="Picture 46"/>
+            <p:cNvPicPr>
+              <a:picLocks noChangeAspect="1"/>
+            </p:cNvPicPr>
+            <p:nvPr/>
+          </p:nvPicPr>
+          <p:blipFill>
+            <a:blip r:embed="rId5"/>
+            <a:stretch>
+              <a:fillRect/>
+            </a:stretch>
+          </p:blipFill>
+          <p:spPr>
+            <a:xfrm>
+              <a:off x="6397732" y="4064004"/>
+              <a:ext cx="1025236" cy="1025236"/>
+            </a:xfrm>
+            <a:prstGeom prst="rect">
+              <a:avLst/>
+            </a:prstGeom>
+          </p:spPr>
+        </p:pic>
+        <p:sp>
+          <p:nvSpPr>
+            <p:cNvPr id="48" name="TextBox 47"/>
+            <p:cNvSpPr txBox="1"/>
+            <p:nvPr/>
+          </p:nvSpPr>
+          <p:spPr>
+            <a:xfrm>
+              <a:off x="6143333" y="4873823"/>
+              <a:ext cx="1534034" cy="307777"/>
+            </a:xfrm>
+            <a:prstGeom prst="rect">
+              <a:avLst/>
+            </a:prstGeom>
+            <a:noFill/>
+          </p:spPr>
+          <p:txBody>
+            <a:bodyPr wrap="none" rtlCol="0">
+              <a:spAutoFit/>
+            </a:bodyPr>
+            <a:lstStyle/>
+            <a:p>
+              <a:r>
+                <a:rPr lang="en-US" sz="1400" dirty="0" err="1" smtClean="0">
+                  <a:latin typeface="PT Sans"/>
+                  <a:cs typeface="PT Sans"/>
+                </a:rPr>
+                <a:t>Ceph’s</a:t>
+              </a:r>
+              <a:r>
+                <a:rPr lang="en-US" sz="1400" dirty="0" smtClean="0">
+                  <a:latin typeface="PT Sans"/>
+                  <a:cs typeface="PT Sans"/>
+                </a:rPr>
+                <a:t> git-builder</a:t>
+              </a:r>
+              <a:endParaRPr lang="en-US" sz="1400" dirty="0">
+                <a:latin typeface="PT Sans"/>
+                <a:cs typeface="PT Sans"/>
+              </a:endParaRPr>
+            </a:p>
+          </p:txBody>
+        </p:sp>
+      </p:grpSp>
+      <p:cxnSp>
+        <p:nvCxnSpPr>
+          <p:cNvPr id="50" name="Straight Arrow Connector 49"/>
+          <p:cNvCxnSpPr>
+            <a:stCxn id="45" idx="3"/>
+            <a:endCxn id="47" idx="1"/>
+          </p:cNvCxnSpPr>
+          <p:nvPr/>
+        </p:nvCxnSpPr>
+        <p:spPr>
+          <a:xfrm flipV="1">
+            <a:off x="5531132" y="4553539"/>
+            <a:ext cx="883971" cy="201075"/>
+          </a:xfrm>
+          <a:prstGeom prst="straightConnector1">
+            <a:avLst/>
+          </a:prstGeom>
+          <a:ln>
+            <a:headEnd type="none"/>
+            <a:tailEnd type="triangle"/>
+          </a:ln>
+        </p:spPr>
+        <p:style>
+          <a:lnRef idx="1">
+            <a:schemeClr val="dk1"/>
+          </a:lnRef>
+          <a:fillRef idx="0">
+            <a:schemeClr val="dk1"/>
+          </a:fillRef>
+          <a:effectRef idx="0">
+            <a:schemeClr val="dk1"/>
+          </a:effectRef>
+          <a:fontRef idx="minor">
+            <a:schemeClr val="tx1"/>
+          </a:fontRef>
+        </p:style>
+      </p:cxnSp>
+      <p:sp>
+        <p:nvSpPr>
+          <p:cNvPr id="54" name="Rectangle 53"/>
+          <p:cNvSpPr/>
+          <p:nvPr/>
+        </p:nvSpPr>
+        <p:spPr>
+          <a:xfrm rot="20721587">
+            <a:off x="5591770" y="4351504"/>
+            <a:ext cx="617026" cy="307777"/>
+          </a:xfrm>
+          <a:prstGeom prst="rect">
+            <a:avLst/>
+          </a:prstGeom>
+        </p:spPr>
+        <p:txBody>
+          <a:bodyPr wrap="none">
+            <a:spAutoFit/>
+          </a:bodyPr>
+          <a:lstStyle/>
+          <a:p>
+            <a:r>
+              <a:rPr lang="en-US" sz="1400" dirty="0" smtClean="0">
+                <a:solidFill>
+                  <a:prstClr val="black"/>
+                </a:solidFill>
+                <a:latin typeface="DejaVu Sans Mono"/>
+                <a:cs typeface="DejaVu Sans Mono"/>
+              </a:rPr>
+              <a:t>sync</a:t>
+            </a:r>
+            <a:endParaRPr lang="en-US" dirty="0"/>
+          </a:p>
+        </p:txBody>
+      </p:sp>
+      <p:cxnSp>
+        <p:nvCxnSpPr>
+          <p:cNvPr id="55" name="Straight Arrow Connector 54"/>
+          <p:cNvCxnSpPr>
+            <a:stCxn id="48" idx="2"/>
+          </p:cNvCxnSpPr>
+          <p:nvPr/>
+        </p:nvCxnSpPr>
+        <p:spPr>
+          <a:xfrm flipH="1">
+            <a:off x="5889163" y="5158517"/>
+            <a:ext cx="1038558" cy="1030070"/>
+          </a:xfrm>
+          <a:prstGeom prst="straightConnector1">
+            <a:avLst/>
+          </a:prstGeom>
+          <a:ln>
+            <a:headEnd type="none"/>
+            <a:tailEnd type="triangle"/>
+          </a:ln>
+        </p:spPr>
+        <p:style>
+          <a:lnRef idx="1">
+            <a:schemeClr val="dk1"/>
+          </a:lnRef>
+          <a:fillRef idx="0">
+            <a:schemeClr val="dk1"/>
+          </a:fillRef>
+          <a:effectRef idx="0">
+            <a:schemeClr val="dk1"/>
+          </a:effectRef>
+          <a:fontRef idx="minor">
+            <a:schemeClr val="tx1"/>
+          </a:fontRef>
+        </p:style>
+      </p:cxnSp>
+      <p:sp>
+        <p:nvSpPr>
+          <p:cNvPr id="61" name="Rounded Rectangle 60"/>
+          <p:cNvSpPr/>
+          <p:nvPr/>
+        </p:nvSpPr>
+        <p:spPr>
+          <a:xfrm>
+            <a:off x="5257174" y="5749412"/>
+            <a:ext cx="471948" cy="439175"/>
+          </a:xfrm>
+          <a:prstGeom prst="roundRect">
+            <a:avLst>
+              <a:gd name="adj" fmla="val 9204"/>
+            </a:avLst>
+          </a:prstGeom>
+          <a:solidFill>
+            <a:schemeClr val="tx1">
+              <a:lumMod val="65000"/>
+              <a:lumOff val="35000"/>
+            </a:schemeClr>
+          </a:solidFill>
+          <a:ln>
+            <a:solidFill>
+              <a:schemeClr val="tx1">
+                <a:lumMod val="65000"/>
+                <a:lumOff val="35000"/>
+              </a:schemeClr>
+            </a:solidFill>
+          </a:ln>
+          <a:effectLst/>
+        </p:spPr>
+        <p:style>
+          <a:lnRef idx="2">
+            <a:schemeClr val="dk1">
+              <a:shade val="50000"/>
+            </a:schemeClr>
+          </a:lnRef>
+          <a:fillRef idx="1">
+            <a:schemeClr val="dk1"/>
+          </a:fillRef>
+          <a:effectRef idx="0">
+            <a:schemeClr val="dk1"/>
+          </a:effectRef>
+          <a:fontRef idx="minor">
+            <a:schemeClr val="lt1"/>
+          </a:fontRef>
+        </p:style>
+        <p:txBody>
+          <a:bodyPr rtlCol="0" anchor="ctr"/>
+          <a:lstStyle/>
+          <a:p>
+            <a:pPr algn="ctr"/>
+            <a:r>
+              <a:rPr lang="en-US" sz="1600" b="1" dirty="0" smtClean="0">
+                <a:latin typeface="PT Sans"/>
+                <a:cs typeface="PT Sans"/>
+              </a:rPr>
+              <a:t>M</a:t>
+            </a:r>
+            <a:endParaRPr lang="en-US" sz="1600" b="1" dirty="0">
+              <a:latin typeface="PT Sans"/>
+              <a:cs typeface="PT Sans"/>
+            </a:endParaRPr>
+          </a:p>
+        </p:txBody>
+      </p:sp>
+      <p:grpSp>
+        <p:nvGrpSpPr>
+          <p:cNvPr id="62" name="Group 61"/>
+          <p:cNvGrpSpPr/>
+          <p:nvPr/>
+        </p:nvGrpSpPr>
+        <p:grpSpPr>
+          <a:xfrm>
+            <a:off x="5257174" y="6371555"/>
+            <a:ext cx="471948" cy="439175"/>
+            <a:chOff x="7493819" y="3177589"/>
+            <a:chExt cx="471948" cy="439175"/>
+          </a:xfrm>
+        </p:grpSpPr>
+        <p:sp>
+          <p:nvSpPr>
+            <p:cNvPr id="63" name="Rounded Rectangle 62"/>
+            <p:cNvSpPr/>
+            <p:nvPr/>
+          </p:nvSpPr>
+          <p:spPr>
+            <a:xfrm>
+              <a:off x="7493819" y="3177589"/>
+              <a:ext cx="471948" cy="439175"/>
+            </a:xfrm>
+            <a:prstGeom prst="roundRect">
+              <a:avLst>
+                <a:gd name="adj" fmla="val 9204"/>
+              </a:avLst>
+            </a:prstGeom>
+            <a:solidFill>
+              <a:schemeClr val="accent5">
+                <a:lumMod val="60000"/>
+                <a:lumOff val="40000"/>
+              </a:schemeClr>
+            </a:solidFill>
+            <a:ln>
+              <a:solidFill>
+                <a:schemeClr val="accent5">
+                  <a:lumMod val="60000"/>
+                  <a:lumOff val="40000"/>
+                </a:schemeClr>
+              </a:solidFill>
+            </a:ln>
+            <a:effectLst/>
+          </p:spPr>
+          <p:style>
+            <a:lnRef idx="2">
+              <a:schemeClr val="dk1">
+                <a:shade val="50000"/>
+              </a:schemeClr>
+            </a:lnRef>
+            <a:fillRef idx="1">
+              <a:schemeClr val="dk1"/>
+            </a:fillRef>
+            <a:effectRef idx="0">
+              <a:schemeClr val="dk1"/>
+            </a:effectRef>
+            <a:fontRef idx="minor">
+              <a:schemeClr val="lt1"/>
+            </a:fontRef>
+          </p:style>
+          <p:txBody>
+            <a:bodyPr rtlCol="0" anchor="t"/>
+            <a:lstStyle/>
+            <a:p>
+              <a:pPr algn="ctr"/>
+              <a:r>
+                <a:rPr lang="en-US" sz="1100" b="1" dirty="0" smtClean="0">
+                  <a:solidFill>
+                    <a:schemeClr val="tx1"/>
+                  </a:solidFill>
+                  <a:latin typeface="PT Sans"/>
+                  <a:cs typeface="PT Sans"/>
+                </a:rPr>
+                <a:t>OSD</a:t>
+              </a:r>
+              <a:endParaRPr lang="en-US" sz="1100" b="1" dirty="0">
+                <a:solidFill>
+                  <a:schemeClr val="tx1"/>
+                </a:solidFill>
+                <a:latin typeface="PT Sans"/>
+                <a:cs typeface="PT Sans"/>
+              </a:endParaRPr>
+            </a:p>
+          </p:txBody>
+        </p:sp>
+        <p:sp>
+          <p:nvSpPr>
+            <p:cNvPr id="64" name="Rectangle 63"/>
+            <p:cNvSpPr/>
+            <p:nvPr/>
+          </p:nvSpPr>
+          <p:spPr>
+            <a:xfrm>
+              <a:off x="7543845" y="3520064"/>
+              <a:ext cx="371897" cy="45719"/>
+            </a:xfrm>
+            <a:prstGeom prst="rect">
+              <a:avLst/>
+            </a:prstGeom>
+            <a:solidFill>
+              <a:schemeClr val="accent2"/>
+            </a:solidFill>
+            <a:ln>
+              <a:solidFill>
+                <a:schemeClr val="accent2"/>
+              </a:solidFill>
+            </a:ln>
+          </p:spPr>
+          <p:style>
+            <a:lnRef idx="2">
+              <a:schemeClr val="accent2">
+                <a:shade val="50000"/>
+              </a:schemeClr>
+            </a:lnRef>
+            <a:fillRef idx="1">
+              <a:schemeClr val="accent2"/>
+            </a:fillRef>
+            <a:effectRef idx="0">
+              <a:schemeClr val="accent2"/>
+            </a:effectRef>
+            <a:fontRef idx="minor">
+              <a:schemeClr val="lt1"/>
+            </a:fontRef>
+          </p:style>
+          <p:txBody>
+            <a:bodyPr rtlCol="0" anchor="ctr"/>
+            <a:lstStyle/>
+            <a:p>
+              <a:pPr algn="ctr"/>
+              <a:endParaRPr lang="en-US"/>
+            </a:p>
+          </p:txBody>
+        </p:sp>
+      </p:grpSp>
+      <p:grpSp>
+        <p:nvGrpSpPr>
+          <p:cNvPr id="65" name="Group 64"/>
+          <p:cNvGrpSpPr/>
+          <p:nvPr/>
+        </p:nvGrpSpPr>
+        <p:grpSpPr>
+          <a:xfrm>
+            <a:off x="5839137" y="6371555"/>
+            <a:ext cx="471948" cy="439175"/>
+            <a:chOff x="7493819" y="3177589"/>
+            <a:chExt cx="471948" cy="439175"/>
+          </a:xfrm>
+        </p:grpSpPr>
+        <p:sp>
+          <p:nvSpPr>
+            <p:cNvPr id="66" name="Rounded Rectangle 65"/>
+            <p:cNvSpPr/>
+            <p:nvPr/>
+          </p:nvSpPr>
+          <p:spPr>
+            <a:xfrm>
+              <a:off x="7493819" y="3177589"/>
+              <a:ext cx="471948" cy="439175"/>
+            </a:xfrm>
+            <a:prstGeom prst="roundRect">
+              <a:avLst>
+                <a:gd name="adj" fmla="val 9204"/>
+              </a:avLst>
+            </a:prstGeom>
+            <a:solidFill>
+              <a:schemeClr val="accent5">
+                <a:lumMod val="60000"/>
+                <a:lumOff val="40000"/>
+              </a:schemeClr>
+            </a:solidFill>
+            <a:ln>
+              <a:solidFill>
+                <a:schemeClr val="accent5">
+                  <a:lumMod val="60000"/>
+                  <a:lumOff val="40000"/>
+                </a:schemeClr>
+              </a:solidFill>
+            </a:ln>
+            <a:effectLst/>
+          </p:spPr>
+          <p:style>
+            <a:lnRef idx="2">
+              <a:schemeClr val="dk1">
+                <a:shade val="50000"/>
+              </a:schemeClr>
+            </a:lnRef>
+            <a:fillRef idx="1">
+              <a:schemeClr val="dk1"/>
+            </a:fillRef>
+            <a:effectRef idx="0">
+              <a:schemeClr val="dk1"/>
+            </a:effectRef>
+            <a:fontRef idx="minor">
+              <a:schemeClr val="lt1"/>
+            </a:fontRef>
+          </p:style>
+          <p:txBody>
+            <a:bodyPr rtlCol="0" anchor="t"/>
+            <a:lstStyle/>
+            <a:p>
+              <a:pPr algn="ctr"/>
+              <a:r>
+                <a:rPr lang="en-US" sz="1100" b="1" dirty="0" smtClean="0">
+                  <a:solidFill>
+                    <a:schemeClr val="tx1"/>
+                  </a:solidFill>
+                  <a:latin typeface="PT Sans"/>
+                  <a:cs typeface="PT Sans"/>
+                </a:rPr>
+                <a:t>OSD</a:t>
+              </a:r>
+              <a:endParaRPr lang="en-US" sz="1100" b="1" dirty="0">
+                <a:solidFill>
+                  <a:schemeClr val="tx1"/>
+                </a:solidFill>
+                <a:latin typeface="PT Sans"/>
+                <a:cs typeface="PT Sans"/>
+              </a:endParaRPr>
+            </a:p>
+          </p:txBody>
+        </p:sp>
+        <p:sp>
+          <p:nvSpPr>
+            <p:cNvPr id="67" name="Rectangle 66"/>
+            <p:cNvSpPr/>
+            <p:nvPr/>
+          </p:nvSpPr>
+          <p:spPr>
+            <a:xfrm>
+              <a:off x="7543845" y="3520064"/>
+              <a:ext cx="371897" cy="45719"/>
+            </a:xfrm>
+            <a:prstGeom prst="rect">
+              <a:avLst/>
+            </a:prstGeom>
+            <a:solidFill>
+              <a:schemeClr val="accent2"/>
+            </a:solidFill>
+            <a:ln>
+              <a:solidFill>
+                <a:schemeClr val="accent2"/>
+              </a:solidFill>
+            </a:ln>
+          </p:spPr>
+          <p:style>
+            <a:lnRef idx="2">
+              <a:schemeClr val="accent2">
+                <a:shade val="50000"/>
+              </a:schemeClr>
+            </a:lnRef>
+            <a:fillRef idx="1">
+              <a:schemeClr val="accent2"/>
+            </a:fillRef>
+            <a:effectRef idx="0">
+              <a:schemeClr val="accent2"/>
+            </a:effectRef>
+            <a:fontRef idx="minor">
+              <a:schemeClr val="lt1"/>
+            </a:fontRef>
+          </p:style>
+          <p:txBody>
+            <a:bodyPr rtlCol="0" anchor="ctr"/>
+            <a:lstStyle/>
+            <a:p>
+              <a:pPr algn="ctr"/>
+              <a:endParaRPr lang="en-US"/>
+            </a:p>
+          </p:txBody>
+        </p:sp>
+      </p:grpSp>
+      <p:grpSp>
+        <p:nvGrpSpPr>
+          <p:cNvPr id="68" name="Group 67"/>
+          <p:cNvGrpSpPr/>
+          <p:nvPr/>
+        </p:nvGrpSpPr>
+        <p:grpSpPr>
+          <a:xfrm>
+            <a:off x="6463485" y="6371555"/>
+            <a:ext cx="471948" cy="439175"/>
+            <a:chOff x="7493819" y="3177589"/>
+            <a:chExt cx="471948" cy="439175"/>
+          </a:xfrm>
+        </p:grpSpPr>
+        <p:sp>
+          <p:nvSpPr>
+            <p:cNvPr id="69" name="Rounded Rectangle 68"/>
+            <p:cNvSpPr/>
+            <p:nvPr/>
+          </p:nvSpPr>
+          <p:spPr>
+            <a:xfrm>
+              <a:off x="7493819" y="3177589"/>
+              <a:ext cx="471948" cy="439175"/>
+            </a:xfrm>
+            <a:prstGeom prst="roundRect">
+              <a:avLst>
+                <a:gd name="adj" fmla="val 9204"/>
+              </a:avLst>
+            </a:prstGeom>
+            <a:solidFill>
+              <a:schemeClr val="accent5">
+                <a:lumMod val="60000"/>
+                <a:lumOff val="40000"/>
+              </a:schemeClr>
+            </a:solidFill>
+            <a:ln>
+              <a:solidFill>
+                <a:schemeClr val="accent5">
+                  <a:lumMod val="60000"/>
+                  <a:lumOff val="40000"/>
+                </a:schemeClr>
+              </a:solidFill>
+            </a:ln>
+            <a:effectLst/>
+          </p:spPr>
+          <p:style>
+            <a:lnRef idx="2">
+              <a:schemeClr val="dk1">
+                <a:shade val="50000"/>
+              </a:schemeClr>
+            </a:lnRef>
+            <a:fillRef idx="1">
+              <a:schemeClr val="dk1"/>
+            </a:fillRef>
+            <a:effectRef idx="0">
+              <a:schemeClr val="dk1"/>
+            </a:effectRef>
+            <a:fontRef idx="minor">
+              <a:schemeClr val="lt1"/>
+            </a:fontRef>
+          </p:style>
+          <p:txBody>
+            <a:bodyPr rtlCol="0" anchor="t"/>
+            <a:lstStyle/>
+            <a:p>
+              <a:pPr algn="ctr"/>
+              <a:r>
+                <a:rPr lang="en-US" sz="1100" b="1" dirty="0" smtClean="0">
+                  <a:solidFill>
+                    <a:schemeClr val="tx1"/>
+                  </a:solidFill>
+                  <a:latin typeface="PT Sans"/>
+                  <a:cs typeface="PT Sans"/>
+                </a:rPr>
+                <a:t>OSD</a:t>
+              </a:r>
+              <a:endParaRPr lang="en-US" sz="1100" b="1" dirty="0">
+                <a:solidFill>
+                  <a:schemeClr val="tx1"/>
+                </a:solidFill>
+                <a:latin typeface="PT Sans"/>
+                <a:cs typeface="PT Sans"/>
+              </a:endParaRPr>
+            </a:p>
+          </p:txBody>
+        </p:sp>
+        <p:sp>
+          <p:nvSpPr>
+            <p:cNvPr id="70" name="Rectangle 69"/>
+            <p:cNvSpPr/>
+            <p:nvPr/>
+          </p:nvSpPr>
+          <p:spPr>
+            <a:xfrm>
+              <a:off x="7543845" y="3520064"/>
+              <a:ext cx="371897" cy="45719"/>
+            </a:xfrm>
+            <a:prstGeom prst="rect">
+              <a:avLst/>
+            </a:prstGeom>
+            <a:solidFill>
+              <a:schemeClr val="accent2"/>
+            </a:solidFill>
+            <a:ln>
+              <a:solidFill>
+                <a:schemeClr val="accent2"/>
+              </a:solidFill>
+            </a:ln>
+          </p:spPr>
+          <p:style>
+            <a:lnRef idx="2">
+              <a:schemeClr val="accent2">
+                <a:shade val="50000"/>
+              </a:schemeClr>
+            </a:lnRef>
+            <a:fillRef idx="1">
+              <a:schemeClr val="accent2"/>
+            </a:fillRef>
+            <a:effectRef idx="0">
+              <a:schemeClr val="accent2"/>
+            </a:effectRef>
+            <a:fontRef idx="minor">
+              <a:schemeClr val="lt1"/>
+            </a:fontRef>
+          </p:style>
+          <p:txBody>
+            <a:bodyPr rtlCol="0" anchor="ctr"/>
+            <a:lstStyle/>
+            <a:p>
+              <a:pPr algn="ctr"/>
+              <a:endParaRPr lang="en-US"/>
+            </a:p>
+          </p:txBody>
+        </p:sp>
+      </p:grpSp>
+      <p:sp>
+        <p:nvSpPr>
+          <p:cNvPr id="72" name="Rectangle 71"/>
+          <p:cNvSpPr/>
+          <p:nvPr/>
+        </p:nvSpPr>
+        <p:spPr>
+          <a:xfrm rot="19056007">
+            <a:off x="5711500" y="5416146"/>
+            <a:ext cx="1203800" cy="276999"/>
+          </a:xfrm>
+          <a:prstGeom prst="rect">
+            <a:avLst/>
+          </a:prstGeom>
+        </p:spPr>
+        <p:txBody>
+          <a:bodyPr wrap="none">
+            <a:spAutoFit/>
+          </a:bodyPr>
+          <a:lstStyle/>
+          <a:p>
+            <a:r>
+              <a:rPr lang="en-US" sz="1200" dirty="0" err="1" smtClean="0">
+                <a:solidFill>
+                  <a:prstClr val="black"/>
+                </a:solidFill>
+                <a:latin typeface="DejaVu Sans Mono"/>
+                <a:cs typeface="DejaVu Sans Mono"/>
+              </a:rPr>
+              <a:t>ceph</a:t>
+            </a:r>
+            <a:r>
+              <a:rPr lang="en-US" sz="1200" dirty="0" smtClean="0">
+                <a:solidFill>
+                  <a:prstClr val="black"/>
+                </a:solidFill>
+                <a:latin typeface="DejaVu Sans Mono"/>
+                <a:cs typeface="DejaVu Sans Mono"/>
+              </a:rPr>
+              <a:t>-deploy</a:t>
+            </a:r>
+            <a:endParaRPr lang="en-US" sz="1600" dirty="0"/>
+          </a:p>
+        </p:txBody>
+      </p:sp>
+      <p:sp>
+        <p:nvSpPr>
+          <p:cNvPr id="74" name="Rectangle 73"/>
+          <p:cNvSpPr/>
+          <p:nvPr/>
+        </p:nvSpPr>
+        <p:spPr>
+          <a:xfrm>
+            <a:off x="5103090" y="5692791"/>
+            <a:ext cx="2090175" cy="1164119"/>
+          </a:xfrm>
+          <a:prstGeom prst="rect">
+            <a:avLst/>
+          </a:prstGeom>
+          <a:noFill/>
+          <a:ln>
+            <a:solidFill>
+              <a:schemeClr val="tx1"/>
+            </a:solidFill>
+            <a:prstDash val="dash"/>
+          </a:ln>
+          <a:effectLst/>
+        </p:spPr>
+        <p:style>
+          <a:lnRef idx="1">
+            <a:schemeClr val="accent1"/>
+          </a:lnRef>
+          <a:fillRef idx="3">
+            <a:schemeClr val="accent1"/>
+          </a:fillRef>
+          <a:effectRef idx="2">
+            <a:schemeClr val="accent1"/>
+          </a:effectRef>
+          <a:fontRef idx="minor">
+            <a:schemeClr val="lt1"/>
+          </a:fontRef>
+        </p:style>
+        <p:txBody>
+          <a:bodyPr rtlCol="0" anchor="ctr"/>
+          <a:lstStyle/>
+          <a:p>
+            <a:pPr algn="ctr"/>
+            <a:endParaRPr lang="en-US"/>
+          </a:p>
+        </p:txBody>
+      </p:sp>
+      <p:sp>
+        <p:nvSpPr>
+          <p:cNvPr id="75" name="Content Placeholder 2"/>
+          <p:cNvSpPr txBox="1">
+            <a:spLocks/>
+          </p:cNvSpPr>
+          <p:nvPr/>
+        </p:nvSpPr>
+        <p:spPr>
+          <a:xfrm>
+            <a:off x="115454" y="3916980"/>
+            <a:ext cx="4667865" cy="2818612"/>
+          </a:xfrm>
+          <a:prstGeom prst="rect">
+            <a:avLst/>
+          </a:prstGeom>
+        </p:spPr>
+        <p:txBody>
+          <a:bodyPr vert="horz" lIns="91440" tIns="45720" rIns="91440" bIns="45720" rtlCol="0">
+            <a:normAutofit/>
+          </a:bodyPr>
+          <a:lstStyle>
+            <a:lvl1pPr marL="342900" indent="-342900" algn="l" defTabSz="457200" rtl="0" eaLnBrk="1" latinLnBrk="0" hangingPunct="1">
+              <a:spcBef>
+                <a:spcPct val="20000"/>
+              </a:spcBef>
+              <a:buFont typeface="Arial"/>
+              <a:buChar char="•"/>
+              <a:defRPr sz="3200" kern="1200">
+                <a:solidFill>
+                  <a:schemeClr val="tx1"/>
+                </a:solidFill>
+                <a:latin typeface="+mn-lt"/>
+                <a:ea typeface="+mn-ea"/>
+                <a:cs typeface="+mn-cs"/>
+              </a:defRPr>
+            </a:lvl1pPr>
+            <a:lvl2pPr marL="742950" indent="-285750" algn="l" defTabSz="457200" rtl="0" eaLnBrk="1" latinLnBrk="0" hangingPunct="1">
+              <a:spcBef>
+                <a:spcPct val="20000"/>
+              </a:spcBef>
+              <a:buFont typeface="Arial"/>
+              <a:buChar char="–"/>
+              <a:defRPr sz="2800" kern="1200">
+                <a:solidFill>
+                  <a:schemeClr val="tx1"/>
+                </a:solidFill>
+                <a:latin typeface="+mn-lt"/>
+                <a:ea typeface="+mn-ea"/>
+                <a:cs typeface="+mn-cs"/>
+              </a:defRPr>
+            </a:lvl2pPr>
+            <a:lvl3pPr marL="1143000" indent="-228600" algn="l" defTabSz="457200" rtl="0" eaLnBrk="1" latinLnBrk="0" hangingPunct="1">
+              <a:spcBef>
+                <a:spcPct val="20000"/>
+              </a:spcBef>
+              <a:buFont typeface="Arial"/>
+              <a:buChar char="•"/>
+              <a:defRPr sz="2400" kern="1200">
+                <a:solidFill>
+                  <a:schemeClr val="tx1"/>
+                </a:solidFill>
+                <a:latin typeface="+mn-lt"/>
+                <a:ea typeface="+mn-ea"/>
+                <a:cs typeface="+mn-cs"/>
+              </a:defRPr>
+            </a:lvl3pPr>
+            <a:lvl4pPr marL="1600200" indent="-228600" algn="l" defTabSz="457200" rtl="0" eaLnBrk="1" latinLnBrk="0" hangingPunct="1">
+              <a:spcBef>
+                <a:spcPct val="20000"/>
+              </a:spcBef>
+              <a:buFont typeface="Arial"/>
+              <a:buChar char="–"/>
+              <a:defRPr sz="2000" kern="1200">
+                <a:solidFill>
+                  <a:schemeClr val="tx1"/>
+                </a:solidFill>
+                <a:latin typeface="+mn-lt"/>
+                <a:ea typeface="+mn-ea"/>
+                <a:cs typeface="+mn-cs"/>
+              </a:defRPr>
+            </a:lvl4pPr>
+            <a:lvl5pPr marL="2057400" indent="-228600" algn="l" defTabSz="457200" rtl="0" eaLnBrk="1" latinLnBrk="0" hangingPunct="1">
+              <a:spcBef>
+                <a:spcPct val="20000"/>
+              </a:spcBef>
+              <a:buFont typeface="Arial"/>
+              <a:buChar char="»"/>
+              <a:defRPr sz="2000" kern="1200">
+                <a:solidFill>
+                  <a:schemeClr val="tx1"/>
+                </a:solidFill>
+                <a:latin typeface="+mn-lt"/>
+                <a:ea typeface="+mn-ea"/>
+                <a:cs typeface="+mn-cs"/>
+              </a:defRPr>
+            </a:lvl5pPr>
+            <a:lvl6pPr marL="2514600" indent="-228600" algn="l" defTabSz="457200" rtl="0" eaLnBrk="1" latinLnBrk="0" hangingPunct="1">
+              <a:spcBef>
+                <a:spcPct val="20000"/>
+              </a:spcBef>
+              <a:buFont typeface="Arial"/>
+              <a:buChar char="•"/>
+              <a:defRPr sz="2000" kern="1200">
+                <a:solidFill>
+                  <a:schemeClr val="tx1"/>
+                </a:solidFill>
+                <a:latin typeface="+mn-lt"/>
+                <a:ea typeface="+mn-ea"/>
+                <a:cs typeface="+mn-cs"/>
+              </a:defRPr>
+            </a:lvl6pPr>
+            <a:lvl7pPr marL="2971800" indent="-228600" algn="l" defTabSz="457200" rtl="0" eaLnBrk="1" latinLnBrk="0" hangingPunct="1">
+              <a:spcBef>
+                <a:spcPct val="20000"/>
+              </a:spcBef>
+              <a:buFont typeface="Arial"/>
+              <a:buChar char="•"/>
+              <a:defRPr sz="2000" kern="1200">
+                <a:solidFill>
+                  <a:schemeClr val="tx1"/>
+                </a:solidFill>
+                <a:latin typeface="+mn-lt"/>
+                <a:ea typeface="+mn-ea"/>
+                <a:cs typeface="+mn-cs"/>
+              </a:defRPr>
+            </a:lvl7pPr>
+            <a:lvl8pPr marL="3429000" indent="-228600" algn="l" defTabSz="457200" rtl="0" eaLnBrk="1" latinLnBrk="0" hangingPunct="1">
+              <a:spcBef>
+                <a:spcPct val="20000"/>
+              </a:spcBef>
+              <a:buFont typeface="Arial"/>
+              <a:buChar char="•"/>
+              <a:defRPr sz="2000" kern="1200">
+                <a:solidFill>
+                  <a:schemeClr val="tx1"/>
+                </a:solidFill>
+                <a:latin typeface="+mn-lt"/>
+                <a:ea typeface="+mn-ea"/>
+                <a:cs typeface="+mn-cs"/>
+              </a:defRPr>
+            </a:lvl8pPr>
+            <a:lvl9pPr marL="3886200" indent="-228600" algn="l" defTabSz="457200" rtl="0" eaLnBrk="1" latinLnBrk="0" hangingPunct="1">
+              <a:spcBef>
+                <a:spcPct val="20000"/>
+              </a:spcBef>
+              <a:buFont typeface="Arial"/>
+              <a:buChar char="•"/>
+              <a:defRPr sz="2000" kern="1200">
+                <a:solidFill>
+                  <a:schemeClr val="tx1"/>
+                </a:solidFill>
+                <a:latin typeface="+mn-lt"/>
+                <a:ea typeface="+mn-ea"/>
+                <a:cs typeface="+mn-cs"/>
+              </a:defRPr>
+            </a:lvl9pPr>
+          </a:lstStyle>
+          <a:p>
+            <a:pPr marL="0" indent="0">
+              <a:buNone/>
+            </a:pPr>
+            <a:r>
+              <a:rPr lang="en-US" sz="1800" b="1" dirty="0" smtClean="0">
+                <a:latin typeface="PT Sans"/>
+                <a:cs typeface="PT Sans"/>
+              </a:rPr>
+              <a:t>Problems:</a:t>
+            </a:r>
+            <a:endParaRPr lang="en-US" sz="1800" dirty="0" smtClean="0">
+              <a:latin typeface="PT Sans"/>
+              <a:cs typeface="PT Sans"/>
+            </a:endParaRPr>
+          </a:p>
+          <a:p>
+            <a:pPr marL="0" indent="0">
+              <a:buNone/>
+            </a:pPr>
+            <a:r>
+              <a:rPr lang="en-US" sz="1800" dirty="0">
+                <a:latin typeface="PT Sans"/>
+                <a:cs typeface="PT Sans"/>
+              </a:rPr>
+              <a:t> </a:t>
+            </a:r>
+            <a:r>
+              <a:rPr lang="en-US" sz="1800" dirty="0" smtClean="0">
+                <a:latin typeface="PT Sans"/>
+                <a:cs typeface="PT Sans"/>
+              </a:rPr>
+              <a:t> * local and git-builder environments differ</a:t>
+            </a:r>
+          </a:p>
+          <a:p>
+            <a:pPr marL="0" indent="0">
+              <a:buNone/>
+            </a:pPr>
+            <a:r>
+              <a:rPr lang="en-US" sz="1800" dirty="0">
+                <a:latin typeface="PT Sans"/>
+                <a:cs typeface="PT Sans"/>
+              </a:rPr>
+              <a:t> </a:t>
+            </a:r>
+            <a:r>
+              <a:rPr lang="en-US" sz="1800" dirty="0" smtClean="0">
+                <a:latin typeface="PT Sans"/>
+                <a:cs typeface="PT Sans"/>
+              </a:rPr>
+              <a:t> * testing end-to-end deploy pipeline</a:t>
+            </a:r>
+          </a:p>
+          <a:p>
+            <a:pPr marL="0" indent="0">
+              <a:buNone/>
+            </a:pPr>
+            <a:r>
+              <a:rPr lang="en-US" sz="1800" dirty="0">
+                <a:latin typeface="PT Sans"/>
+                <a:cs typeface="PT Sans"/>
+              </a:rPr>
+              <a:t> </a:t>
+            </a:r>
+            <a:r>
+              <a:rPr lang="en-US" sz="1800" dirty="0" smtClean="0">
+                <a:latin typeface="PT Sans"/>
+                <a:cs typeface="PT Sans"/>
+              </a:rPr>
+              <a:t>     * building, packaging, deployment</a:t>
+            </a:r>
+          </a:p>
+          <a:p>
+            <a:pPr marL="0" indent="0">
+              <a:buNone/>
+            </a:pPr>
+            <a:r>
+              <a:rPr lang="en-US" sz="1800" dirty="0">
+                <a:latin typeface="PT Sans"/>
+                <a:cs typeface="PT Sans"/>
+              </a:rPr>
+              <a:t> </a:t>
+            </a:r>
+            <a:r>
+              <a:rPr lang="en-US" sz="1800" dirty="0" smtClean="0">
+                <a:latin typeface="PT Sans"/>
+                <a:cs typeface="PT Sans"/>
+              </a:rPr>
+              <a:t> * slow</a:t>
+            </a:r>
+          </a:p>
+          <a:p>
+            <a:pPr marL="0" indent="0">
+              <a:buNone/>
+            </a:pPr>
+            <a:r>
+              <a:rPr lang="en-US" sz="1800" b="1" dirty="0" smtClean="0">
+                <a:latin typeface="PT Sans"/>
+                <a:cs typeface="PT Sans"/>
+              </a:rPr>
+              <a:t>Goal:</a:t>
+            </a:r>
+          </a:p>
+          <a:p>
+            <a:pPr marL="0" indent="0">
+              <a:buNone/>
+            </a:pPr>
+            <a:r>
+              <a:rPr lang="en-US" sz="1800" dirty="0">
+                <a:latin typeface="PT Sans"/>
+                <a:cs typeface="PT Sans"/>
+              </a:rPr>
+              <a:t> </a:t>
+            </a:r>
+            <a:r>
+              <a:rPr lang="en-US" sz="1800" dirty="0" smtClean="0">
+                <a:latin typeface="PT Sans"/>
+                <a:cs typeface="PT Sans"/>
+              </a:rPr>
+              <a:t> * separate concerns (</a:t>
+            </a:r>
+            <a:r>
+              <a:rPr lang="en-US" sz="1800" dirty="0" err="1" smtClean="0">
+                <a:latin typeface="PT Sans"/>
+                <a:cs typeface="PT Sans"/>
+              </a:rPr>
+              <a:t>ceph</a:t>
+            </a:r>
+            <a:r>
+              <a:rPr lang="en-US" sz="1800" dirty="0" smtClean="0">
+                <a:latin typeface="PT Sans"/>
+                <a:cs typeface="PT Sans"/>
+              </a:rPr>
+              <a:t> vs. packaging)</a:t>
+            </a:r>
+          </a:p>
+          <a:p>
+            <a:pPr marL="0" indent="0">
+              <a:buNone/>
+            </a:pPr>
+            <a:r>
+              <a:rPr lang="en-US" sz="1800" dirty="0">
+                <a:latin typeface="PT Sans"/>
+                <a:cs typeface="PT Sans"/>
+              </a:rPr>
+              <a:t> </a:t>
+            </a:r>
+            <a:r>
+              <a:rPr lang="en-US" sz="1800" dirty="0" smtClean="0">
+                <a:latin typeface="PT Sans"/>
+                <a:cs typeface="PT Sans"/>
+              </a:rPr>
+              <a:t> * make it fast</a:t>
+            </a:r>
+          </a:p>
+        </p:txBody>
+      </p:sp>
+    </p:spTree>
+    <p:extLst>
+      <p:ext uri="{BB962C8B-B14F-4D97-AF65-F5344CB8AC3E}">
+        <p14:creationId xmlns:p14="http://schemas.microsoft.com/office/powerpoint/2010/main" val="861545000"/>
+      </p:ext>
+    </p:extLst>
+  </p:cSld>
+  <p:clrMapOvr>
+    <a:masterClrMapping/>
+  </p:clrMapOvr>
+  <p:timing>
+    <p:tnLst>
+      <p:par>
+        <p:cTn xmlns:p14="http://schemas.microsoft.com/office/powerpoint/2010/main" id="1" dur="indefinite" restart="never" nodeType="tmRoot">
+          <p:childTnLst>
+            <p:seq concurrent="1" nextAc="seek">
+              <p:cTn id="2" dur="indefinite" nodeType="mainSeq">
+                <p:childTnLst>
+                  <p:par>
+                    <p:cTn id="3" fill="hold">
+                      <p:stCondLst>
+                        <p:cond delay="indefinite"/>
+                      </p:stCondLst>
+                      <p:childTnLst>
+                        <p:par>
+                          <p:cTn id="4" fill="hold">
+                            <p:stCondLst>
+                              <p:cond delay="0"/>
+                            </p:stCondLst>
+                            <p:childTnLst>
+                              <p:par>
+                                <p:cTn id="5" presetID="1" presetClass="entr" presetSubtype="0" fill="hold" nodeType="clickEffect">
+                                  <p:stCondLst>
+                                    <p:cond delay="0"/>
+                                  </p:stCondLst>
+                                  <p:childTnLst>
+                                    <p:set>
+                                      <p:cBhvr>
+                                        <p:cTn id="6" dur="1" fill="hold">
+                                          <p:stCondLst>
+                                            <p:cond delay="0"/>
+                                          </p:stCondLst>
+                                        </p:cTn>
+                                        <p:tgtEl>
+                                          <p:spTgt spid="8"/>
+                                        </p:tgtEl>
+                                        <p:attrNameLst>
+                                          <p:attrName>style.visibility</p:attrName>
+                                        </p:attrNameLst>
+                                      </p:cBhvr>
+                                      <p:to>
+                                        <p:strVal val="visible"/>
+                                      </p:to>
+                                    </p:set>
+                                  </p:childTnLst>
+                                </p:cTn>
+                              </p:par>
+                              <p:par>
+                                <p:cTn id="7" presetID="1" presetClass="entr" presetSubtype="0" fill="hold" grpId="0" nodeType="withEffect">
+                                  <p:stCondLst>
+                                    <p:cond delay="0"/>
+                                  </p:stCondLst>
+                                  <p:childTnLst>
+                                    <p:set>
+                                      <p:cBhvr>
+                                        <p:cTn id="8" dur="1" fill="hold">
+                                          <p:stCondLst>
+                                            <p:cond delay="0"/>
+                                          </p:stCondLst>
+                                        </p:cTn>
+                                        <p:tgtEl>
+                                          <p:spTgt spid="24"/>
+                                        </p:tgtEl>
+                                        <p:attrNameLst>
+                                          <p:attrName>style.visibility</p:attrName>
+                                        </p:attrNameLst>
+                                      </p:cBhvr>
+                                      <p:to>
+                                        <p:strVal val="visible"/>
+                                      </p:to>
+                                    </p:set>
+                                  </p:childTnLst>
+                                </p:cTn>
+                              </p:par>
+                              <p:par>
+                                <p:cTn id="9" presetID="1" presetClass="entr" presetSubtype="0" fill="hold" grpId="0" nodeType="withEffect">
+                                  <p:stCondLst>
+                                    <p:cond delay="0"/>
+                                  </p:stCondLst>
+                                  <p:childTnLst>
+                                    <p:set>
+                                      <p:cBhvr>
+                                        <p:cTn id="10" dur="1" fill="hold">
+                                          <p:stCondLst>
+                                            <p:cond delay="0"/>
+                                          </p:stCondLst>
+                                        </p:cTn>
+                                        <p:tgtEl>
+                                          <p:spTgt spid="9"/>
+                                        </p:tgtEl>
+                                        <p:attrNameLst>
+                                          <p:attrName>style.visibility</p:attrName>
+                                        </p:attrNameLst>
+                                      </p:cBhvr>
+                                      <p:to>
+                                        <p:strVal val="visible"/>
+                                      </p:to>
+                                    </p:set>
+                                  </p:childTnLst>
+                                </p:cTn>
+                              </p:par>
+                            </p:childTnLst>
+                          </p:cTn>
+                        </p:par>
+                      </p:childTnLst>
+                    </p:cTn>
+                  </p:par>
+                  <p:par>
+                    <p:cTn id="11" fill="hold">
+                      <p:stCondLst>
+                        <p:cond delay="indefinite"/>
+                      </p:stCondLst>
+                      <p:childTnLst>
+                        <p:par>
+                          <p:cTn id="12" fill="hold">
+                            <p:stCondLst>
+                              <p:cond delay="0"/>
+                            </p:stCondLst>
+                            <p:childTnLst>
+                              <p:par>
+                                <p:cTn id="13" presetID="1" presetClass="entr" presetSubtype="0" fill="hold" nodeType="clickEffect">
+                                  <p:stCondLst>
+                                    <p:cond delay="0"/>
+                                  </p:stCondLst>
+                                  <p:childTnLst>
+                                    <p:set>
+                                      <p:cBhvr>
+                                        <p:cTn id="14" dur="1" fill="hold">
+                                          <p:stCondLst>
+                                            <p:cond delay="0"/>
+                                          </p:stCondLst>
+                                        </p:cTn>
+                                        <p:tgtEl>
+                                          <p:spTgt spid="25"/>
+                                        </p:tgtEl>
+                                        <p:attrNameLst>
+                                          <p:attrName>style.visibility</p:attrName>
+                                        </p:attrNameLst>
+                                      </p:cBhvr>
+                                      <p:to>
+                                        <p:strVal val="visible"/>
+                                      </p:to>
+                                    </p:set>
+                                  </p:childTnLst>
+                                </p:cTn>
+                              </p:par>
+                              <p:par>
+                                <p:cTn id="15" presetID="1" presetClass="entr" presetSubtype="0" fill="hold" grpId="0" nodeType="withEffect">
+                                  <p:stCondLst>
+                                    <p:cond delay="0"/>
+                                  </p:stCondLst>
+                                  <p:childTnLst>
+                                    <p:set>
+                                      <p:cBhvr>
+                                        <p:cTn id="16" dur="1" fill="hold">
+                                          <p:stCondLst>
+                                            <p:cond delay="0"/>
+                                          </p:stCondLst>
+                                        </p:cTn>
+                                        <p:tgtEl>
+                                          <p:spTgt spid="26"/>
+                                        </p:tgtEl>
+                                        <p:attrNameLst>
+                                          <p:attrName>style.visibility</p:attrName>
+                                        </p:attrNameLst>
+                                      </p:cBhvr>
+                                      <p:to>
+                                        <p:strVal val="visible"/>
+                                      </p:to>
+                                    </p:set>
+                                  </p:childTnLst>
+                                </p:cTn>
+                              </p:par>
+                              <p:par>
+                                <p:cTn id="17" presetID="1" presetClass="entr" presetSubtype="0" fill="hold" grpId="0" nodeType="withEffect">
+                                  <p:stCondLst>
+                                    <p:cond delay="0"/>
+                                  </p:stCondLst>
+                                  <p:childTnLst>
+                                    <p:set>
+                                      <p:cBhvr>
+                                        <p:cTn id="18" dur="1" fill="hold">
+                                          <p:stCondLst>
+                                            <p:cond delay="0"/>
+                                          </p:stCondLst>
+                                        </p:cTn>
+                                        <p:tgtEl>
+                                          <p:spTgt spid="29"/>
+                                        </p:tgtEl>
+                                        <p:attrNameLst>
+                                          <p:attrName>style.visibility</p:attrName>
+                                        </p:attrNameLst>
+                                      </p:cBhvr>
+                                      <p:to>
+                                        <p:strVal val="visible"/>
+                                      </p:to>
+                                    </p:set>
+                                  </p:childTnLst>
+                                </p:cTn>
+                              </p:par>
+                              <p:par>
+                                <p:cTn id="19" presetID="1" presetClass="entr" presetSubtype="0" fill="hold" nodeType="withEffect">
+                                  <p:stCondLst>
+                                    <p:cond delay="0"/>
+                                  </p:stCondLst>
+                                  <p:childTnLst>
+                                    <p:set>
+                                      <p:cBhvr>
+                                        <p:cTn id="20" dur="1" fill="hold">
+                                          <p:stCondLst>
+                                            <p:cond delay="0"/>
+                                          </p:stCondLst>
+                                        </p:cTn>
+                                        <p:tgtEl>
+                                          <p:spTgt spid="32"/>
+                                        </p:tgtEl>
+                                        <p:attrNameLst>
+                                          <p:attrName>style.visibility</p:attrName>
+                                        </p:attrNameLst>
+                                      </p:cBhvr>
+                                      <p:to>
+                                        <p:strVal val="visible"/>
+                                      </p:to>
+                                    </p:set>
+                                  </p:childTnLst>
+                                </p:cTn>
+                              </p:par>
+                              <p:par>
+                                <p:cTn id="21" presetID="1" presetClass="entr" presetSubtype="0" fill="hold" nodeType="withEffect">
+                                  <p:stCondLst>
+                                    <p:cond delay="0"/>
+                                  </p:stCondLst>
+                                  <p:childTnLst>
+                                    <p:set>
+                                      <p:cBhvr>
+                                        <p:cTn id="22" dur="1" fill="hold">
+                                          <p:stCondLst>
+                                            <p:cond delay="0"/>
+                                          </p:stCondLst>
+                                        </p:cTn>
+                                        <p:tgtEl>
+                                          <p:spTgt spid="33"/>
+                                        </p:tgtEl>
+                                        <p:attrNameLst>
+                                          <p:attrName>style.visibility</p:attrName>
+                                        </p:attrNameLst>
+                                      </p:cBhvr>
+                                      <p:to>
+                                        <p:strVal val="visible"/>
+                                      </p:to>
+                                    </p:set>
+                                  </p:childTnLst>
+                                </p:cTn>
+                              </p:par>
+                              <p:par>
+                                <p:cTn id="23" presetID="1" presetClass="entr" presetSubtype="0" fill="hold" nodeType="withEffect">
+                                  <p:stCondLst>
+                                    <p:cond delay="0"/>
+                                  </p:stCondLst>
+                                  <p:childTnLst>
+                                    <p:set>
+                                      <p:cBhvr>
+                                        <p:cTn id="24" dur="1" fill="hold">
+                                          <p:stCondLst>
+                                            <p:cond delay="0"/>
+                                          </p:stCondLst>
+                                        </p:cTn>
+                                        <p:tgtEl>
+                                          <p:spTgt spid="36"/>
+                                        </p:tgtEl>
+                                        <p:attrNameLst>
+                                          <p:attrName>style.visibility</p:attrName>
+                                        </p:attrNameLst>
+                                      </p:cBhvr>
+                                      <p:to>
+                                        <p:strVal val="visible"/>
+                                      </p:to>
+                                    </p:set>
+                                  </p:childTnLst>
+                                </p:cTn>
+                              </p:par>
+                            </p:childTnLst>
+                          </p:cTn>
+                        </p:par>
+                      </p:childTnLst>
+                    </p:cTn>
+                  </p:par>
+                  <p:par>
+                    <p:cTn id="25" fill="hold">
+                      <p:stCondLst>
+                        <p:cond delay="indefinite"/>
+                      </p:stCondLst>
+                      <p:childTnLst>
+                        <p:par>
+                          <p:cTn id="26" fill="hold">
+                            <p:stCondLst>
+                              <p:cond delay="0"/>
+                            </p:stCondLst>
+                            <p:childTnLst>
+                              <p:par>
+                                <p:cTn id="27" presetID="1" presetClass="entr" presetSubtype="0" fill="hold" nodeType="clickEffect">
+                                  <p:stCondLst>
+                                    <p:cond delay="0"/>
+                                  </p:stCondLst>
+                                  <p:childTnLst>
+                                    <p:set>
+                                      <p:cBhvr>
+                                        <p:cTn id="28" dur="1" fill="hold">
+                                          <p:stCondLst>
+                                            <p:cond delay="0"/>
+                                          </p:stCondLst>
+                                        </p:cTn>
+                                        <p:tgtEl>
+                                          <p:spTgt spid="41"/>
+                                        </p:tgtEl>
+                                        <p:attrNameLst>
+                                          <p:attrName>style.visibility</p:attrName>
+                                        </p:attrNameLst>
+                                      </p:cBhvr>
+                                      <p:to>
+                                        <p:strVal val="visible"/>
+                                      </p:to>
+                                    </p:set>
+                                  </p:childTnLst>
+                                </p:cTn>
+                              </p:par>
+                              <p:par>
+                                <p:cTn id="29" presetID="1" presetClass="entr" presetSubtype="0" fill="hold" grpId="0" nodeType="withEffect">
+                                  <p:stCondLst>
+                                    <p:cond delay="0"/>
+                                  </p:stCondLst>
+                                  <p:childTnLst>
+                                    <p:set>
+                                      <p:cBhvr>
+                                        <p:cTn id="30" dur="1" fill="hold">
+                                          <p:stCondLst>
+                                            <p:cond delay="0"/>
+                                          </p:stCondLst>
+                                        </p:cTn>
+                                        <p:tgtEl>
+                                          <p:spTgt spid="42"/>
+                                        </p:tgtEl>
+                                        <p:attrNameLst>
+                                          <p:attrName>style.visibility</p:attrName>
+                                        </p:attrNameLst>
+                                      </p:cBhvr>
+                                      <p:to>
+                                        <p:strVal val="visible"/>
+                                      </p:to>
+                                    </p:set>
+                                  </p:childTnLst>
+                                </p:cTn>
+                              </p:par>
+                              <p:par>
+                                <p:cTn id="31" presetID="1" presetClass="entr" presetSubtype="0" fill="hold" nodeType="withEffect">
+                                  <p:stCondLst>
+                                    <p:cond delay="0"/>
+                                  </p:stCondLst>
+                                  <p:childTnLst>
+                                    <p:set>
+                                      <p:cBhvr>
+                                        <p:cTn id="32" dur="1" fill="hold">
+                                          <p:stCondLst>
+                                            <p:cond delay="0"/>
+                                          </p:stCondLst>
+                                        </p:cTn>
+                                        <p:tgtEl>
+                                          <p:spTgt spid="45"/>
+                                        </p:tgtEl>
+                                        <p:attrNameLst>
+                                          <p:attrName>style.visibility</p:attrName>
+                                        </p:attrNameLst>
+                                      </p:cBhvr>
+                                      <p:to>
+                                        <p:strVal val="visible"/>
+                                      </p:to>
+                                    </p:set>
+                                  </p:childTnLst>
+                                </p:cTn>
+                              </p:par>
+                            </p:childTnLst>
+                          </p:cTn>
+                        </p:par>
+                      </p:childTnLst>
+                    </p:cTn>
+                  </p:par>
+                  <p:par>
+                    <p:cTn id="33" fill="hold">
+                      <p:stCondLst>
+                        <p:cond delay="indefinite"/>
+                      </p:stCondLst>
+                      <p:childTnLst>
+                        <p:par>
+                          <p:cTn id="34" fill="hold">
+                            <p:stCondLst>
+                              <p:cond delay="0"/>
+                            </p:stCondLst>
+                            <p:childTnLst>
+                              <p:par>
+                                <p:cTn id="35" presetID="1" presetClass="entr" presetSubtype="0" fill="hold" nodeType="clickEffect">
+                                  <p:stCondLst>
+                                    <p:cond delay="0"/>
+                                  </p:stCondLst>
+                                  <p:childTnLst>
+                                    <p:set>
+                                      <p:cBhvr>
+                                        <p:cTn id="36" dur="1" fill="hold">
+                                          <p:stCondLst>
+                                            <p:cond delay="0"/>
+                                          </p:stCondLst>
+                                        </p:cTn>
+                                        <p:tgtEl>
+                                          <p:spTgt spid="53"/>
+                                        </p:tgtEl>
+                                        <p:attrNameLst>
+                                          <p:attrName>style.visibility</p:attrName>
+                                        </p:attrNameLst>
+                                      </p:cBhvr>
+                                      <p:to>
+                                        <p:strVal val="visible"/>
+                                      </p:to>
+                                    </p:set>
+                                  </p:childTnLst>
+                                </p:cTn>
+                              </p:par>
+                              <p:par>
+                                <p:cTn id="37" presetID="1" presetClass="entr" presetSubtype="0" fill="hold" nodeType="withEffect">
+                                  <p:stCondLst>
+                                    <p:cond delay="0"/>
+                                  </p:stCondLst>
+                                  <p:childTnLst>
+                                    <p:set>
+                                      <p:cBhvr>
+                                        <p:cTn id="38" dur="1" fill="hold">
+                                          <p:stCondLst>
+                                            <p:cond delay="0"/>
+                                          </p:stCondLst>
+                                        </p:cTn>
+                                        <p:tgtEl>
+                                          <p:spTgt spid="49"/>
+                                        </p:tgtEl>
+                                        <p:attrNameLst>
+                                          <p:attrName>style.visibility</p:attrName>
+                                        </p:attrNameLst>
+                                      </p:cBhvr>
+                                      <p:to>
+                                        <p:strVal val="visible"/>
+                                      </p:to>
+                                    </p:set>
+                                  </p:childTnLst>
+                                </p:cTn>
+                              </p:par>
+                              <p:par>
+                                <p:cTn id="39" presetID="1" presetClass="entr" presetSubtype="0" fill="hold" nodeType="withEffect">
+                                  <p:stCondLst>
+                                    <p:cond delay="0"/>
+                                  </p:stCondLst>
+                                  <p:childTnLst>
+                                    <p:set>
+                                      <p:cBhvr>
+                                        <p:cTn id="40" dur="1" fill="hold">
+                                          <p:stCondLst>
+                                            <p:cond delay="0"/>
+                                          </p:stCondLst>
+                                        </p:cTn>
+                                        <p:tgtEl>
+                                          <p:spTgt spid="50"/>
+                                        </p:tgtEl>
+                                        <p:attrNameLst>
+                                          <p:attrName>style.visibility</p:attrName>
+                                        </p:attrNameLst>
+                                      </p:cBhvr>
+                                      <p:to>
+                                        <p:strVal val="visible"/>
+                                      </p:to>
+                                    </p:set>
+                                  </p:childTnLst>
+                                </p:cTn>
+                              </p:par>
+                              <p:par>
+                                <p:cTn id="41" presetID="1" presetClass="entr" presetSubtype="0" fill="hold" grpId="0" nodeType="withEffect">
+                                  <p:stCondLst>
+                                    <p:cond delay="0"/>
+                                  </p:stCondLst>
+                                  <p:childTnLst>
+                                    <p:set>
+                                      <p:cBhvr>
+                                        <p:cTn id="42" dur="1" fill="hold">
+                                          <p:stCondLst>
+                                            <p:cond delay="0"/>
+                                          </p:stCondLst>
+                                        </p:cTn>
+                                        <p:tgtEl>
+                                          <p:spTgt spid="54"/>
+                                        </p:tgtEl>
+                                        <p:attrNameLst>
+                                          <p:attrName>style.visibility</p:attrName>
+                                        </p:attrNameLst>
+                                      </p:cBhvr>
+                                      <p:to>
+                                        <p:strVal val="visible"/>
+                                      </p:to>
+                                    </p:set>
+                                  </p:childTnLst>
+                                </p:cTn>
+                              </p:par>
+                            </p:childTnLst>
+                          </p:cTn>
+                        </p:par>
+                      </p:childTnLst>
+                    </p:cTn>
+                  </p:par>
+                  <p:par>
+                    <p:cTn id="43" fill="hold">
+                      <p:stCondLst>
+                        <p:cond delay="indefinite"/>
+                      </p:stCondLst>
+                      <p:childTnLst>
+                        <p:par>
+                          <p:cTn id="44" fill="hold">
+                            <p:stCondLst>
+                              <p:cond delay="0"/>
+                            </p:stCondLst>
+                            <p:childTnLst>
+                              <p:par>
+                                <p:cTn id="45" presetID="1" presetClass="entr" presetSubtype="0" fill="hold" nodeType="clickEffect">
+                                  <p:stCondLst>
+                                    <p:cond delay="0"/>
+                                  </p:stCondLst>
+                                  <p:childTnLst>
+                                    <p:set>
+                                      <p:cBhvr>
+                                        <p:cTn id="46" dur="1" fill="hold">
+                                          <p:stCondLst>
+                                            <p:cond delay="0"/>
+                                          </p:stCondLst>
+                                        </p:cTn>
+                                        <p:tgtEl>
+                                          <p:spTgt spid="55"/>
+                                        </p:tgtEl>
+                                        <p:attrNameLst>
+                                          <p:attrName>style.visibility</p:attrName>
+                                        </p:attrNameLst>
+                                      </p:cBhvr>
+                                      <p:to>
+                                        <p:strVal val="visible"/>
+                                      </p:to>
+                                    </p:set>
+                                  </p:childTnLst>
+                                </p:cTn>
+                              </p:par>
+                              <p:par>
+                                <p:cTn id="47" presetID="1" presetClass="entr" presetSubtype="0" fill="hold" grpId="0" nodeType="withEffect">
+                                  <p:stCondLst>
+                                    <p:cond delay="0"/>
+                                  </p:stCondLst>
+                                  <p:childTnLst>
+                                    <p:set>
+                                      <p:cBhvr>
+                                        <p:cTn id="48" dur="1" fill="hold">
+                                          <p:stCondLst>
+                                            <p:cond delay="0"/>
+                                          </p:stCondLst>
+                                        </p:cTn>
+                                        <p:tgtEl>
+                                          <p:spTgt spid="61"/>
+                                        </p:tgtEl>
+                                        <p:attrNameLst>
+                                          <p:attrName>style.visibility</p:attrName>
+                                        </p:attrNameLst>
+                                      </p:cBhvr>
+                                      <p:to>
+                                        <p:strVal val="visible"/>
+                                      </p:to>
+                                    </p:set>
+                                  </p:childTnLst>
+                                </p:cTn>
+                              </p:par>
+                              <p:par>
+                                <p:cTn id="49" presetID="1" presetClass="entr" presetSubtype="0" fill="hold" nodeType="withEffect">
+                                  <p:stCondLst>
+                                    <p:cond delay="0"/>
+                                  </p:stCondLst>
+                                  <p:childTnLst>
+                                    <p:set>
+                                      <p:cBhvr>
+                                        <p:cTn id="50" dur="1" fill="hold">
+                                          <p:stCondLst>
+                                            <p:cond delay="0"/>
+                                          </p:stCondLst>
+                                        </p:cTn>
+                                        <p:tgtEl>
+                                          <p:spTgt spid="62"/>
+                                        </p:tgtEl>
+                                        <p:attrNameLst>
+                                          <p:attrName>style.visibility</p:attrName>
+                                        </p:attrNameLst>
+                                      </p:cBhvr>
+                                      <p:to>
+                                        <p:strVal val="visible"/>
+                                      </p:to>
+                                    </p:set>
+                                  </p:childTnLst>
+                                </p:cTn>
+                              </p:par>
+                              <p:par>
+                                <p:cTn id="51" presetID="1" presetClass="entr" presetSubtype="0" fill="hold" nodeType="withEffect">
+                                  <p:stCondLst>
+                                    <p:cond delay="0"/>
+                                  </p:stCondLst>
+                                  <p:childTnLst>
+                                    <p:set>
+                                      <p:cBhvr>
+                                        <p:cTn id="52" dur="1" fill="hold">
+                                          <p:stCondLst>
+                                            <p:cond delay="0"/>
+                                          </p:stCondLst>
+                                        </p:cTn>
+                                        <p:tgtEl>
+                                          <p:spTgt spid="65"/>
+                                        </p:tgtEl>
+                                        <p:attrNameLst>
+                                          <p:attrName>style.visibility</p:attrName>
+                                        </p:attrNameLst>
+                                      </p:cBhvr>
+                                      <p:to>
+                                        <p:strVal val="visible"/>
+                                      </p:to>
+                                    </p:set>
+                                  </p:childTnLst>
+                                </p:cTn>
+                              </p:par>
+                              <p:par>
+                                <p:cTn id="53" presetID="1" presetClass="entr" presetSubtype="0" fill="hold" nodeType="withEffect">
+                                  <p:stCondLst>
+                                    <p:cond delay="0"/>
+                                  </p:stCondLst>
+                                  <p:childTnLst>
+                                    <p:set>
+                                      <p:cBhvr>
+                                        <p:cTn id="54" dur="1" fill="hold">
+                                          <p:stCondLst>
+                                            <p:cond delay="0"/>
+                                          </p:stCondLst>
+                                        </p:cTn>
+                                        <p:tgtEl>
+                                          <p:spTgt spid="68"/>
+                                        </p:tgtEl>
+                                        <p:attrNameLst>
+                                          <p:attrName>style.visibility</p:attrName>
+                                        </p:attrNameLst>
+                                      </p:cBhvr>
+                                      <p:to>
+                                        <p:strVal val="visible"/>
+                                      </p:to>
+                                    </p:set>
+                                  </p:childTnLst>
+                                </p:cTn>
+                              </p:par>
+                              <p:par>
+                                <p:cTn id="55" presetID="1" presetClass="entr" presetSubtype="0" fill="hold" grpId="0" nodeType="withEffect">
+                                  <p:stCondLst>
+                                    <p:cond delay="0"/>
+                                  </p:stCondLst>
+                                  <p:childTnLst>
+                                    <p:set>
+                                      <p:cBhvr>
+                                        <p:cTn id="56" dur="1" fill="hold">
+                                          <p:stCondLst>
+                                            <p:cond delay="0"/>
+                                          </p:stCondLst>
+                                        </p:cTn>
+                                        <p:tgtEl>
+                                          <p:spTgt spid="72"/>
+                                        </p:tgtEl>
+                                        <p:attrNameLst>
+                                          <p:attrName>style.visibility</p:attrName>
+                                        </p:attrNameLst>
+                                      </p:cBhvr>
+                                      <p:to>
+                                        <p:strVal val="visible"/>
+                                      </p:to>
+                                    </p:set>
+                                  </p:childTnLst>
+                                </p:cTn>
+                              </p:par>
+                              <p:par>
+                                <p:cTn id="57" presetID="1" presetClass="entr" presetSubtype="0" fill="hold" grpId="0" nodeType="withEffect">
+                                  <p:stCondLst>
+                                    <p:cond delay="0"/>
+                                  </p:stCondLst>
+                                  <p:childTnLst>
+                                    <p:set>
+                                      <p:cBhvr>
+                                        <p:cTn id="58" dur="1" fill="hold">
+                                          <p:stCondLst>
+                                            <p:cond delay="0"/>
+                                          </p:stCondLst>
+                                        </p:cTn>
+                                        <p:tgtEl>
+                                          <p:spTgt spid="74"/>
+                                        </p:tgtEl>
+                                        <p:attrNameLst>
+                                          <p:attrName>style.visibility</p:attrName>
+                                        </p:attrNameLst>
+                                      </p:cBhvr>
+                                      <p:to>
+                                        <p:strVal val="visible"/>
+                                      </p:to>
+                                    </p:set>
+                                  </p:childTnLst>
+                                </p:cTn>
+                              </p:par>
+                            </p:childTnLst>
+                          </p:cTn>
+                        </p:par>
+                      </p:childTnLst>
+                    </p:cTn>
+                  </p:par>
+                  <p:par>
+                    <p:cTn id="59" fill="hold">
+                      <p:stCondLst>
+                        <p:cond delay="indefinite"/>
+                      </p:stCondLst>
+                      <p:childTnLst>
+                        <p:par>
+                          <p:cTn id="60" fill="hold">
+                            <p:stCondLst>
+                              <p:cond delay="0"/>
+                            </p:stCondLst>
+                            <p:childTnLst>
+                              <p:par>
+                                <p:cTn id="61" presetID="1" presetClass="entr" presetSubtype="0" fill="hold" grpId="0" nodeType="clickEffect">
+                                  <p:stCondLst>
+                                    <p:cond delay="0"/>
+                                  </p:stCondLst>
+                                  <p:childTnLst>
+                                    <p:set>
+                                      <p:cBhvr>
+                                        <p:cTn id="62" dur="1" fill="hold">
+                                          <p:stCondLst>
+                                            <p:cond delay="0"/>
+                                          </p:stCondLst>
+                                        </p:cTn>
+                                        <p:tgtEl>
+                                          <p:spTgt spid="75"/>
+                                        </p:tgtEl>
+                                        <p:attrNameLst>
+                                          <p:attrName>style.visibility</p:attrName>
+                                        </p:attrNameLst>
+                                      </p:cBhvr>
+                                      <p:to>
+                                        <p:strVal val="visible"/>
+                                      </p:to>
+                                    </p:set>
+                                  </p:childTnLst>
+                                </p:cTn>
+                              </p:par>
+                            </p:childTnLst>
+                          </p:cTn>
+                        </p:par>
+                      </p:childTnLst>
+                    </p:cTn>
+                  </p:par>
+                </p:childTnLst>
+              </p:cTn>
+              <p:prevCondLst>
+                <p:cond evt="onPrev" delay="0">
+                  <p:tgtEl>
+                    <p:sldTgt/>
+                  </p:tgtEl>
+                </p:cond>
+              </p:prevCondLst>
+              <p:nextCondLst>
+                <p:cond evt="onNext" delay="0">
+                  <p:tgtEl>
+                    <p:sldTgt/>
+                  </p:tgtEl>
+                </p:cond>
+              </p:nextCondLst>
+            </p:seq>
+          </p:childTnLst>
+        </p:cTn>
+      </p:par>
+    </p:tnLst>
+    <p:bldLst>
+      <p:bldP spid="9" grpId="0" animBg="1"/>
+      <p:bldP spid="24" grpId="0"/>
+      <p:bldP spid="26" grpId="0"/>
+      <p:bldP spid="29" grpId="0" animBg="1"/>
+      <p:bldP spid="42" grpId="0"/>
+      <p:bldP spid="54" grpId="0"/>
+      <p:bldP spid="61" grpId="0" animBg="1"/>
+      <p:bldP spid="72" grpId="0"/>
+      <p:bldP spid="74" grpId="0" animBg="1"/>
+      <p:bldP spid="75" grpId="0"/>
+    </p:bldLst>
+  </p:timing>
+</p:sld>
+</file>
+
+<file path=ppt/slides/slide2.xml><?xml version="1.0" encoding="utf-8"?>
+<p:sld xmlns:a="http://schemas.openxmlformats.org/drawingml/2006/main" xmlns:r="http://schemas.openxmlformats.org/officeDocument/2006/relationships" xmlns:p="http://schemas.openxmlformats.org/presentationml/2006/main">
+  <p:cSld>
+    <p:spTree>
+      <p:nvGrpSpPr>
+        <p:cNvPr id="1" name=""/>
+        <p:cNvGrpSpPr/>
+        <p:nvPr/>
+      </p:nvGrpSpPr>
+      <p:grpSpPr>
+        <a:xfrm>
+          <a:off x="0" y="0"/>
+          <a:ext cx="0" cy="0"/>
+          <a:chOff x="0" y="0"/>
+          <a:chExt cx="0" cy="0"/>
+        </a:xfrm>
+      </p:grpSpPr>
       <p:sp>
         <p:nvSpPr>
           <p:cNvPr id="4" name="Cube 3"/>
@@ -4123,10 +7923,1593 @@
           </a:p>
         </p:txBody>
       </p:sp>
+      <p:sp>
+        <p:nvSpPr>
+          <p:cNvPr id="20" name="Rounded Rectangle 19"/>
+          <p:cNvSpPr/>
+          <p:nvPr/>
+        </p:nvSpPr>
+        <p:spPr>
+          <a:xfrm>
+            <a:off x="7127437" y="5315668"/>
+            <a:ext cx="471948" cy="439175"/>
+          </a:xfrm>
+          <a:prstGeom prst="roundRect">
+            <a:avLst>
+              <a:gd name="adj" fmla="val 9204"/>
+            </a:avLst>
+          </a:prstGeom>
+          <a:solidFill>
+            <a:schemeClr val="tx1">
+              <a:lumMod val="65000"/>
+              <a:lumOff val="35000"/>
+            </a:schemeClr>
+          </a:solidFill>
+          <a:ln>
+            <a:solidFill>
+              <a:schemeClr val="tx1">
+                <a:lumMod val="65000"/>
+                <a:lumOff val="35000"/>
+              </a:schemeClr>
+            </a:solidFill>
+          </a:ln>
+          <a:effectLst/>
+        </p:spPr>
+        <p:style>
+          <a:lnRef idx="2">
+            <a:schemeClr val="dk1">
+              <a:shade val="50000"/>
+            </a:schemeClr>
+          </a:lnRef>
+          <a:fillRef idx="1">
+            <a:schemeClr val="dk1"/>
+          </a:fillRef>
+          <a:effectRef idx="0">
+            <a:schemeClr val="dk1"/>
+          </a:effectRef>
+          <a:fontRef idx="minor">
+            <a:schemeClr val="lt1"/>
+          </a:fontRef>
+        </p:style>
+        <p:txBody>
+          <a:bodyPr rtlCol="0" anchor="ctr"/>
+          <a:lstStyle/>
+          <a:p>
+            <a:pPr algn="ctr"/>
+            <a:r>
+              <a:rPr lang="en-US" sz="1600" b="1" dirty="0" smtClean="0">
+                <a:latin typeface="PT Sans"/>
+                <a:cs typeface="PT Sans"/>
+              </a:rPr>
+              <a:t>M</a:t>
+            </a:r>
+            <a:endParaRPr lang="en-US" sz="1600" b="1" dirty="0">
+              <a:latin typeface="PT Sans"/>
+              <a:cs typeface="PT Sans"/>
+            </a:endParaRPr>
+          </a:p>
+        </p:txBody>
+      </p:sp>
+      <p:grpSp>
+        <p:nvGrpSpPr>
+          <p:cNvPr id="21" name="Group 20"/>
+          <p:cNvGrpSpPr/>
+          <p:nvPr/>
+        </p:nvGrpSpPr>
+        <p:grpSpPr>
+          <a:xfrm>
+            <a:off x="7127437" y="5937811"/>
+            <a:ext cx="471948" cy="439175"/>
+            <a:chOff x="7493819" y="3177589"/>
+            <a:chExt cx="471948" cy="439175"/>
+          </a:xfrm>
+        </p:grpSpPr>
+        <p:sp>
+          <p:nvSpPr>
+            <p:cNvPr id="30" name="Rounded Rectangle 29"/>
+            <p:cNvSpPr/>
+            <p:nvPr/>
+          </p:nvSpPr>
+          <p:spPr>
+            <a:xfrm>
+              <a:off x="7493819" y="3177589"/>
+              <a:ext cx="471948" cy="439175"/>
+            </a:xfrm>
+            <a:prstGeom prst="roundRect">
+              <a:avLst>
+                <a:gd name="adj" fmla="val 9204"/>
+              </a:avLst>
+            </a:prstGeom>
+            <a:solidFill>
+              <a:schemeClr val="accent5">
+                <a:lumMod val="60000"/>
+                <a:lumOff val="40000"/>
+              </a:schemeClr>
+            </a:solidFill>
+            <a:ln>
+              <a:solidFill>
+                <a:schemeClr val="accent5">
+                  <a:lumMod val="60000"/>
+                  <a:lumOff val="40000"/>
+                </a:schemeClr>
+              </a:solidFill>
+            </a:ln>
+            <a:effectLst/>
+          </p:spPr>
+          <p:style>
+            <a:lnRef idx="2">
+              <a:schemeClr val="dk1">
+                <a:shade val="50000"/>
+              </a:schemeClr>
+            </a:lnRef>
+            <a:fillRef idx="1">
+              <a:schemeClr val="dk1"/>
+            </a:fillRef>
+            <a:effectRef idx="0">
+              <a:schemeClr val="dk1"/>
+            </a:effectRef>
+            <a:fontRef idx="minor">
+              <a:schemeClr val="lt1"/>
+            </a:fontRef>
+          </p:style>
+          <p:txBody>
+            <a:bodyPr rtlCol="0" anchor="t"/>
+            <a:lstStyle/>
+            <a:p>
+              <a:pPr algn="ctr"/>
+              <a:r>
+                <a:rPr lang="en-US" sz="1100" b="1" dirty="0" smtClean="0">
+                  <a:solidFill>
+                    <a:schemeClr val="tx1"/>
+                  </a:solidFill>
+                  <a:latin typeface="PT Sans"/>
+                  <a:cs typeface="PT Sans"/>
+                </a:rPr>
+                <a:t>OSD</a:t>
+              </a:r>
+              <a:endParaRPr lang="en-US" sz="1100" b="1" dirty="0">
+                <a:solidFill>
+                  <a:schemeClr val="tx1"/>
+                </a:solidFill>
+                <a:latin typeface="PT Sans"/>
+                <a:cs typeface="PT Sans"/>
+              </a:endParaRPr>
+            </a:p>
+          </p:txBody>
+        </p:sp>
+        <p:sp>
+          <p:nvSpPr>
+            <p:cNvPr id="31" name="Rectangle 30"/>
+            <p:cNvSpPr/>
+            <p:nvPr/>
+          </p:nvSpPr>
+          <p:spPr>
+            <a:xfrm>
+              <a:off x="7543845" y="3520064"/>
+              <a:ext cx="371897" cy="45719"/>
+            </a:xfrm>
+            <a:prstGeom prst="rect">
+              <a:avLst/>
+            </a:prstGeom>
+            <a:solidFill>
+              <a:schemeClr val="accent2"/>
+            </a:solidFill>
+            <a:ln>
+              <a:solidFill>
+                <a:schemeClr val="accent2"/>
+              </a:solidFill>
+            </a:ln>
+          </p:spPr>
+          <p:style>
+            <a:lnRef idx="2">
+              <a:schemeClr val="accent2">
+                <a:shade val="50000"/>
+              </a:schemeClr>
+            </a:lnRef>
+            <a:fillRef idx="1">
+              <a:schemeClr val="accent2"/>
+            </a:fillRef>
+            <a:effectRef idx="0">
+              <a:schemeClr val="accent2"/>
+            </a:effectRef>
+            <a:fontRef idx="minor">
+              <a:schemeClr val="lt1"/>
+            </a:fontRef>
+          </p:style>
+          <p:txBody>
+            <a:bodyPr rtlCol="0" anchor="ctr"/>
+            <a:lstStyle/>
+            <a:p>
+              <a:pPr algn="ctr"/>
+              <a:endParaRPr lang="en-US"/>
+            </a:p>
+          </p:txBody>
+        </p:sp>
+      </p:grpSp>
+      <p:grpSp>
+        <p:nvGrpSpPr>
+          <p:cNvPr id="32" name="Group 31"/>
+          <p:cNvGrpSpPr/>
+          <p:nvPr/>
+        </p:nvGrpSpPr>
+        <p:grpSpPr>
+          <a:xfrm>
+            <a:off x="7709400" y="5937811"/>
+            <a:ext cx="471948" cy="439175"/>
+            <a:chOff x="7493819" y="3177589"/>
+            <a:chExt cx="471948" cy="439175"/>
+          </a:xfrm>
+        </p:grpSpPr>
+        <p:sp>
+          <p:nvSpPr>
+            <p:cNvPr id="33" name="Rounded Rectangle 32"/>
+            <p:cNvSpPr/>
+            <p:nvPr/>
+          </p:nvSpPr>
+          <p:spPr>
+            <a:xfrm>
+              <a:off x="7493819" y="3177589"/>
+              <a:ext cx="471948" cy="439175"/>
+            </a:xfrm>
+            <a:prstGeom prst="roundRect">
+              <a:avLst>
+                <a:gd name="adj" fmla="val 9204"/>
+              </a:avLst>
+            </a:prstGeom>
+            <a:solidFill>
+              <a:schemeClr val="accent5">
+                <a:lumMod val="60000"/>
+                <a:lumOff val="40000"/>
+              </a:schemeClr>
+            </a:solidFill>
+            <a:ln>
+              <a:solidFill>
+                <a:schemeClr val="accent5">
+                  <a:lumMod val="60000"/>
+                  <a:lumOff val="40000"/>
+                </a:schemeClr>
+              </a:solidFill>
+            </a:ln>
+            <a:effectLst/>
+          </p:spPr>
+          <p:style>
+            <a:lnRef idx="2">
+              <a:schemeClr val="dk1">
+                <a:shade val="50000"/>
+              </a:schemeClr>
+            </a:lnRef>
+            <a:fillRef idx="1">
+              <a:schemeClr val="dk1"/>
+            </a:fillRef>
+            <a:effectRef idx="0">
+              <a:schemeClr val="dk1"/>
+            </a:effectRef>
+            <a:fontRef idx="minor">
+              <a:schemeClr val="lt1"/>
+            </a:fontRef>
+          </p:style>
+          <p:txBody>
+            <a:bodyPr rtlCol="0" anchor="t"/>
+            <a:lstStyle/>
+            <a:p>
+              <a:pPr algn="ctr"/>
+              <a:r>
+                <a:rPr lang="en-US" sz="1100" b="1" dirty="0" smtClean="0">
+                  <a:solidFill>
+                    <a:schemeClr val="tx1"/>
+                  </a:solidFill>
+                  <a:latin typeface="PT Sans"/>
+                  <a:cs typeface="PT Sans"/>
+                </a:rPr>
+                <a:t>OSD</a:t>
+              </a:r>
+              <a:endParaRPr lang="en-US" sz="1100" b="1" dirty="0">
+                <a:solidFill>
+                  <a:schemeClr val="tx1"/>
+                </a:solidFill>
+                <a:latin typeface="PT Sans"/>
+                <a:cs typeface="PT Sans"/>
+              </a:endParaRPr>
+            </a:p>
+          </p:txBody>
+        </p:sp>
+        <p:sp>
+          <p:nvSpPr>
+            <p:cNvPr id="34" name="Rectangle 33"/>
+            <p:cNvSpPr/>
+            <p:nvPr/>
+          </p:nvSpPr>
+          <p:spPr>
+            <a:xfrm>
+              <a:off x="7543845" y="3520064"/>
+              <a:ext cx="371897" cy="45719"/>
+            </a:xfrm>
+            <a:prstGeom prst="rect">
+              <a:avLst/>
+            </a:prstGeom>
+            <a:solidFill>
+              <a:schemeClr val="accent2"/>
+            </a:solidFill>
+            <a:ln>
+              <a:solidFill>
+                <a:schemeClr val="accent2"/>
+              </a:solidFill>
+            </a:ln>
+          </p:spPr>
+          <p:style>
+            <a:lnRef idx="2">
+              <a:schemeClr val="accent2">
+                <a:shade val="50000"/>
+              </a:schemeClr>
+            </a:lnRef>
+            <a:fillRef idx="1">
+              <a:schemeClr val="accent2"/>
+            </a:fillRef>
+            <a:effectRef idx="0">
+              <a:schemeClr val="accent2"/>
+            </a:effectRef>
+            <a:fontRef idx="minor">
+              <a:schemeClr val="lt1"/>
+            </a:fontRef>
+          </p:style>
+          <p:txBody>
+            <a:bodyPr rtlCol="0" anchor="ctr"/>
+            <a:lstStyle/>
+            <a:p>
+              <a:pPr algn="ctr"/>
+              <a:endParaRPr lang="en-US"/>
+            </a:p>
+          </p:txBody>
+        </p:sp>
+      </p:grpSp>
+      <p:grpSp>
+        <p:nvGrpSpPr>
+          <p:cNvPr id="35" name="Group 34"/>
+          <p:cNvGrpSpPr/>
+          <p:nvPr/>
+        </p:nvGrpSpPr>
+        <p:grpSpPr>
+          <a:xfrm>
+            <a:off x="8333748" y="5937811"/>
+            <a:ext cx="471948" cy="439175"/>
+            <a:chOff x="7493819" y="3177589"/>
+            <a:chExt cx="471948" cy="439175"/>
+          </a:xfrm>
+        </p:grpSpPr>
+        <p:sp>
+          <p:nvSpPr>
+            <p:cNvPr id="36" name="Rounded Rectangle 35"/>
+            <p:cNvSpPr/>
+            <p:nvPr/>
+          </p:nvSpPr>
+          <p:spPr>
+            <a:xfrm>
+              <a:off x="7493819" y="3177589"/>
+              <a:ext cx="471948" cy="439175"/>
+            </a:xfrm>
+            <a:prstGeom prst="roundRect">
+              <a:avLst>
+                <a:gd name="adj" fmla="val 9204"/>
+              </a:avLst>
+            </a:prstGeom>
+            <a:solidFill>
+              <a:schemeClr val="accent5">
+                <a:lumMod val="60000"/>
+                <a:lumOff val="40000"/>
+              </a:schemeClr>
+            </a:solidFill>
+            <a:ln>
+              <a:solidFill>
+                <a:schemeClr val="accent5">
+                  <a:lumMod val="60000"/>
+                  <a:lumOff val="40000"/>
+                </a:schemeClr>
+              </a:solidFill>
+            </a:ln>
+            <a:effectLst/>
+          </p:spPr>
+          <p:style>
+            <a:lnRef idx="2">
+              <a:schemeClr val="dk1">
+                <a:shade val="50000"/>
+              </a:schemeClr>
+            </a:lnRef>
+            <a:fillRef idx="1">
+              <a:schemeClr val="dk1"/>
+            </a:fillRef>
+            <a:effectRef idx="0">
+              <a:schemeClr val="dk1"/>
+            </a:effectRef>
+            <a:fontRef idx="minor">
+              <a:schemeClr val="lt1"/>
+            </a:fontRef>
+          </p:style>
+          <p:txBody>
+            <a:bodyPr rtlCol="0" anchor="t"/>
+            <a:lstStyle/>
+            <a:p>
+              <a:pPr algn="ctr"/>
+              <a:r>
+                <a:rPr lang="en-US" sz="1100" b="1" dirty="0" smtClean="0">
+                  <a:solidFill>
+                    <a:schemeClr val="tx1"/>
+                  </a:solidFill>
+                  <a:latin typeface="PT Sans"/>
+                  <a:cs typeface="PT Sans"/>
+                </a:rPr>
+                <a:t>OSD</a:t>
+              </a:r>
+              <a:endParaRPr lang="en-US" sz="1100" b="1" dirty="0">
+                <a:solidFill>
+                  <a:schemeClr val="tx1"/>
+                </a:solidFill>
+                <a:latin typeface="PT Sans"/>
+                <a:cs typeface="PT Sans"/>
+              </a:endParaRPr>
+            </a:p>
+          </p:txBody>
+        </p:sp>
+        <p:sp>
+          <p:nvSpPr>
+            <p:cNvPr id="37" name="Rectangle 36"/>
+            <p:cNvSpPr/>
+            <p:nvPr/>
+          </p:nvSpPr>
+          <p:spPr>
+            <a:xfrm>
+              <a:off x="7543845" y="3520064"/>
+              <a:ext cx="371897" cy="45719"/>
+            </a:xfrm>
+            <a:prstGeom prst="rect">
+              <a:avLst/>
+            </a:prstGeom>
+            <a:solidFill>
+              <a:schemeClr val="accent2"/>
+            </a:solidFill>
+            <a:ln>
+              <a:solidFill>
+                <a:schemeClr val="accent2"/>
+              </a:solidFill>
+            </a:ln>
+          </p:spPr>
+          <p:style>
+            <a:lnRef idx="2">
+              <a:schemeClr val="accent2">
+                <a:shade val="50000"/>
+              </a:schemeClr>
+            </a:lnRef>
+            <a:fillRef idx="1">
+              <a:schemeClr val="accent2"/>
+            </a:fillRef>
+            <a:effectRef idx="0">
+              <a:schemeClr val="accent2"/>
+            </a:effectRef>
+            <a:fontRef idx="minor">
+              <a:schemeClr val="lt1"/>
+            </a:fontRef>
+          </p:style>
+          <p:txBody>
+            <a:bodyPr rtlCol="0" anchor="ctr"/>
+            <a:lstStyle/>
+            <a:p>
+              <a:pPr algn="ctr"/>
+              <a:endParaRPr lang="en-US"/>
+            </a:p>
+          </p:txBody>
+        </p:sp>
+      </p:grpSp>
+      <p:sp>
+        <p:nvSpPr>
+          <p:cNvPr id="38" name="Rectangle 37"/>
+          <p:cNvSpPr/>
+          <p:nvPr/>
+        </p:nvSpPr>
+        <p:spPr>
+          <a:xfrm>
+            <a:off x="6973354" y="5259047"/>
+            <a:ext cx="1972754" cy="1164119"/>
+          </a:xfrm>
+          <a:prstGeom prst="rect">
+            <a:avLst/>
+          </a:prstGeom>
+          <a:noFill/>
+          <a:ln>
+            <a:solidFill>
+              <a:schemeClr val="tx1"/>
+            </a:solidFill>
+            <a:prstDash val="dash"/>
+          </a:ln>
+          <a:effectLst/>
+        </p:spPr>
+        <p:style>
+          <a:lnRef idx="1">
+            <a:schemeClr val="accent1"/>
+          </a:lnRef>
+          <a:fillRef idx="3">
+            <a:schemeClr val="accent1"/>
+          </a:fillRef>
+          <a:effectRef idx="2">
+            <a:schemeClr val="accent1"/>
+          </a:effectRef>
+          <a:fontRef idx="minor">
+            <a:schemeClr val="lt1"/>
+          </a:fontRef>
+        </p:style>
+        <p:txBody>
+          <a:bodyPr rtlCol="0" anchor="ctr"/>
+          <a:lstStyle/>
+          <a:p>
+            <a:pPr algn="ctr"/>
+            <a:endParaRPr lang="en-US"/>
+          </a:p>
+        </p:txBody>
+      </p:sp>
+      <p:sp>
+        <p:nvSpPr>
+          <p:cNvPr id="39" name="Rectangle 38"/>
+          <p:cNvSpPr/>
+          <p:nvPr/>
+        </p:nvSpPr>
+        <p:spPr>
+          <a:xfrm>
+            <a:off x="7195508" y="4920493"/>
+            <a:ext cx="1528447" cy="338554"/>
+          </a:xfrm>
+          <a:prstGeom prst="rect">
+            <a:avLst/>
+          </a:prstGeom>
+        </p:spPr>
+        <p:txBody>
+          <a:bodyPr wrap="square">
+            <a:spAutoFit/>
+          </a:bodyPr>
+          <a:lstStyle/>
+          <a:p>
+            <a:pPr algn="ctr"/>
+            <a:r>
+              <a:rPr lang="en-US" sz="1600" dirty="0" err="1" smtClean="0">
+                <a:latin typeface="PT Sans"/>
+                <a:cs typeface="PT Sans"/>
+              </a:rPr>
+              <a:t>localhost</a:t>
+            </a:r>
+            <a:endParaRPr lang="en-US" sz="1600" dirty="0">
+              <a:latin typeface="PT Sans"/>
+              <a:cs typeface="PT Sans"/>
+            </a:endParaRPr>
+          </a:p>
+        </p:txBody>
+      </p:sp>
+      <p:grpSp>
+        <p:nvGrpSpPr>
+          <p:cNvPr id="6" name="Group 5"/>
+          <p:cNvGrpSpPr/>
+          <p:nvPr/>
+        </p:nvGrpSpPr>
+        <p:grpSpPr>
+          <a:xfrm>
+            <a:off x="4538909" y="4827405"/>
+            <a:ext cx="697627" cy="678764"/>
+            <a:chOff x="4353411" y="4705991"/>
+            <a:chExt cx="697627" cy="678764"/>
+          </a:xfrm>
+        </p:grpSpPr>
+        <p:grpSp>
+          <p:nvGrpSpPr>
+            <p:cNvPr id="2" name="Group 1"/>
+            <p:cNvGrpSpPr/>
+            <p:nvPr/>
+          </p:nvGrpSpPr>
+          <p:grpSpPr>
+            <a:xfrm>
+              <a:off x="4363214" y="4705991"/>
+              <a:ext cx="678020" cy="678764"/>
+              <a:chOff x="6720921" y="4821441"/>
+              <a:chExt cx="678020" cy="678764"/>
+            </a:xfrm>
+          </p:grpSpPr>
+          <p:sp>
+            <p:nvSpPr>
+              <p:cNvPr id="40" name="Rounded Rectangle 39"/>
+              <p:cNvSpPr/>
+              <p:nvPr/>
+            </p:nvSpPr>
+            <p:spPr>
+              <a:xfrm>
+                <a:off x="6823957" y="4860421"/>
+                <a:ext cx="471948" cy="439175"/>
+              </a:xfrm>
+              <a:prstGeom prst="roundRect">
+                <a:avLst>
+                  <a:gd name="adj" fmla="val 9204"/>
+                </a:avLst>
+              </a:prstGeom>
+              <a:solidFill>
+                <a:schemeClr val="tx1">
+                  <a:lumMod val="65000"/>
+                  <a:lumOff val="35000"/>
+                </a:schemeClr>
+              </a:solidFill>
+              <a:ln>
+                <a:solidFill>
+                  <a:schemeClr val="tx1">
+                    <a:lumMod val="65000"/>
+                    <a:lumOff val="35000"/>
+                  </a:schemeClr>
+                </a:solidFill>
+              </a:ln>
+              <a:effectLst/>
+            </p:spPr>
+            <p:style>
+              <a:lnRef idx="2">
+                <a:schemeClr val="dk1">
+                  <a:shade val="50000"/>
+                </a:schemeClr>
+              </a:lnRef>
+              <a:fillRef idx="1">
+                <a:schemeClr val="dk1"/>
+              </a:fillRef>
+              <a:effectRef idx="0">
+                <a:schemeClr val="dk1"/>
+              </a:effectRef>
+              <a:fontRef idx="minor">
+                <a:schemeClr val="lt1"/>
+              </a:fontRef>
+            </p:style>
+            <p:txBody>
+              <a:bodyPr rtlCol="0" anchor="ctr"/>
+              <a:lstStyle/>
+              <a:p>
+                <a:pPr algn="ctr"/>
+                <a:r>
+                  <a:rPr lang="en-US" sz="1600" b="1" dirty="0" smtClean="0">
+                    <a:latin typeface="PT Sans"/>
+                    <a:cs typeface="PT Sans"/>
+                  </a:rPr>
+                  <a:t>M</a:t>
+                </a:r>
+                <a:endParaRPr lang="en-US" sz="1600" b="1" dirty="0">
+                  <a:latin typeface="PT Sans"/>
+                  <a:cs typeface="PT Sans"/>
+                </a:endParaRPr>
+              </a:p>
+            </p:txBody>
+          </p:sp>
+          <p:sp>
+            <p:nvSpPr>
+              <p:cNvPr id="50" name="Rectangle 49"/>
+              <p:cNvSpPr/>
+              <p:nvPr/>
+            </p:nvSpPr>
+            <p:spPr>
+              <a:xfrm>
+                <a:off x="6720921" y="4821441"/>
+                <a:ext cx="678020" cy="678764"/>
+              </a:xfrm>
+              <a:prstGeom prst="rect">
+                <a:avLst/>
+              </a:prstGeom>
+              <a:noFill/>
+              <a:ln>
+                <a:solidFill>
+                  <a:schemeClr val="tx1"/>
+                </a:solidFill>
+                <a:prstDash val="dash"/>
+              </a:ln>
+              <a:effectLst/>
+            </p:spPr>
+            <p:style>
+              <a:lnRef idx="1">
+                <a:schemeClr val="accent1"/>
+              </a:lnRef>
+              <a:fillRef idx="3">
+                <a:schemeClr val="accent1"/>
+              </a:fillRef>
+              <a:effectRef idx="2">
+                <a:schemeClr val="accent1"/>
+              </a:effectRef>
+              <a:fontRef idx="minor">
+                <a:schemeClr val="lt1"/>
+              </a:fontRef>
+            </p:style>
+            <p:txBody>
+              <a:bodyPr rtlCol="0" anchor="ctr"/>
+              <a:lstStyle/>
+              <a:p>
+                <a:pPr algn="ctr"/>
+                <a:endParaRPr lang="en-US"/>
+              </a:p>
+            </p:txBody>
+          </p:sp>
+        </p:grpSp>
+        <p:sp>
+          <p:nvSpPr>
+            <p:cNvPr id="5" name="Rectangle 4"/>
+            <p:cNvSpPr/>
+            <p:nvPr/>
+          </p:nvSpPr>
+          <p:spPr>
+            <a:xfrm>
+              <a:off x="4353411" y="5177593"/>
+              <a:ext cx="697627" cy="184666"/>
+            </a:xfrm>
+            <a:prstGeom prst="rect">
+              <a:avLst/>
+            </a:prstGeom>
+          </p:spPr>
+          <p:txBody>
+            <a:bodyPr wrap="none">
+              <a:spAutoFit/>
+            </a:bodyPr>
+            <a:lstStyle/>
+            <a:p>
+              <a:r>
+                <a:rPr lang="en-US" sz="600" dirty="0" smtClean="0">
+                  <a:solidFill>
+                    <a:prstClr val="black"/>
+                  </a:solidFill>
+                  <a:latin typeface="DejaVu Sans Mono"/>
+                  <a:cs typeface="DejaVu Sans Mono"/>
+                </a:rPr>
+                <a:t>192.168.0.1</a:t>
+              </a:r>
+              <a:endParaRPr lang="en-US" sz="800" dirty="0"/>
+            </a:p>
+          </p:txBody>
+        </p:sp>
+      </p:grpSp>
+      <p:grpSp>
+        <p:nvGrpSpPr>
+          <p:cNvPr id="10" name="Group 9"/>
+          <p:cNvGrpSpPr/>
+          <p:nvPr/>
+        </p:nvGrpSpPr>
+        <p:grpSpPr>
+          <a:xfrm>
+            <a:off x="3719995" y="5623490"/>
+            <a:ext cx="697627" cy="678764"/>
+            <a:chOff x="3719995" y="5623490"/>
+            <a:chExt cx="697627" cy="678764"/>
+          </a:xfrm>
+        </p:grpSpPr>
+        <p:grpSp>
+          <p:nvGrpSpPr>
+            <p:cNvPr id="8" name="Group 7"/>
+            <p:cNvGrpSpPr/>
+            <p:nvPr/>
+          </p:nvGrpSpPr>
+          <p:grpSpPr>
+            <a:xfrm>
+              <a:off x="3832834" y="5662470"/>
+              <a:ext cx="471948" cy="439175"/>
+              <a:chOff x="3842638" y="5731740"/>
+              <a:chExt cx="471948" cy="439175"/>
+            </a:xfrm>
+          </p:grpSpPr>
+          <p:sp>
+            <p:nvSpPr>
+              <p:cNvPr id="42" name="Rounded Rectangle 41"/>
+              <p:cNvSpPr/>
+              <p:nvPr/>
+            </p:nvSpPr>
+            <p:spPr>
+              <a:xfrm>
+                <a:off x="3842638" y="5731740"/>
+                <a:ext cx="471948" cy="439175"/>
+              </a:xfrm>
+              <a:prstGeom prst="roundRect">
+                <a:avLst>
+                  <a:gd name="adj" fmla="val 9204"/>
+                </a:avLst>
+              </a:prstGeom>
+              <a:solidFill>
+                <a:schemeClr val="accent5">
+                  <a:lumMod val="60000"/>
+                  <a:lumOff val="40000"/>
+                </a:schemeClr>
+              </a:solidFill>
+              <a:ln>
+                <a:solidFill>
+                  <a:schemeClr val="accent5">
+                    <a:lumMod val="60000"/>
+                    <a:lumOff val="40000"/>
+                  </a:schemeClr>
+                </a:solidFill>
+              </a:ln>
+              <a:effectLst/>
+            </p:spPr>
+            <p:style>
+              <a:lnRef idx="2">
+                <a:schemeClr val="dk1">
+                  <a:shade val="50000"/>
+                </a:schemeClr>
+              </a:lnRef>
+              <a:fillRef idx="1">
+                <a:schemeClr val="dk1"/>
+              </a:fillRef>
+              <a:effectRef idx="0">
+                <a:schemeClr val="dk1"/>
+              </a:effectRef>
+              <a:fontRef idx="minor">
+                <a:schemeClr val="lt1"/>
+              </a:fontRef>
+            </p:style>
+            <p:txBody>
+              <a:bodyPr rtlCol="0" anchor="t"/>
+              <a:lstStyle/>
+              <a:p>
+                <a:pPr algn="ctr"/>
+                <a:r>
+                  <a:rPr lang="en-US" sz="1100" b="1" dirty="0" smtClean="0">
+                    <a:solidFill>
+                      <a:schemeClr val="tx1"/>
+                    </a:solidFill>
+                    <a:latin typeface="PT Sans"/>
+                    <a:cs typeface="PT Sans"/>
+                  </a:rPr>
+                  <a:t>OSD</a:t>
+                </a:r>
+                <a:endParaRPr lang="en-US" sz="1100" b="1" dirty="0">
+                  <a:solidFill>
+                    <a:schemeClr val="tx1"/>
+                  </a:solidFill>
+                  <a:latin typeface="PT Sans"/>
+                  <a:cs typeface="PT Sans"/>
+                </a:endParaRPr>
+              </a:p>
+            </p:txBody>
+          </p:sp>
+          <p:sp>
+            <p:nvSpPr>
+              <p:cNvPr id="43" name="Rectangle 42"/>
+              <p:cNvSpPr/>
+              <p:nvPr/>
+            </p:nvSpPr>
+            <p:spPr>
+              <a:xfrm>
+                <a:off x="3892664" y="6085760"/>
+                <a:ext cx="371897" cy="45719"/>
+              </a:xfrm>
+              <a:prstGeom prst="rect">
+                <a:avLst/>
+              </a:prstGeom>
+              <a:solidFill>
+                <a:schemeClr val="accent2"/>
+              </a:solidFill>
+              <a:ln>
+                <a:solidFill>
+                  <a:schemeClr val="accent2"/>
+                </a:solidFill>
+              </a:ln>
+            </p:spPr>
+            <p:style>
+              <a:lnRef idx="2">
+                <a:schemeClr val="accent2">
+                  <a:shade val="50000"/>
+                </a:schemeClr>
+              </a:lnRef>
+              <a:fillRef idx="1">
+                <a:schemeClr val="accent2"/>
+              </a:fillRef>
+              <a:effectRef idx="0">
+                <a:schemeClr val="accent2"/>
+              </a:effectRef>
+              <a:fontRef idx="minor">
+                <a:schemeClr val="lt1"/>
+              </a:fontRef>
+            </p:style>
+            <p:txBody>
+              <a:bodyPr rtlCol="0" anchor="ctr"/>
+              <a:lstStyle/>
+              <a:p>
+                <a:pPr algn="ctr"/>
+                <a:endParaRPr lang="en-US"/>
+              </a:p>
+            </p:txBody>
+          </p:sp>
+        </p:grpSp>
+        <p:sp>
+          <p:nvSpPr>
+            <p:cNvPr id="51" name="Rectangle 50"/>
+            <p:cNvSpPr/>
+            <p:nvPr/>
+          </p:nvSpPr>
+          <p:spPr>
+            <a:xfrm>
+              <a:off x="3739602" y="5623490"/>
+              <a:ext cx="678020" cy="678764"/>
+            </a:xfrm>
+            <a:prstGeom prst="rect">
+              <a:avLst/>
+            </a:prstGeom>
+            <a:noFill/>
+            <a:ln>
+              <a:solidFill>
+                <a:schemeClr val="tx1"/>
+              </a:solidFill>
+              <a:prstDash val="dash"/>
+            </a:ln>
+            <a:effectLst/>
+          </p:spPr>
+          <p:style>
+            <a:lnRef idx="1">
+              <a:schemeClr val="accent1"/>
+            </a:lnRef>
+            <a:fillRef idx="3">
+              <a:schemeClr val="accent1"/>
+            </a:fillRef>
+            <a:effectRef idx="2">
+              <a:schemeClr val="accent1"/>
+            </a:effectRef>
+            <a:fontRef idx="minor">
+              <a:schemeClr val="lt1"/>
+            </a:fontRef>
+          </p:style>
+          <p:txBody>
+            <a:bodyPr rtlCol="0" anchor="ctr"/>
+            <a:lstStyle/>
+            <a:p>
+              <a:pPr algn="ctr"/>
+              <a:endParaRPr lang="en-US"/>
+            </a:p>
+          </p:txBody>
+        </p:sp>
+        <p:sp>
+          <p:nvSpPr>
+            <p:cNvPr id="60" name="Rectangle 59"/>
+            <p:cNvSpPr/>
+            <p:nvPr/>
+          </p:nvSpPr>
+          <p:spPr>
+            <a:xfrm>
+              <a:off x="3719995" y="6085760"/>
+              <a:ext cx="694233" cy="184666"/>
+            </a:xfrm>
+            <a:prstGeom prst="rect">
+              <a:avLst/>
+            </a:prstGeom>
+          </p:spPr>
+          <p:txBody>
+            <a:bodyPr wrap="none">
+              <a:spAutoFit/>
+            </a:bodyPr>
+            <a:lstStyle/>
+            <a:p>
+              <a:r>
+                <a:rPr lang="en-US" sz="600" dirty="0" smtClean="0">
+                  <a:solidFill>
+                    <a:prstClr val="black"/>
+                  </a:solidFill>
+                  <a:latin typeface="DejaVu Sans Mono"/>
+                  <a:cs typeface="DejaVu Sans Mono"/>
+                </a:rPr>
+                <a:t>192.168.0.2</a:t>
+              </a:r>
+              <a:endParaRPr lang="en-US" sz="800" dirty="0"/>
+            </a:p>
+          </p:txBody>
+        </p:sp>
+      </p:grpSp>
+      <p:grpSp>
+        <p:nvGrpSpPr>
+          <p:cNvPr id="61" name="Group 60"/>
+          <p:cNvGrpSpPr/>
+          <p:nvPr/>
+        </p:nvGrpSpPr>
+        <p:grpSpPr>
+          <a:xfrm>
+            <a:off x="4519302" y="5623490"/>
+            <a:ext cx="697627" cy="678764"/>
+            <a:chOff x="3719995" y="5623490"/>
+            <a:chExt cx="697627" cy="678764"/>
+          </a:xfrm>
+        </p:grpSpPr>
+        <p:grpSp>
+          <p:nvGrpSpPr>
+            <p:cNvPr id="62" name="Group 61"/>
+            <p:cNvGrpSpPr/>
+            <p:nvPr/>
+          </p:nvGrpSpPr>
+          <p:grpSpPr>
+            <a:xfrm>
+              <a:off x="3832834" y="5662470"/>
+              <a:ext cx="471948" cy="439175"/>
+              <a:chOff x="3842638" y="5731740"/>
+              <a:chExt cx="471948" cy="439175"/>
+            </a:xfrm>
+          </p:grpSpPr>
+          <p:sp>
+            <p:nvSpPr>
+              <p:cNvPr id="65" name="Rounded Rectangle 64"/>
+              <p:cNvSpPr/>
+              <p:nvPr/>
+            </p:nvSpPr>
+            <p:spPr>
+              <a:xfrm>
+                <a:off x="3842638" y="5731740"/>
+                <a:ext cx="471948" cy="439175"/>
+              </a:xfrm>
+              <a:prstGeom prst="roundRect">
+                <a:avLst>
+                  <a:gd name="adj" fmla="val 9204"/>
+                </a:avLst>
+              </a:prstGeom>
+              <a:solidFill>
+                <a:schemeClr val="accent5">
+                  <a:lumMod val="60000"/>
+                  <a:lumOff val="40000"/>
+                </a:schemeClr>
+              </a:solidFill>
+              <a:ln>
+                <a:solidFill>
+                  <a:schemeClr val="accent5">
+                    <a:lumMod val="60000"/>
+                    <a:lumOff val="40000"/>
+                  </a:schemeClr>
+                </a:solidFill>
+              </a:ln>
+              <a:effectLst/>
+            </p:spPr>
+            <p:style>
+              <a:lnRef idx="2">
+                <a:schemeClr val="dk1">
+                  <a:shade val="50000"/>
+                </a:schemeClr>
+              </a:lnRef>
+              <a:fillRef idx="1">
+                <a:schemeClr val="dk1"/>
+              </a:fillRef>
+              <a:effectRef idx="0">
+                <a:schemeClr val="dk1"/>
+              </a:effectRef>
+              <a:fontRef idx="minor">
+                <a:schemeClr val="lt1"/>
+              </a:fontRef>
+            </p:style>
+            <p:txBody>
+              <a:bodyPr rtlCol="0" anchor="t"/>
+              <a:lstStyle/>
+              <a:p>
+                <a:pPr algn="ctr"/>
+                <a:r>
+                  <a:rPr lang="en-US" sz="1100" b="1" dirty="0" smtClean="0">
+                    <a:solidFill>
+                      <a:schemeClr val="tx1"/>
+                    </a:solidFill>
+                    <a:latin typeface="PT Sans"/>
+                    <a:cs typeface="PT Sans"/>
+                  </a:rPr>
+                  <a:t>OSD</a:t>
+                </a:r>
+                <a:endParaRPr lang="en-US" sz="1100" b="1" dirty="0">
+                  <a:solidFill>
+                    <a:schemeClr val="tx1"/>
+                  </a:solidFill>
+                  <a:latin typeface="PT Sans"/>
+                  <a:cs typeface="PT Sans"/>
+                </a:endParaRPr>
+              </a:p>
+            </p:txBody>
+          </p:sp>
+          <p:sp>
+            <p:nvSpPr>
+              <p:cNvPr id="66" name="Rectangle 65"/>
+              <p:cNvSpPr/>
+              <p:nvPr/>
+            </p:nvSpPr>
+            <p:spPr>
+              <a:xfrm>
+                <a:off x="3892664" y="6085760"/>
+                <a:ext cx="371897" cy="45719"/>
+              </a:xfrm>
+              <a:prstGeom prst="rect">
+                <a:avLst/>
+              </a:prstGeom>
+              <a:solidFill>
+                <a:schemeClr val="accent2"/>
+              </a:solidFill>
+              <a:ln>
+                <a:solidFill>
+                  <a:schemeClr val="accent2"/>
+                </a:solidFill>
+              </a:ln>
+            </p:spPr>
+            <p:style>
+              <a:lnRef idx="2">
+                <a:schemeClr val="accent2">
+                  <a:shade val="50000"/>
+                </a:schemeClr>
+              </a:lnRef>
+              <a:fillRef idx="1">
+                <a:schemeClr val="accent2"/>
+              </a:fillRef>
+              <a:effectRef idx="0">
+                <a:schemeClr val="accent2"/>
+              </a:effectRef>
+              <a:fontRef idx="minor">
+                <a:schemeClr val="lt1"/>
+              </a:fontRef>
+            </p:style>
+            <p:txBody>
+              <a:bodyPr rtlCol="0" anchor="ctr"/>
+              <a:lstStyle/>
+              <a:p>
+                <a:pPr algn="ctr"/>
+                <a:endParaRPr lang="en-US"/>
+              </a:p>
+            </p:txBody>
+          </p:sp>
+        </p:grpSp>
+        <p:sp>
+          <p:nvSpPr>
+            <p:cNvPr id="63" name="Rectangle 62"/>
+            <p:cNvSpPr/>
+            <p:nvPr/>
+          </p:nvSpPr>
+          <p:spPr>
+            <a:xfrm>
+              <a:off x="3739602" y="5623490"/>
+              <a:ext cx="678020" cy="678764"/>
+            </a:xfrm>
+            <a:prstGeom prst="rect">
+              <a:avLst/>
+            </a:prstGeom>
+            <a:noFill/>
+            <a:ln>
+              <a:solidFill>
+                <a:schemeClr val="tx1"/>
+              </a:solidFill>
+              <a:prstDash val="dash"/>
+            </a:ln>
+            <a:effectLst/>
+          </p:spPr>
+          <p:style>
+            <a:lnRef idx="1">
+              <a:schemeClr val="accent1"/>
+            </a:lnRef>
+            <a:fillRef idx="3">
+              <a:schemeClr val="accent1"/>
+            </a:fillRef>
+            <a:effectRef idx="2">
+              <a:schemeClr val="accent1"/>
+            </a:effectRef>
+            <a:fontRef idx="minor">
+              <a:schemeClr val="lt1"/>
+            </a:fontRef>
+          </p:style>
+          <p:txBody>
+            <a:bodyPr rtlCol="0" anchor="ctr"/>
+            <a:lstStyle/>
+            <a:p>
+              <a:pPr algn="ctr"/>
+              <a:endParaRPr lang="en-US"/>
+            </a:p>
+          </p:txBody>
+        </p:sp>
+        <p:sp>
+          <p:nvSpPr>
+            <p:cNvPr id="64" name="Rectangle 63"/>
+            <p:cNvSpPr/>
+            <p:nvPr/>
+          </p:nvSpPr>
+          <p:spPr>
+            <a:xfrm>
+              <a:off x="3719995" y="6085760"/>
+              <a:ext cx="697627" cy="184666"/>
+            </a:xfrm>
+            <a:prstGeom prst="rect">
+              <a:avLst/>
+            </a:prstGeom>
+          </p:spPr>
+          <p:txBody>
+            <a:bodyPr wrap="none">
+              <a:spAutoFit/>
+            </a:bodyPr>
+            <a:lstStyle/>
+            <a:p>
+              <a:r>
+                <a:rPr lang="en-US" sz="600" dirty="0" smtClean="0">
+                  <a:solidFill>
+                    <a:prstClr val="black"/>
+                  </a:solidFill>
+                  <a:latin typeface="DejaVu Sans Mono"/>
+                  <a:cs typeface="DejaVu Sans Mono"/>
+                </a:rPr>
+                <a:t>192.168.0.3</a:t>
+              </a:r>
+              <a:endParaRPr lang="en-US" sz="800" dirty="0"/>
+            </a:p>
+          </p:txBody>
+        </p:sp>
+      </p:grpSp>
+      <p:grpSp>
+        <p:nvGrpSpPr>
+          <p:cNvPr id="67" name="Group 66"/>
+          <p:cNvGrpSpPr/>
+          <p:nvPr/>
+        </p:nvGrpSpPr>
+        <p:grpSpPr>
+          <a:xfrm>
+            <a:off x="5318610" y="5623490"/>
+            <a:ext cx="697627" cy="678764"/>
+            <a:chOff x="3719995" y="5623490"/>
+            <a:chExt cx="697627" cy="678764"/>
+          </a:xfrm>
+        </p:grpSpPr>
+        <p:grpSp>
+          <p:nvGrpSpPr>
+            <p:cNvPr id="68" name="Group 67"/>
+            <p:cNvGrpSpPr/>
+            <p:nvPr/>
+          </p:nvGrpSpPr>
+          <p:grpSpPr>
+            <a:xfrm>
+              <a:off x="3832834" y="5662470"/>
+              <a:ext cx="471948" cy="439175"/>
+              <a:chOff x="3842638" y="5731740"/>
+              <a:chExt cx="471948" cy="439175"/>
+            </a:xfrm>
+          </p:grpSpPr>
+          <p:sp>
+            <p:nvSpPr>
+              <p:cNvPr id="71" name="Rounded Rectangle 70"/>
+              <p:cNvSpPr/>
+              <p:nvPr/>
+            </p:nvSpPr>
+            <p:spPr>
+              <a:xfrm>
+                <a:off x="3842638" y="5731740"/>
+                <a:ext cx="471948" cy="439175"/>
+              </a:xfrm>
+              <a:prstGeom prst="roundRect">
+                <a:avLst>
+                  <a:gd name="adj" fmla="val 9204"/>
+                </a:avLst>
+              </a:prstGeom>
+              <a:solidFill>
+                <a:schemeClr val="accent5">
+                  <a:lumMod val="60000"/>
+                  <a:lumOff val="40000"/>
+                </a:schemeClr>
+              </a:solidFill>
+              <a:ln>
+                <a:solidFill>
+                  <a:schemeClr val="accent5">
+                    <a:lumMod val="60000"/>
+                    <a:lumOff val="40000"/>
+                  </a:schemeClr>
+                </a:solidFill>
+              </a:ln>
+              <a:effectLst/>
+            </p:spPr>
+            <p:style>
+              <a:lnRef idx="2">
+                <a:schemeClr val="dk1">
+                  <a:shade val="50000"/>
+                </a:schemeClr>
+              </a:lnRef>
+              <a:fillRef idx="1">
+                <a:schemeClr val="dk1"/>
+              </a:fillRef>
+              <a:effectRef idx="0">
+                <a:schemeClr val="dk1"/>
+              </a:effectRef>
+              <a:fontRef idx="minor">
+                <a:schemeClr val="lt1"/>
+              </a:fontRef>
+            </p:style>
+            <p:txBody>
+              <a:bodyPr rtlCol="0" anchor="t"/>
+              <a:lstStyle/>
+              <a:p>
+                <a:pPr algn="ctr"/>
+                <a:r>
+                  <a:rPr lang="en-US" sz="1100" b="1" dirty="0" smtClean="0">
+                    <a:solidFill>
+                      <a:schemeClr val="tx1"/>
+                    </a:solidFill>
+                    <a:latin typeface="PT Sans"/>
+                    <a:cs typeface="PT Sans"/>
+                  </a:rPr>
+                  <a:t>OSD</a:t>
+                </a:r>
+                <a:endParaRPr lang="en-US" sz="1100" b="1" dirty="0">
+                  <a:solidFill>
+                    <a:schemeClr val="tx1"/>
+                  </a:solidFill>
+                  <a:latin typeface="PT Sans"/>
+                  <a:cs typeface="PT Sans"/>
+                </a:endParaRPr>
+              </a:p>
+            </p:txBody>
+          </p:sp>
+          <p:sp>
+            <p:nvSpPr>
+              <p:cNvPr id="72" name="Rectangle 71"/>
+              <p:cNvSpPr/>
+              <p:nvPr/>
+            </p:nvSpPr>
+            <p:spPr>
+              <a:xfrm>
+                <a:off x="3892664" y="6085760"/>
+                <a:ext cx="371897" cy="45719"/>
+              </a:xfrm>
+              <a:prstGeom prst="rect">
+                <a:avLst/>
+              </a:prstGeom>
+              <a:solidFill>
+                <a:schemeClr val="accent2"/>
+              </a:solidFill>
+              <a:ln>
+                <a:solidFill>
+                  <a:schemeClr val="accent2"/>
+                </a:solidFill>
+              </a:ln>
+            </p:spPr>
+            <p:style>
+              <a:lnRef idx="2">
+                <a:schemeClr val="accent2">
+                  <a:shade val="50000"/>
+                </a:schemeClr>
+              </a:lnRef>
+              <a:fillRef idx="1">
+                <a:schemeClr val="accent2"/>
+              </a:fillRef>
+              <a:effectRef idx="0">
+                <a:schemeClr val="accent2"/>
+              </a:effectRef>
+              <a:fontRef idx="minor">
+                <a:schemeClr val="lt1"/>
+              </a:fontRef>
+            </p:style>
+            <p:txBody>
+              <a:bodyPr rtlCol="0" anchor="ctr"/>
+              <a:lstStyle/>
+              <a:p>
+                <a:pPr algn="ctr"/>
+                <a:endParaRPr lang="en-US"/>
+              </a:p>
+            </p:txBody>
+          </p:sp>
+        </p:grpSp>
+        <p:sp>
+          <p:nvSpPr>
+            <p:cNvPr id="69" name="Rectangle 68"/>
+            <p:cNvSpPr/>
+            <p:nvPr/>
+          </p:nvSpPr>
+          <p:spPr>
+            <a:xfrm>
+              <a:off x="3739602" y="5623490"/>
+              <a:ext cx="678020" cy="678764"/>
+            </a:xfrm>
+            <a:prstGeom prst="rect">
+              <a:avLst/>
+            </a:prstGeom>
+            <a:noFill/>
+            <a:ln>
+              <a:solidFill>
+                <a:schemeClr val="tx1"/>
+              </a:solidFill>
+              <a:prstDash val="dash"/>
+            </a:ln>
+            <a:effectLst/>
+          </p:spPr>
+          <p:style>
+            <a:lnRef idx="1">
+              <a:schemeClr val="accent1"/>
+            </a:lnRef>
+            <a:fillRef idx="3">
+              <a:schemeClr val="accent1"/>
+            </a:fillRef>
+            <a:effectRef idx="2">
+              <a:schemeClr val="accent1"/>
+            </a:effectRef>
+            <a:fontRef idx="minor">
+              <a:schemeClr val="lt1"/>
+            </a:fontRef>
+          </p:style>
+          <p:txBody>
+            <a:bodyPr rtlCol="0" anchor="ctr"/>
+            <a:lstStyle/>
+            <a:p>
+              <a:pPr algn="ctr"/>
+              <a:endParaRPr lang="en-US"/>
+            </a:p>
+          </p:txBody>
+        </p:sp>
+        <p:sp>
+          <p:nvSpPr>
+            <p:cNvPr id="70" name="Rectangle 69"/>
+            <p:cNvSpPr/>
+            <p:nvPr/>
+          </p:nvSpPr>
+          <p:spPr>
+            <a:xfrm>
+              <a:off x="3719995" y="6085760"/>
+              <a:ext cx="697627" cy="184666"/>
+            </a:xfrm>
+            <a:prstGeom prst="rect">
+              <a:avLst/>
+            </a:prstGeom>
+          </p:spPr>
+          <p:txBody>
+            <a:bodyPr wrap="none">
+              <a:spAutoFit/>
+            </a:bodyPr>
+            <a:lstStyle/>
+            <a:p>
+              <a:r>
+                <a:rPr lang="en-US" sz="600" dirty="0" smtClean="0">
+                  <a:solidFill>
+                    <a:prstClr val="black"/>
+                  </a:solidFill>
+                  <a:latin typeface="DejaVu Sans Mono"/>
+                  <a:cs typeface="DejaVu Sans Mono"/>
+                </a:rPr>
+                <a:t>192.168.0.4</a:t>
+              </a:r>
+              <a:endParaRPr lang="en-US" sz="800" dirty="0"/>
+            </a:p>
+          </p:txBody>
+        </p:sp>
+      </p:grpSp>
+      <p:cxnSp>
+        <p:nvCxnSpPr>
+          <p:cNvPr id="73" name="Straight Arrow Connector 72"/>
+          <p:cNvCxnSpPr>
+            <a:stCxn id="17" idx="2"/>
+          </p:cNvCxnSpPr>
+          <p:nvPr/>
+        </p:nvCxnSpPr>
+        <p:spPr>
+          <a:xfrm flipH="1">
+            <a:off x="5529388" y="3677122"/>
+            <a:ext cx="2213436" cy="1257561"/>
+          </a:xfrm>
+          <a:prstGeom prst="straightConnector1">
+            <a:avLst/>
+          </a:prstGeom>
+          <a:ln>
+            <a:headEnd type="none"/>
+            <a:tailEnd type="triangle"/>
+          </a:ln>
+        </p:spPr>
+        <p:style>
+          <a:lnRef idx="1">
+            <a:schemeClr val="dk1"/>
+          </a:lnRef>
+          <a:fillRef idx="0">
+            <a:schemeClr val="dk1"/>
+          </a:fillRef>
+          <a:effectRef idx="0">
+            <a:schemeClr val="dk1"/>
+          </a:effectRef>
+          <a:fontRef idx="minor">
+            <a:schemeClr val="tx1"/>
+          </a:fontRef>
+        </p:style>
+      </p:cxnSp>
+      <p:cxnSp>
+        <p:nvCxnSpPr>
+          <p:cNvPr id="74" name="Straight Arrow Connector 73"/>
+          <p:cNvCxnSpPr>
+            <a:stCxn id="17" idx="2"/>
+            <a:endCxn id="39" idx="0"/>
+          </p:cNvCxnSpPr>
+          <p:nvPr/>
+        </p:nvCxnSpPr>
+        <p:spPr>
+          <a:xfrm>
+            <a:off x="7742824" y="3677122"/>
+            <a:ext cx="216908" cy="1243371"/>
+          </a:xfrm>
+          <a:prstGeom prst="straightConnector1">
+            <a:avLst/>
+          </a:prstGeom>
+          <a:ln>
+            <a:headEnd type="none"/>
+            <a:tailEnd type="triangle"/>
+          </a:ln>
+        </p:spPr>
+        <p:style>
+          <a:lnRef idx="1">
+            <a:schemeClr val="dk1"/>
+          </a:lnRef>
+          <a:fillRef idx="0">
+            <a:schemeClr val="dk1"/>
+          </a:fillRef>
+          <a:effectRef idx="0">
+            <a:schemeClr val="dk1"/>
+          </a:effectRef>
+          <a:fontRef idx="minor">
+            <a:schemeClr val="tx1"/>
+          </a:fontRef>
+        </p:style>
+      </p:cxnSp>
+      <p:sp>
+        <p:nvSpPr>
+          <p:cNvPr id="77" name="Rectangle 76"/>
+          <p:cNvSpPr/>
+          <p:nvPr/>
+        </p:nvSpPr>
+        <p:spPr>
+          <a:xfrm rot="19857484">
+            <a:off x="5542768" y="3946861"/>
+            <a:ext cx="1574394" cy="461665"/>
+          </a:xfrm>
+          <a:prstGeom prst="rect">
+            <a:avLst/>
+          </a:prstGeom>
+        </p:spPr>
+        <p:txBody>
+          <a:bodyPr wrap="none">
+            <a:spAutoFit/>
+          </a:bodyPr>
+          <a:lstStyle/>
+          <a:p>
+            <a:pPr algn="ctr"/>
+            <a:r>
+              <a:rPr lang="en-US" sz="1200" dirty="0" err="1" smtClean="0">
+                <a:latin typeface="DejaVu Sans Mono"/>
+                <a:cs typeface="DejaVu Sans Mono"/>
+              </a:rPr>
+              <a:t>ceph-ansible</a:t>
+            </a:r>
+            <a:endParaRPr lang="en-US" sz="1200" dirty="0" smtClean="0">
+              <a:latin typeface="DejaVu Sans Mono"/>
+              <a:cs typeface="DejaVu Sans Mono"/>
+            </a:endParaRPr>
+          </a:p>
+          <a:p>
+            <a:pPr algn="ctr"/>
+            <a:r>
+              <a:rPr lang="en-US" sz="1200" dirty="0" smtClean="0">
+                <a:latin typeface="DejaVu Sans Mono"/>
+                <a:cs typeface="DejaVu Sans Mono"/>
+              </a:rPr>
+              <a:t>(containerized)</a:t>
+            </a:r>
+            <a:endParaRPr lang="en-US" sz="1200" dirty="0"/>
+          </a:p>
+        </p:txBody>
+      </p:sp>
+      <p:sp>
+        <p:nvSpPr>
+          <p:cNvPr id="79" name="Rectangle 78"/>
+          <p:cNvSpPr/>
+          <p:nvPr/>
+        </p:nvSpPr>
+        <p:spPr>
+          <a:xfrm rot="4827183">
+            <a:off x="7454015" y="4139944"/>
+            <a:ext cx="1033944" cy="261610"/>
+          </a:xfrm>
+          <a:prstGeom prst="rect">
+            <a:avLst/>
+          </a:prstGeom>
+        </p:spPr>
+        <p:txBody>
+          <a:bodyPr wrap="none">
+            <a:spAutoFit/>
+          </a:bodyPr>
+          <a:lstStyle/>
+          <a:p>
+            <a:r>
+              <a:rPr lang="en-US" sz="1050" dirty="0" smtClean="0">
+                <a:latin typeface="DejaVu Sans Mono"/>
+                <a:cs typeface="DejaVu Sans Mono"/>
+              </a:rPr>
+              <a:t>docker run</a:t>
+            </a:r>
+            <a:endParaRPr lang="en-US" sz="1050" dirty="0"/>
+          </a:p>
+        </p:txBody>
+      </p:sp>
     </p:spTree>
     <p:extLst>
       <p:ext uri="{BB962C8B-B14F-4D97-AF65-F5344CB8AC3E}">
-        <p14:creationId xmlns:p14="http://schemas.microsoft.com/office/powerpoint/2010/main" val="2864305801"/>
+        <p14:creationId xmlns:p14="http://schemas.microsoft.com/office/powerpoint/2010/main" val="3952595252"/>
       </p:ext>
     </p:extLst>
   </p:cSld>
@@ -4461,4 +9844,324 @@
   </a:objectDefaults>
   <a:extraClrSchemeLst/>
 </a:theme>
+</file>
+
+<file path=ppt/theme/theme2.xml><?xml version="1.0" encoding="utf-8"?>
+<a:theme xmlns:a="http://schemas.openxmlformats.org/drawingml/2006/main" name="Office Theme">
+  <a:themeElements>
+    <a:clrScheme name="Office">
+      <a:dk1>
+        <a:sysClr val="windowText" lastClr="000000"/>
+      </a:dk1>
+      <a:lt1>
+        <a:sysClr val="window" lastClr="FFFFFF"/>
+      </a:lt1>
+      <a:dk2>
+        <a:srgbClr val="1F497D"/>
+      </a:dk2>
+      <a:lt2>
+        <a:srgbClr val="EEECE1"/>
+      </a:lt2>
+      <a:accent1>
+        <a:srgbClr val="4F81BD"/>
+      </a:accent1>
+      <a:accent2>
+        <a:srgbClr val="C0504D"/>
+      </a:accent2>
+      <a:accent3>
+        <a:srgbClr val="9BBB59"/>
+      </a:accent3>
+      <a:accent4>
+        <a:srgbClr val="8064A2"/>
+      </a:accent4>
+      <a:accent5>
+        <a:srgbClr val="4BACC6"/>
+      </a:accent5>
+      <a:accent6>
+        <a:srgbClr val="F79646"/>
+      </a:accent6>
+      <a:hlink>
+        <a:srgbClr val="0000FF"/>
+      </a:hlink>
+      <a:folHlink>
+        <a:srgbClr val="800080"/>
+      </a:folHlink>
+    </a:clrScheme>
+    <a:fontScheme name="Office">
+      <a:majorFont>
+        <a:latin typeface="Calibri"/>
+        <a:ea typeface=""/>
+        <a:cs typeface=""/>
+        <a:font script="Jpan" typeface="ＭＳ Ｐゴシック"/>
+        <a:font script="Hang" typeface="맑은 고딕"/>
+        <a:font script="Hans" typeface="宋体"/>
+        <a:font script="Hant" typeface="新細明體"/>
+        <a:font script="Arab" typeface="Times New Roman"/>
+        <a:font script="Hebr" typeface="Times New Roman"/>
+        <a:font script="Thai" typeface="Angsana New"/>
+        <a:font script="Ethi" typeface="Nyala"/>
+        <a:font script="Beng" typeface="Vrinda"/>
+        <a:font script="Gujr" typeface="Shruti"/>
+        <a:font script="Khmr" typeface="MoolBoran"/>
+        <a:font script="Knda" typeface="Tunga"/>
+        <a:font script="Guru" typeface="Raavi"/>
+        <a:font script="Cans" typeface="Euphemia"/>
+        <a:font script="Cher" typeface="Plantagenet Cherokee"/>
+        <a:font script="Yiii" typeface="Microsoft Yi Baiti"/>
+        <a:font script="Tibt" typeface="Microsoft Himalaya"/>
+        <a:font script="Thaa" typeface="MV Boli"/>
+        <a:font script="Deva" typeface="Mangal"/>
+        <a:font script="Telu" typeface="Gautami"/>
+        <a:font script="Taml" typeface="Latha"/>
+        <a:font script="Syrc" typeface="Estrangelo Edessa"/>
+        <a:font script="Orya" typeface="Kalinga"/>
+        <a:font script="Mlym" typeface="Kartika"/>
+        <a:font script="Laoo" typeface="DokChampa"/>
+        <a:font script="Sinh" typeface="Iskoola Pota"/>
+        <a:font script="Mong" typeface="Mongolian Baiti"/>
+        <a:font script="Viet" typeface="Times New Roman"/>
+        <a:font script="Uigh" typeface="Microsoft Uighur"/>
+        <a:font script="Geor" typeface="Sylfaen"/>
+      </a:majorFont>
+      <a:minorFont>
+        <a:latin typeface="Calibri"/>
+        <a:ea typeface=""/>
+        <a:cs typeface=""/>
+        <a:font script="Jpan" typeface="ＭＳ Ｐゴシック"/>
+        <a:font script="Hang" typeface="맑은 고딕"/>
+        <a:font script="Hans" typeface="宋体"/>
+        <a:font script="Hant" typeface="新細明體"/>
+        <a:font script="Arab" typeface="Arial"/>
+        <a:font script="Hebr" typeface="Arial"/>
+        <a:font script="Thai" typeface="Cordia New"/>
+        <a:font script="Ethi" typeface="Nyala"/>
+        <a:font script="Beng" typeface="Vrinda"/>
+        <a:font script="Gujr" typeface="Shruti"/>
+        <a:font script="Khmr" typeface="DaunPenh"/>
+        <a:font script="Knda" typeface="Tunga"/>
+        <a:font script="Guru" typeface="Raavi"/>
+        <a:font script="Cans" typeface="Euphemia"/>
+        <a:font script="Cher" typeface="Plantagenet Cherokee"/>
+        <a:font script="Yiii" typeface="Microsoft Yi Baiti"/>
+        <a:font script="Tibt" typeface="Microsoft Himalaya"/>
+        <a:font script="Thaa" typeface="MV Boli"/>
+        <a:font script="Deva" typeface="Mangal"/>
+        <a:font script="Telu" typeface="Gautami"/>
+        <a:font script="Taml" typeface="Latha"/>
+        <a:font script="Syrc" typeface="Estrangelo Edessa"/>
+        <a:font script="Orya" typeface="Kalinga"/>
+        <a:font script="Mlym" typeface="Kartika"/>
+        <a:font script="Laoo" typeface="DokChampa"/>
+        <a:font script="Sinh" typeface="Iskoola Pota"/>
+        <a:font script="Mong" typeface="Mongolian Baiti"/>
+        <a:font script="Viet" typeface="Arial"/>
+        <a:font script="Uigh" typeface="Microsoft Uighur"/>
+        <a:font script="Geor" typeface="Sylfaen"/>
+      </a:minorFont>
+    </a:fontScheme>
+    <a:fmtScheme name="Office">
+      <a:fillStyleLst>
+        <a:solidFill>
+          <a:schemeClr val="phClr"/>
+        </a:solidFill>
+        <a:gradFill rotWithShape="1">
+          <a:gsLst>
+            <a:gs pos="0">
+              <a:schemeClr val="phClr">
+                <a:tint val="50000"/>
+                <a:satMod val="300000"/>
+              </a:schemeClr>
+            </a:gs>
+            <a:gs pos="35000">
+              <a:schemeClr val="phClr">
+                <a:tint val="37000"/>
+                <a:satMod val="300000"/>
+              </a:schemeClr>
+            </a:gs>
+            <a:gs pos="100000">
+              <a:schemeClr val="phClr">
+                <a:tint val="15000"/>
+                <a:satMod val="350000"/>
+              </a:schemeClr>
+            </a:gs>
+          </a:gsLst>
+          <a:lin ang="16200000" scaled="1"/>
+        </a:gradFill>
+        <a:gradFill rotWithShape="1">
+          <a:gsLst>
+            <a:gs pos="0">
+              <a:schemeClr val="phClr">
+                <a:tint val="100000"/>
+                <a:shade val="100000"/>
+                <a:satMod val="130000"/>
+              </a:schemeClr>
+            </a:gs>
+            <a:gs pos="100000">
+              <a:schemeClr val="phClr">
+                <a:tint val="50000"/>
+                <a:shade val="100000"/>
+                <a:satMod val="350000"/>
+              </a:schemeClr>
+            </a:gs>
+          </a:gsLst>
+          <a:lin ang="16200000" scaled="0"/>
+        </a:gradFill>
+      </a:fillStyleLst>
+      <a:lnStyleLst>
+        <a:ln w="9525" cap="flat" cmpd="sng" algn="ctr">
+          <a:solidFill>
+            <a:schemeClr val="phClr">
+              <a:shade val="95000"/>
+              <a:satMod val="105000"/>
+            </a:schemeClr>
+          </a:solidFill>
+          <a:prstDash val="solid"/>
+        </a:ln>
+        <a:ln w="25400" cap="flat" cmpd="sng" algn="ctr">
+          <a:solidFill>
+            <a:schemeClr val="phClr"/>
+          </a:solidFill>
+          <a:prstDash val="solid"/>
+        </a:ln>
+        <a:ln w="38100" cap="flat" cmpd="sng" algn="ctr">
+          <a:solidFill>
+            <a:schemeClr val="phClr"/>
+          </a:solidFill>
+          <a:prstDash val="solid"/>
+        </a:ln>
+      </a:lnStyleLst>
+      <a:effectStyleLst>
+        <a:effectStyle>
+          <a:effectLst>
+            <a:outerShdw blurRad="40000" dist="20000" dir="5400000" rotWithShape="0">
+              <a:srgbClr val="000000">
+                <a:alpha val="38000"/>
+              </a:srgbClr>
+            </a:outerShdw>
+          </a:effectLst>
+        </a:effectStyle>
+        <a:effectStyle>
+          <a:effectLst>
+            <a:outerShdw blurRad="40000" dist="23000" dir="5400000" rotWithShape="0">
+              <a:srgbClr val="000000">
+                <a:alpha val="35000"/>
+              </a:srgbClr>
+            </a:outerShdw>
+          </a:effectLst>
+        </a:effectStyle>
+        <a:effectStyle>
+          <a:effectLst>
+            <a:outerShdw blurRad="40000" dist="23000" dir="5400000" rotWithShape="0">
+              <a:srgbClr val="000000">
+                <a:alpha val="35000"/>
+              </a:srgbClr>
+            </a:outerShdw>
+          </a:effectLst>
+          <a:scene3d>
+            <a:camera prst="orthographicFront">
+              <a:rot lat="0" lon="0" rev="0"/>
+            </a:camera>
+            <a:lightRig rig="threePt" dir="t">
+              <a:rot lat="0" lon="0" rev="1200000"/>
+            </a:lightRig>
+          </a:scene3d>
+          <a:sp3d>
+            <a:bevelT w="63500" h="25400"/>
+          </a:sp3d>
+        </a:effectStyle>
+      </a:effectStyleLst>
+      <a:bgFillStyleLst>
+        <a:solidFill>
+          <a:schemeClr val="phClr"/>
+        </a:solidFill>
+        <a:gradFill rotWithShape="1">
+          <a:gsLst>
+            <a:gs pos="0">
+              <a:schemeClr val="phClr">
+                <a:tint val="40000"/>
+                <a:satMod val="350000"/>
+              </a:schemeClr>
+            </a:gs>
+            <a:gs pos="40000">
+              <a:schemeClr val="phClr">
+                <a:tint val="45000"/>
+                <a:shade val="99000"/>
+                <a:satMod val="350000"/>
+              </a:schemeClr>
+            </a:gs>
+            <a:gs pos="100000">
+              <a:schemeClr val="phClr">
+                <a:shade val="20000"/>
+                <a:satMod val="255000"/>
+              </a:schemeClr>
+            </a:gs>
+          </a:gsLst>
+          <a:path path="circle">
+            <a:fillToRect l="50000" t="-80000" r="50000" b="180000"/>
+          </a:path>
+        </a:gradFill>
+        <a:gradFill rotWithShape="1">
+          <a:gsLst>
+            <a:gs pos="0">
+              <a:schemeClr val="phClr">
+                <a:tint val="80000"/>
+                <a:satMod val="300000"/>
+              </a:schemeClr>
+            </a:gs>
+            <a:gs pos="100000">
+              <a:schemeClr val="phClr">
+                <a:shade val="30000"/>
+                <a:satMod val="200000"/>
+              </a:schemeClr>
+            </a:gs>
+          </a:gsLst>
+          <a:path path="circle">
+            <a:fillToRect l="50000" t="50000" r="50000" b="50000"/>
+          </a:path>
+        </a:gradFill>
+      </a:bgFillStyleLst>
+    </a:fmtScheme>
+  </a:themeElements>
+  <a:objectDefaults>
+    <a:spDef>
+      <a:spPr/>
+      <a:bodyPr/>
+      <a:lstStyle/>
+      <a:style>
+        <a:lnRef idx="1">
+          <a:schemeClr val="accent1"/>
+        </a:lnRef>
+        <a:fillRef idx="3">
+          <a:schemeClr val="accent1"/>
+        </a:fillRef>
+        <a:effectRef idx="2">
+          <a:schemeClr val="accent1"/>
+        </a:effectRef>
+        <a:fontRef idx="minor">
+          <a:schemeClr val="lt1"/>
+        </a:fontRef>
+      </a:style>
+    </a:spDef>
+    <a:lnDef>
+      <a:spPr/>
+      <a:bodyPr/>
+      <a:lstStyle/>
+      <a:style>
+        <a:lnRef idx="2">
+          <a:schemeClr val="accent1"/>
+        </a:lnRef>
+        <a:fillRef idx="0">
+          <a:schemeClr val="accent1"/>
+        </a:fillRef>
+        <a:effectRef idx="1">
+          <a:schemeClr val="accent1"/>
+        </a:effectRef>
+        <a:fontRef idx="minor">
+          <a:schemeClr val="tx1"/>
+        </a:fontRef>
+      </a:style>
+    </a:lnDef>
+  </a:objectDefaults>
+  <a:extraClrSchemeLst/>
+</a:theme>
 </file>